--- a/apresentacao_peixe.pptx
+++ b/apresentacao_peixe.pptx
@@ -11,11 +11,9 @@
     <p:sldId id="260" r:id="rId5"/>
     <p:sldId id="261" r:id="rId6"/>
     <p:sldId id="262" r:id="rId7"/>
-    <p:sldId id="263" r:id="rId8"/>
-    <p:sldId id="264" r:id="rId9"/>
-    <p:sldId id="265" r:id="rId10"/>
-    <p:sldId id="267" r:id="rId11"/>
-    <p:sldId id="271" r:id="rId12"/>
+    <p:sldId id="264" r:id="rId8"/>
+    <p:sldId id="267" r:id="rId9"/>
+    <p:sldId id="271" r:id="rId10"/>
   </p:sldIdLst>
   <p:sldSz cx="12188825" cy="6858000"/>
   <p:notesSz cx="6858000" cy="9144000"/>
@@ -2758,927 +2756,6 @@
 </file>
 
 <file path=ppt/diagrams/colors4.xml><?xml version="1.0" encoding="utf-8"?>
-<dgm:colorsDef xmlns:dgm="http://schemas.openxmlformats.org/drawingml/2006/diagram" xmlns:a="http://schemas.openxmlformats.org/drawingml/2006/main" uniqueId="urn:microsoft.com/office/officeart/2018/5/colors/Iconchunking_neutralbg_colorful1">
-  <dgm:title val=""/>
-  <dgm:desc val=""/>
-  <dgm:catLst>
-    <dgm:cat type="colorful" pri="10100"/>
-  </dgm:catLst>
-  <dgm:styleLbl name="node0">
-    <dgm:fillClrLst meth="repeat">
-      <a:schemeClr val="accent1"/>
-    </dgm:fillClrLst>
-    <dgm:linClrLst meth="repeat">
-      <a:schemeClr val="lt1"/>
-    </dgm:linClrLst>
-    <dgm:effectClrLst/>
-    <dgm:txLinClrLst/>
-    <dgm:txFillClrLst/>
-    <dgm:txEffectClrLst/>
-  </dgm:styleLbl>
-  <dgm:styleLbl name="node1">
-    <dgm:fillClrLst meth="repeat">
-      <a:schemeClr val="accent2"/>
-      <a:schemeClr val="accent3"/>
-      <a:schemeClr val="accent4"/>
-      <a:schemeClr val="accent5"/>
-      <a:schemeClr val="accent6"/>
-    </dgm:fillClrLst>
-    <dgm:linClrLst meth="repeat">
-      <a:schemeClr val="lt1">
-        <a:alpha val="0"/>
-      </a:schemeClr>
-    </dgm:linClrLst>
-    <dgm:effectClrLst/>
-    <dgm:txLinClrLst/>
-    <dgm:txFillClrLst/>
-    <dgm:txEffectClrLst/>
-  </dgm:styleLbl>
-  <dgm:styleLbl name="alignNode1">
-    <dgm:fillClrLst meth="repeat">
-      <a:schemeClr val="accent2"/>
-      <a:schemeClr val="accent3"/>
-      <a:schemeClr val="accent4"/>
-      <a:schemeClr val="accent5"/>
-      <a:schemeClr val="accent6"/>
-    </dgm:fillClrLst>
-    <dgm:linClrLst meth="repeat">
-      <a:schemeClr val="accent2"/>
-      <a:schemeClr val="accent3"/>
-      <a:schemeClr val="accent4"/>
-      <a:schemeClr val="accent5"/>
-      <a:schemeClr val="accent6"/>
-    </dgm:linClrLst>
-    <dgm:effectClrLst/>
-    <dgm:txLinClrLst/>
-    <dgm:txFillClrLst/>
-    <dgm:txEffectClrLst/>
-  </dgm:styleLbl>
-  <dgm:styleLbl name="lnNode1">
-    <dgm:fillClrLst meth="repeat">
-      <a:schemeClr val="accent2"/>
-      <a:schemeClr val="accent3"/>
-      <a:schemeClr val="accent4"/>
-      <a:schemeClr val="accent5"/>
-      <a:schemeClr val="accent6"/>
-    </dgm:fillClrLst>
-    <dgm:linClrLst meth="repeat">
-      <a:schemeClr val="lt1"/>
-    </dgm:linClrLst>
-    <dgm:effectClrLst/>
-    <dgm:txLinClrLst/>
-    <dgm:txFillClrLst/>
-    <dgm:txEffectClrLst/>
-  </dgm:styleLbl>
-  <dgm:styleLbl name="vennNode1">
-    <dgm:fillClrLst meth="repeat">
-      <a:schemeClr val="accent2">
-        <a:alpha val="50000"/>
-      </a:schemeClr>
-      <a:schemeClr val="accent3">
-        <a:alpha val="50000"/>
-      </a:schemeClr>
-      <a:schemeClr val="accent4">
-        <a:alpha val="50000"/>
-      </a:schemeClr>
-      <a:schemeClr val="accent5">
-        <a:alpha val="50000"/>
-      </a:schemeClr>
-      <a:schemeClr val="accent6">
-        <a:alpha val="50000"/>
-      </a:schemeClr>
-    </dgm:fillClrLst>
-    <dgm:linClrLst meth="repeat">
-      <a:schemeClr val="lt1"/>
-    </dgm:linClrLst>
-    <dgm:effectClrLst/>
-    <dgm:txLinClrLst/>
-    <dgm:txFillClrLst/>
-    <dgm:txEffectClrLst/>
-  </dgm:styleLbl>
-  <dgm:styleLbl name="node2">
-    <dgm:fillClrLst>
-      <a:schemeClr val="accent2"/>
-    </dgm:fillClrLst>
-    <dgm:linClrLst meth="repeat">
-      <a:schemeClr val="lt1"/>
-    </dgm:linClrLst>
-    <dgm:effectClrLst/>
-    <dgm:txLinClrLst/>
-    <dgm:txFillClrLst/>
-    <dgm:txEffectClrLst/>
-  </dgm:styleLbl>
-  <dgm:styleLbl name="node3">
-    <dgm:fillClrLst>
-      <a:schemeClr val="accent3"/>
-    </dgm:fillClrLst>
-    <dgm:linClrLst meth="repeat">
-      <a:schemeClr val="lt1"/>
-    </dgm:linClrLst>
-    <dgm:effectClrLst/>
-    <dgm:txLinClrLst/>
-    <dgm:txFillClrLst/>
-    <dgm:txEffectClrLst/>
-  </dgm:styleLbl>
-  <dgm:styleLbl name="node4">
-    <dgm:fillClrLst>
-      <a:schemeClr val="accent4"/>
-    </dgm:fillClrLst>
-    <dgm:linClrLst meth="repeat">
-      <a:schemeClr val="lt1"/>
-    </dgm:linClrLst>
-    <dgm:effectClrLst/>
-    <dgm:txLinClrLst/>
-    <dgm:txFillClrLst/>
-    <dgm:txEffectClrLst/>
-  </dgm:styleLbl>
-  <dgm:styleLbl name="fgImgPlace1">
-    <dgm:fillClrLst meth="repeat">
-      <a:schemeClr val="accent2">
-        <a:tint val="50000"/>
-      </a:schemeClr>
-      <a:schemeClr val="accent3">
-        <a:tint val="50000"/>
-      </a:schemeClr>
-      <a:schemeClr val="accent4">
-        <a:tint val="50000"/>
-      </a:schemeClr>
-      <a:schemeClr val="accent5">
-        <a:tint val="50000"/>
-      </a:schemeClr>
-      <a:schemeClr val="accent6">
-        <a:tint val="50000"/>
-      </a:schemeClr>
-    </dgm:fillClrLst>
-    <dgm:linClrLst meth="repeat">
-      <a:schemeClr val="lt1"/>
-    </dgm:linClrLst>
-    <dgm:effectClrLst/>
-    <dgm:txLinClrLst/>
-    <dgm:txFillClrLst meth="repeat">
-      <a:schemeClr val="lt1"/>
-    </dgm:txFillClrLst>
-    <dgm:txEffectClrLst/>
-  </dgm:styleLbl>
-  <dgm:styleLbl name="alignImgPlace1">
-    <dgm:fillClrLst>
-      <a:schemeClr val="accent1">
-        <a:tint val="50000"/>
-      </a:schemeClr>
-      <a:schemeClr val="accent2">
-        <a:tint val="20000"/>
-      </a:schemeClr>
-    </dgm:fillClrLst>
-    <dgm:linClrLst meth="repeat">
-      <a:schemeClr val="lt1"/>
-    </dgm:linClrLst>
-    <dgm:effectClrLst/>
-    <dgm:txLinClrLst/>
-    <dgm:txFillClrLst meth="repeat">
-      <a:schemeClr val="lt1"/>
-    </dgm:txFillClrLst>
-    <dgm:txEffectClrLst/>
-  </dgm:styleLbl>
-  <dgm:styleLbl name="bgImgPlace1">
-    <dgm:fillClrLst>
-      <a:schemeClr val="accent1">
-        <a:tint val="50000"/>
-      </a:schemeClr>
-      <a:schemeClr val="accent2">
-        <a:tint val="20000"/>
-      </a:schemeClr>
-    </dgm:fillClrLst>
-    <dgm:linClrLst meth="repeat">
-      <a:schemeClr val="lt1"/>
-    </dgm:linClrLst>
-    <dgm:effectClrLst/>
-    <dgm:txLinClrLst/>
-    <dgm:txFillClrLst meth="repeat">
-      <a:schemeClr val="lt1"/>
-    </dgm:txFillClrLst>
-    <dgm:txEffectClrLst/>
-  </dgm:styleLbl>
-  <dgm:styleLbl name="sibTrans2D1">
-    <dgm:fillClrLst meth="repeat">
-      <a:schemeClr val="accent2"/>
-      <a:schemeClr val="accent3"/>
-      <a:schemeClr val="accent4"/>
-      <a:schemeClr val="accent5"/>
-      <a:schemeClr val="accent6"/>
-    </dgm:fillClrLst>
-    <dgm:linClrLst meth="cycle">
-      <a:schemeClr val="lt1"/>
-    </dgm:linClrLst>
-    <dgm:effectClrLst/>
-    <dgm:txLinClrLst/>
-    <dgm:txFillClrLst/>
-    <dgm:txEffectClrLst/>
-  </dgm:styleLbl>
-  <dgm:styleLbl name="fgSibTrans2D1">
-    <dgm:fillClrLst meth="repeat">
-      <a:schemeClr val="accent2"/>
-      <a:schemeClr val="accent3"/>
-      <a:schemeClr val="accent4"/>
-      <a:schemeClr val="accent5"/>
-      <a:schemeClr val="accent6"/>
-    </dgm:fillClrLst>
-    <dgm:linClrLst meth="cycle">
-      <a:schemeClr val="lt1"/>
-    </dgm:linClrLst>
-    <dgm:effectClrLst/>
-    <dgm:txLinClrLst/>
-    <dgm:txFillClrLst meth="repeat">
-      <a:schemeClr val="lt1"/>
-    </dgm:txFillClrLst>
-    <dgm:txEffectClrLst/>
-  </dgm:styleLbl>
-  <dgm:styleLbl name="bgSibTrans2D1">
-    <dgm:fillClrLst meth="repeat">
-      <a:schemeClr val="accent2"/>
-      <a:schemeClr val="accent3"/>
-      <a:schemeClr val="accent4"/>
-      <a:schemeClr val="accent5"/>
-      <a:schemeClr val="accent6"/>
-    </dgm:fillClrLst>
-    <dgm:linClrLst meth="cycle">
-      <a:schemeClr val="lt1"/>
-    </dgm:linClrLst>
-    <dgm:effectClrLst/>
-    <dgm:txLinClrLst/>
-    <dgm:txFillClrLst meth="repeat">
-      <a:schemeClr val="lt1"/>
-    </dgm:txFillClrLst>
-    <dgm:txEffectClrLst/>
-  </dgm:styleLbl>
-  <dgm:styleLbl name="sibTrans1D1">
-    <dgm:fillClrLst meth="repeat">
-      <a:schemeClr val="accent2"/>
-      <a:schemeClr val="accent3"/>
-      <a:schemeClr val="accent4"/>
-      <a:schemeClr val="accent5"/>
-      <a:schemeClr val="accent6"/>
-    </dgm:fillClrLst>
-    <dgm:linClrLst meth="repeat">
-      <a:schemeClr val="accent2"/>
-      <a:schemeClr val="accent3"/>
-      <a:schemeClr val="accent4"/>
-      <a:schemeClr val="accent5"/>
-      <a:schemeClr val="accent6"/>
-    </dgm:linClrLst>
-    <dgm:effectClrLst/>
-    <dgm:txLinClrLst/>
-    <dgm:txFillClrLst meth="repeat">
-      <a:schemeClr val="tx1"/>
-    </dgm:txFillClrLst>
-    <dgm:txEffectClrLst/>
-  </dgm:styleLbl>
-  <dgm:styleLbl name="callout">
-    <dgm:fillClrLst meth="repeat">
-      <a:schemeClr val="accent2"/>
-    </dgm:fillClrLst>
-    <dgm:linClrLst meth="repeat">
-      <a:schemeClr val="accent2">
-        <a:tint val="50000"/>
-      </a:schemeClr>
-    </dgm:linClrLst>
-    <dgm:effectClrLst/>
-    <dgm:txLinClrLst/>
-    <dgm:txFillClrLst meth="repeat">
-      <a:schemeClr val="tx1"/>
-    </dgm:txFillClrLst>
-    <dgm:txEffectClrLst/>
-  </dgm:styleLbl>
-  <dgm:styleLbl name="asst0">
-    <dgm:fillClrLst meth="repeat">
-      <a:schemeClr val="accent1"/>
-    </dgm:fillClrLst>
-    <dgm:linClrLst meth="repeat">
-      <a:schemeClr val="lt1"/>
-    </dgm:linClrLst>
-    <dgm:effectClrLst/>
-    <dgm:txLinClrLst/>
-    <dgm:txFillClrLst/>
-    <dgm:txEffectClrLst/>
-  </dgm:styleLbl>
-  <dgm:styleLbl name="asst1">
-    <dgm:fillClrLst meth="repeat">
-      <a:schemeClr val="accent2"/>
-    </dgm:fillClrLst>
-    <dgm:linClrLst meth="repeat">
-      <a:schemeClr val="lt1"/>
-    </dgm:linClrLst>
-    <dgm:effectClrLst/>
-    <dgm:txLinClrLst/>
-    <dgm:txFillClrLst/>
-    <dgm:txEffectClrLst/>
-  </dgm:styleLbl>
-  <dgm:styleLbl name="asst2">
-    <dgm:fillClrLst>
-      <a:schemeClr val="accent3"/>
-    </dgm:fillClrLst>
-    <dgm:linClrLst meth="repeat">
-      <a:schemeClr val="lt1"/>
-    </dgm:linClrLst>
-    <dgm:effectClrLst/>
-    <dgm:txLinClrLst/>
-    <dgm:txFillClrLst/>
-    <dgm:txEffectClrLst/>
-  </dgm:styleLbl>
-  <dgm:styleLbl name="asst3">
-    <dgm:fillClrLst>
-      <a:schemeClr val="accent4"/>
-    </dgm:fillClrLst>
-    <dgm:linClrLst meth="repeat">
-      <a:schemeClr val="lt1"/>
-    </dgm:linClrLst>
-    <dgm:effectClrLst/>
-    <dgm:txLinClrLst/>
-    <dgm:txFillClrLst/>
-    <dgm:txEffectClrLst/>
-  </dgm:styleLbl>
-  <dgm:styleLbl name="asst4">
-    <dgm:fillClrLst>
-      <a:schemeClr val="accent5"/>
-    </dgm:fillClrLst>
-    <dgm:linClrLst meth="repeat">
-      <a:schemeClr val="lt1"/>
-    </dgm:linClrLst>
-    <dgm:effectClrLst/>
-    <dgm:txLinClrLst/>
-    <dgm:txFillClrLst/>
-    <dgm:txEffectClrLst/>
-  </dgm:styleLbl>
-  <dgm:styleLbl name="parChTrans2D1">
-    <dgm:fillClrLst meth="repeat">
-      <a:schemeClr val="accent2"/>
-    </dgm:fillClrLst>
-    <dgm:linClrLst meth="repeat">
-      <a:schemeClr val="lt1"/>
-    </dgm:linClrLst>
-    <dgm:effectClrLst/>
-    <dgm:txLinClrLst/>
-    <dgm:txFillClrLst meth="repeat">
-      <a:schemeClr val="lt1"/>
-    </dgm:txFillClrLst>
-    <dgm:txEffectClrLst/>
-  </dgm:styleLbl>
-  <dgm:styleLbl name="parChTrans2D2">
-    <dgm:fillClrLst meth="repeat">
-      <a:schemeClr val="accent3"/>
-    </dgm:fillClrLst>
-    <dgm:linClrLst meth="repeat">
-      <a:schemeClr val="lt1"/>
-    </dgm:linClrLst>
-    <dgm:effectClrLst/>
-    <dgm:txLinClrLst/>
-    <dgm:txFillClrLst/>
-    <dgm:txEffectClrLst/>
-  </dgm:styleLbl>
-  <dgm:styleLbl name="parChTrans2D3">
-    <dgm:fillClrLst meth="repeat">
-      <a:schemeClr val="accent4"/>
-    </dgm:fillClrLst>
-    <dgm:linClrLst meth="repeat">
-      <a:schemeClr val="lt1"/>
-    </dgm:linClrLst>
-    <dgm:effectClrLst/>
-    <dgm:txLinClrLst/>
-    <dgm:txFillClrLst/>
-    <dgm:txEffectClrLst/>
-  </dgm:styleLbl>
-  <dgm:styleLbl name="parChTrans2D4">
-    <dgm:fillClrLst meth="repeat">
-      <a:schemeClr val="accent5"/>
-    </dgm:fillClrLst>
-    <dgm:linClrLst meth="repeat">
-      <a:schemeClr val="lt1"/>
-    </dgm:linClrLst>
-    <dgm:effectClrLst/>
-    <dgm:txLinClrLst/>
-    <dgm:txFillClrLst meth="repeat">
-      <a:schemeClr val="lt1"/>
-    </dgm:txFillClrLst>
-    <dgm:txEffectClrLst/>
-  </dgm:styleLbl>
-  <dgm:styleLbl name="parChTrans1D1">
-    <dgm:fillClrLst meth="repeat">
-      <a:schemeClr val="accent2"/>
-    </dgm:fillClrLst>
-    <dgm:linClrLst meth="repeat">
-      <a:schemeClr val="accent1"/>
-    </dgm:linClrLst>
-    <dgm:effectClrLst/>
-    <dgm:txLinClrLst/>
-    <dgm:txFillClrLst meth="repeat">
-      <a:schemeClr val="tx1"/>
-    </dgm:txFillClrLst>
-    <dgm:txEffectClrLst/>
-  </dgm:styleLbl>
-  <dgm:styleLbl name="parChTrans1D2">
-    <dgm:fillClrLst meth="repeat">
-      <a:schemeClr val="accent3">
-        <a:tint val="90000"/>
-      </a:schemeClr>
-    </dgm:fillClrLst>
-    <dgm:linClrLst meth="repeat">
-      <a:schemeClr val="accent2"/>
-    </dgm:linClrLst>
-    <dgm:effectClrLst/>
-    <dgm:txLinClrLst/>
-    <dgm:txFillClrLst meth="repeat">
-      <a:schemeClr val="tx1"/>
-    </dgm:txFillClrLst>
-    <dgm:txEffectClrLst/>
-  </dgm:styleLbl>
-  <dgm:styleLbl name="parChTrans1D3">
-    <dgm:fillClrLst meth="repeat">
-      <a:schemeClr val="accent4">
-        <a:tint val="70000"/>
-      </a:schemeClr>
-    </dgm:fillClrLst>
-    <dgm:linClrLst meth="repeat">
-      <a:schemeClr val="accent3"/>
-    </dgm:linClrLst>
-    <dgm:effectClrLst/>
-    <dgm:txLinClrLst/>
-    <dgm:txFillClrLst meth="repeat">
-      <a:schemeClr val="tx1"/>
-    </dgm:txFillClrLst>
-    <dgm:txEffectClrLst/>
-  </dgm:styleLbl>
-  <dgm:styleLbl name="parChTrans1D4">
-    <dgm:fillClrLst meth="repeat">
-      <a:schemeClr val="accent5">
-        <a:tint val="50000"/>
-      </a:schemeClr>
-    </dgm:fillClrLst>
-    <dgm:linClrLst meth="repeat">
-      <a:schemeClr val="accent4"/>
-    </dgm:linClrLst>
-    <dgm:effectClrLst/>
-    <dgm:txLinClrLst/>
-    <dgm:txFillClrLst meth="repeat">
-      <a:schemeClr val="tx1"/>
-    </dgm:txFillClrLst>
-    <dgm:txEffectClrLst/>
-  </dgm:styleLbl>
-  <dgm:styleLbl name="fgAcc1">
-    <dgm:fillClrLst meth="repeat">
-      <a:schemeClr val="lt1">
-        <a:alpha val="90000"/>
-      </a:schemeClr>
-    </dgm:fillClrLst>
-    <dgm:linClrLst meth="repeat">
-      <a:schemeClr val="accent2"/>
-      <a:schemeClr val="accent3"/>
-      <a:schemeClr val="accent4"/>
-      <a:schemeClr val="accent5"/>
-      <a:schemeClr val="accent6"/>
-    </dgm:linClrLst>
-    <dgm:effectClrLst/>
-    <dgm:txLinClrLst/>
-    <dgm:txFillClrLst meth="repeat">
-      <a:schemeClr val="dk1"/>
-    </dgm:txFillClrLst>
-    <dgm:txEffectClrLst/>
-  </dgm:styleLbl>
-  <dgm:styleLbl name="conFgAcc1">
-    <dgm:fillClrLst meth="repeat">
-      <a:schemeClr val="lt1">
-        <a:alpha val="90000"/>
-      </a:schemeClr>
-    </dgm:fillClrLst>
-    <dgm:linClrLst meth="repeat">
-      <a:schemeClr val="accent2"/>
-      <a:schemeClr val="accent3"/>
-      <a:schemeClr val="accent4"/>
-      <a:schemeClr val="accent5"/>
-      <a:schemeClr val="accent6"/>
-    </dgm:linClrLst>
-    <dgm:effectClrLst/>
-    <dgm:txLinClrLst/>
-    <dgm:txFillClrLst meth="repeat">
-      <a:schemeClr val="dk1"/>
-    </dgm:txFillClrLst>
-    <dgm:txEffectClrLst/>
-  </dgm:styleLbl>
-  <dgm:styleLbl name="alignAcc1">
-    <dgm:fillClrLst meth="repeat">
-      <a:schemeClr val="lt1">
-        <a:alpha val="90000"/>
-      </a:schemeClr>
-    </dgm:fillClrLst>
-    <dgm:linClrLst meth="repeat">
-      <a:schemeClr val="accent2"/>
-      <a:schemeClr val="accent3"/>
-      <a:schemeClr val="accent4"/>
-      <a:schemeClr val="accent5"/>
-      <a:schemeClr val="accent6"/>
-    </dgm:linClrLst>
-    <dgm:effectClrLst/>
-    <dgm:txLinClrLst/>
-    <dgm:txFillClrLst meth="repeat">
-      <a:schemeClr val="dk1"/>
-    </dgm:txFillClrLst>
-    <dgm:txEffectClrLst/>
-  </dgm:styleLbl>
-  <dgm:styleLbl name="trAlignAcc1">
-    <dgm:fillClrLst meth="repeat">
-      <a:schemeClr val="lt1">
-        <a:alpha val="40000"/>
-      </a:schemeClr>
-    </dgm:fillClrLst>
-    <dgm:linClrLst meth="repeat">
-      <a:schemeClr val="accent1"/>
-    </dgm:linClrLst>
-    <dgm:effectClrLst/>
-    <dgm:txLinClrLst/>
-    <dgm:txFillClrLst meth="repeat">
-      <a:schemeClr val="dk1"/>
-    </dgm:txFillClrLst>
-    <dgm:txEffectClrLst/>
-  </dgm:styleLbl>
-  <dgm:styleLbl name="bgAcc1">
-    <dgm:fillClrLst meth="repeat">
-      <a:schemeClr val="lt1">
-        <a:alpha val="90000"/>
-      </a:schemeClr>
-    </dgm:fillClrLst>
-    <dgm:linClrLst meth="repeat">
-      <a:schemeClr val="accent2"/>
-      <a:schemeClr val="accent3"/>
-      <a:schemeClr val="accent4"/>
-      <a:schemeClr val="accent5"/>
-      <a:schemeClr val="accent6"/>
-    </dgm:linClrLst>
-    <dgm:effectClrLst/>
-    <dgm:txLinClrLst/>
-    <dgm:txFillClrLst meth="repeat">
-      <a:schemeClr val="dk1"/>
-    </dgm:txFillClrLst>
-    <dgm:txEffectClrLst/>
-  </dgm:styleLbl>
-  <dgm:styleLbl name="solidFgAcc1">
-    <dgm:fillClrLst meth="repeat">
-      <a:schemeClr val="lt1"/>
-    </dgm:fillClrLst>
-    <dgm:linClrLst meth="repeat">
-      <a:schemeClr val="accent2"/>
-      <a:schemeClr val="accent3"/>
-      <a:schemeClr val="accent4"/>
-      <a:schemeClr val="accent5"/>
-      <a:schemeClr val="accent6"/>
-    </dgm:linClrLst>
-    <dgm:effectClrLst/>
-    <dgm:txLinClrLst/>
-    <dgm:txFillClrLst meth="repeat">
-      <a:schemeClr val="dk1"/>
-    </dgm:txFillClrLst>
-    <dgm:txEffectClrLst/>
-  </dgm:styleLbl>
-  <dgm:styleLbl name="solidAlignAcc1">
-    <dgm:fillClrLst meth="repeat">
-      <a:schemeClr val="lt1"/>
-    </dgm:fillClrLst>
-    <dgm:linClrLst meth="repeat">
-      <a:schemeClr val="accent2"/>
-      <a:schemeClr val="accent3"/>
-      <a:schemeClr val="accent4"/>
-      <a:schemeClr val="accent5"/>
-      <a:schemeClr val="accent6"/>
-    </dgm:linClrLst>
-    <dgm:effectClrLst/>
-    <dgm:txLinClrLst/>
-    <dgm:txFillClrLst meth="repeat">
-      <a:schemeClr val="dk1"/>
-    </dgm:txFillClrLst>
-    <dgm:txEffectClrLst/>
-  </dgm:styleLbl>
-  <dgm:styleLbl name="solidBgAcc1">
-    <dgm:fillClrLst meth="repeat">
-      <a:schemeClr val="lt1"/>
-    </dgm:fillClrLst>
-    <dgm:linClrLst meth="repeat">
-      <a:schemeClr val="accent2"/>
-      <a:schemeClr val="accent3"/>
-      <a:schemeClr val="accent4"/>
-      <a:schemeClr val="accent5"/>
-      <a:schemeClr val="accent6"/>
-    </dgm:linClrLst>
-    <dgm:effectClrLst/>
-    <dgm:txLinClrLst/>
-    <dgm:txFillClrLst meth="repeat">
-      <a:schemeClr val="dk1"/>
-    </dgm:txFillClrLst>
-    <dgm:txEffectClrLst/>
-  </dgm:styleLbl>
-  <dgm:styleLbl name="fgAccFollowNode1">
-    <dgm:fillClrLst meth="repeat">
-      <a:schemeClr val="accent2">
-        <a:tint val="40000"/>
-        <a:alpha val="90000"/>
-      </a:schemeClr>
-      <a:schemeClr val="accent3">
-        <a:tint val="40000"/>
-        <a:alpha val="90000"/>
-      </a:schemeClr>
-      <a:schemeClr val="accent4">
-        <a:tint val="40000"/>
-        <a:alpha val="90000"/>
-      </a:schemeClr>
-      <a:schemeClr val="accent5">
-        <a:tint val="40000"/>
-        <a:alpha val="90000"/>
-      </a:schemeClr>
-      <a:schemeClr val="accent6">
-        <a:tint val="40000"/>
-        <a:alpha val="90000"/>
-      </a:schemeClr>
-    </dgm:fillClrLst>
-    <dgm:linClrLst meth="repeat">
-      <a:schemeClr val="accent2">
-        <a:tint val="40000"/>
-        <a:alpha val="90000"/>
-      </a:schemeClr>
-      <a:schemeClr val="accent3">
-        <a:tint val="40000"/>
-        <a:alpha val="90000"/>
-      </a:schemeClr>
-      <a:schemeClr val="accent4">
-        <a:tint val="40000"/>
-        <a:alpha val="90000"/>
-      </a:schemeClr>
-      <a:schemeClr val="accent5">
-        <a:tint val="40000"/>
-        <a:alpha val="90000"/>
-      </a:schemeClr>
-      <a:schemeClr val="accent6">
-        <a:tint val="40000"/>
-        <a:alpha val="90000"/>
-      </a:schemeClr>
-    </dgm:linClrLst>
-    <dgm:effectClrLst/>
-    <dgm:txLinClrLst/>
-    <dgm:txFillClrLst meth="repeat">
-      <a:schemeClr val="dk1"/>
-    </dgm:txFillClrLst>
-    <dgm:txEffectClrLst/>
-  </dgm:styleLbl>
-  <dgm:styleLbl name="alignAccFollowNode1">
-    <dgm:fillClrLst meth="repeat">
-      <a:schemeClr val="accent2">
-        <a:tint val="40000"/>
-        <a:alpha val="90000"/>
-      </a:schemeClr>
-      <a:schemeClr val="accent3">
-        <a:tint val="40000"/>
-        <a:alpha val="90000"/>
-      </a:schemeClr>
-      <a:schemeClr val="accent4">
-        <a:tint val="40000"/>
-        <a:alpha val="90000"/>
-      </a:schemeClr>
-      <a:schemeClr val="accent5">
-        <a:tint val="40000"/>
-        <a:alpha val="90000"/>
-      </a:schemeClr>
-      <a:schemeClr val="accent6">
-        <a:tint val="40000"/>
-        <a:alpha val="90000"/>
-      </a:schemeClr>
-    </dgm:fillClrLst>
-    <dgm:linClrLst meth="repeat">
-      <a:schemeClr val="accent2">
-        <a:tint val="40000"/>
-        <a:alpha val="90000"/>
-      </a:schemeClr>
-      <a:schemeClr val="accent3">
-        <a:tint val="40000"/>
-        <a:alpha val="90000"/>
-      </a:schemeClr>
-      <a:schemeClr val="accent4">
-        <a:tint val="40000"/>
-        <a:alpha val="90000"/>
-      </a:schemeClr>
-      <a:schemeClr val="accent5">
-        <a:tint val="40000"/>
-        <a:alpha val="90000"/>
-      </a:schemeClr>
-      <a:schemeClr val="accent6">
-        <a:tint val="40000"/>
-        <a:alpha val="90000"/>
-      </a:schemeClr>
-    </dgm:linClrLst>
-    <dgm:effectClrLst/>
-    <dgm:txLinClrLst/>
-    <dgm:txFillClrLst meth="repeat">
-      <a:schemeClr val="dk1"/>
-    </dgm:txFillClrLst>
-    <dgm:txEffectClrLst/>
-  </dgm:styleLbl>
-  <dgm:styleLbl name="bgAccFollowNode1">
-    <dgm:fillClrLst meth="repeat">
-      <a:schemeClr val="accent2">
-        <a:tint val="40000"/>
-        <a:alpha val="90000"/>
-      </a:schemeClr>
-      <a:schemeClr val="accent3">
-        <a:tint val="40000"/>
-        <a:alpha val="90000"/>
-      </a:schemeClr>
-      <a:schemeClr val="accent4">
-        <a:tint val="40000"/>
-        <a:alpha val="90000"/>
-      </a:schemeClr>
-      <a:schemeClr val="accent5">
-        <a:tint val="40000"/>
-        <a:alpha val="90000"/>
-      </a:schemeClr>
-      <a:schemeClr val="accent6">
-        <a:tint val="40000"/>
-        <a:alpha val="90000"/>
-      </a:schemeClr>
-    </dgm:fillClrLst>
-    <dgm:linClrLst meth="repeat">
-      <a:schemeClr val="accent2">
-        <a:tint val="40000"/>
-        <a:alpha val="90000"/>
-      </a:schemeClr>
-      <a:schemeClr val="accent3">
-        <a:tint val="40000"/>
-        <a:alpha val="90000"/>
-      </a:schemeClr>
-      <a:schemeClr val="accent4">
-        <a:tint val="40000"/>
-        <a:alpha val="90000"/>
-      </a:schemeClr>
-      <a:schemeClr val="accent5">
-        <a:tint val="40000"/>
-        <a:alpha val="90000"/>
-      </a:schemeClr>
-      <a:schemeClr val="accent6">
-        <a:tint val="40000"/>
-        <a:alpha val="90000"/>
-      </a:schemeClr>
-    </dgm:linClrLst>
-    <dgm:effectClrLst/>
-    <dgm:txLinClrLst/>
-    <dgm:txFillClrLst meth="repeat">
-      <a:schemeClr val="dk1"/>
-    </dgm:txFillClrLst>
-    <dgm:txEffectClrLst/>
-  </dgm:styleLbl>
-  <dgm:styleLbl name="fgAcc0">
-    <dgm:fillClrLst meth="repeat">
-      <a:schemeClr val="lt1">
-        <a:alpha val="90000"/>
-      </a:schemeClr>
-    </dgm:fillClrLst>
-    <dgm:linClrLst>
-      <a:schemeClr val="accent1"/>
-    </dgm:linClrLst>
-    <dgm:effectClrLst/>
-    <dgm:txLinClrLst/>
-    <dgm:txFillClrLst meth="repeat">
-      <a:schemeClr val="dk1"/>
-    </dgm:txFillClrLst>
-    <dgm:txEffectClrLst/>
-  </dgm:styleLbl>
-  <dgm:styleLbl name="fgAcc2">
-    <dgm:fillClrLst meth="repeat">
-      <a:schemeClr val="lt1">
-        <a:alpha val="90000"/>
-      </a:schemeClr>
-    </dgm:fillClrLst>
-    <dgm:linClrLst>
-      <a:schemeClr val="accent2"/>
-    </dgm:linClrLst>
-    <dgm:effectClrLst/>
-    <dgm:txLinClrLst/>
-    <dgm:txFillClrLst meth="repeat">
-      <a:schemeClr val="dk1"/>
-    </dgm:txFillClrLst>
-    <dgm:txEffectClrLst/>
-  </dgm:styleLbl>
-  <dgm:styleLbl name="fgAcc3">
-    <dgm:fillClrLst meth="repeat">
-      <a:schemeClr val="lt1">
-        <a:alpha val="90000"/>
-      </a:schemeClr>
-    </dgm:fillClrLst>
-    <dgm:linClrLst>
-      <a:schemeClr val="accent3"/>
-    </dgm:linClrLst>
-    <dgm:effectClrLst/>
-    <dgm:txLinClrLst/>
-    <dgm:txFillClrLst meth="repeat">
-      <a:schemeClr val="dk1"/>
-    </dgm:txFillClrLst>
-    <dgm:txEffectClrLst/>
-  </dgm:styleLbl>
-  <dgm:styleLbl name="fgAcc4">
-    <dgm:fillClrLst meth="repeat">
-      <a:schemeClr val="lt1">
-        <a:alpha val="90000"/>
-      </a:schemeClr>
-    </dgm:fillClrLst>
-    <dgm:linClrLst>
-      <a:schemeClr val="accent4"/>
-    </dgm:linClrLst>
-    <dgm:effectClrLst/>
-    <dgm:txLinClrLst/>
-    <dgm:txFillClrLst meth="repeat">
-      <a:schemeClr val="dk1"/>
-    </dgm:txFillClrLst>
-    <dgm:txEffectClrLst/>
-  </dgm:styleLbl>
-  <dgm:styleLbl name="bgShp">
-    <dgm:fillClrLst meth="repeat">
-      <a:schemeClr val="bg1">
-        <a:lumMod val="95000"/>
-      </a:schemeClr>
-    </dgm:fillClrLst>
-    <dgm:linClrLst meth="repeat">
-      <a:schemeClr val="dk1"/>
-    </dgm:linClrLst>
-    <dgm:effectClrLst/>
-    <dgm:txLinClrLst/>
-    <dgm:txFillClrLst meth="repeat">
-      <a:schemeClr val="dk1"/>
-    </dgm:txFillClrLst>
-    <dgm:txEffectClrLst/>
-  </dgm:styleLbl>
-  <dgm:styleLbl name="dkBgShp">
-    <dgm:fillClrLst meth="repeat">
-      <a:schemeClr val="accent2">
-        <a:shade val="90000"/>
-      </a:schemeClr>
-    </dgm:fillClrLst>
-    <dgm:linClrLst meth="repeat">
-      <a:schemeClr val="dk1"/>
-    </dgm:linClrLst>
-    <dgm:effectClrLst/>
-    <dgm:txLinClrLst/>
-    <dgm:txFillClrLst meth="repeat">
-      <a:schemeClr val="lt1"/>
-    </dgm:txFillClrLst>
-    <dgm:txEffectClrLst/>
-  </dgm:styleLbl>
-  <dgm:styleLbl name="trBgShp">
-    <dgm:fillClrLst meth="repeat">
-      <a:schemeClr val="accent1">
-        <a:tint val="50000"/>
-        <a:alpha val="40000"/>
-      </a:schemeClr>
-    </dgm:fillClrLst>
-    <dgm:linClrLst meth="repeat">
-      <a:schemeClr val="accent2"/>
-    </dgm:linClrLst>
-    <dgm:effectClrLst/>
-    <dgm:txLinClrLst/>
-    <dgm:txFillClrLst meth="repeat">
-      <a:schemeClr val="lt1"/>
-    </dgm:txFillClrLst>
-    <dgm:txEffectClrLst/>
-  </dgm:styleLbl>
-  <dgm:styleLbl name="fgShp">
-    <dgm:fillClrLst meth="repeat">
-      <a:schemeClr val="accent2">
-        <a:tint val="40000"/>
-      </a:schemeClr>
-    </dgm:fillClrLst>
-    <dgm:linClrLst meth="repeat">
-      <a:schemeClr val="lt1"/>
-    </dgm:linClrLst>
-    <dgm:effectClrLst/>
-    <dgm:txLinClrLst/>
-    <dgm:txFillClrLst meth="repeat">
-      <a:schemeClr val="dk1"/>
-    </dgm:txFillClrLst>
-    <dgm:txEffectClrLst/>
-  </dgm:styleLbl>
-  <dgm:styleLbl name="revTx">
-    <dgm:fillClrLst meth="repeat">
-      <a:schemeClr val="lt1">
-        <a:alpha val="0"/>
-      </a:schemeClr>
-    </dgm:fillClrLst>
-    <dgm:linClrLst meth="repeat">
-      <a:schemeClr val="dk1">
-        <a:alpha val="0"/>
-      </a:schemeClr>
-    </dgm:linClrLst>
-    <dgm:effectClrLst/>
-    <dgm:txLinClrLst/>
-    <dgm:txFillClrLst meth="repeat">
-      <a:schemeClr val="tx1"/>
-    </dgm:txFillClrLst>
-    <dgm:txEffectClrLst/>
-  </dgm:styleLbl>
-</dgm:colorsDef>
-</file>
-
-<file path=ppt/diagrams/colors5.xml><?xml version="1.0" encoding="utf-8"?>
 <dgm:colorsDef xmlns:dgm="http://schemas.openxmlformats.org/drawingml/2006/diagram" xmlns:a="http://schemas.openxmlformats.org/drawingml/2006/main" uniqueId="urn:microsoft.com/office/officeart/2018/5/colors/Iconchunking_neutralbg_colorful1">
   <dgm:title val=""/>
   <dgm:desc val=""/>
@@ -6084,281 +5161,6 @@
     <dgm:cxn modelId="{7D2D90B2-55DA-444C-8CEA-4AD556943D04}" type="presParOf" srcId="{53AE35B2-5735-4BB7-9A2D-817F0A5B183F}" destId="{2BA242B3-FD8B-46BB-A0A2-DB2FCCF92D26}" srcOrd="1" destOrd="0" presId="urn:microsoft.com/office/officeart/2018/2/layout/IconVerticalSolidList"/>
     <dgm:cxn modelId="{8ADFFC7D-301A-42CD-B496-CD8D66F6F5EC}" type="presParOf" srcId="{53AE35B2-5735-4BB7-9A2D-817F0A5B183F}" destId="{B9745E25-F143-4F4C-9EA3-4BA1FB55CF90}" srcOrd="2" destOrd="0" presId="urn:microsoft.com/office/officeart/2018/2/layout/IconVerticalSolidList"/>
     <dgm:cxn modelId="{29119A0B-BF6F-462C-8548-663E073F6806}" type="presParOf" srcId="{53AE35B2-5735-4BB7-9A2D-817F0A5B183F}" destId="{87A635DD-F9AD-4C2B-A378-12E46B4EDD32}" srcOrd="3" destOrd="0" presId="urn:microsoft.com/office/officeart/2018/2/layout/IconVerticalSolidList"/>
-  </dgm:cxnLst>
-  <dgm:bg/>
-  <dgm:whole/>
-  <dgm:extLst>
-    <a:ext uri="http://schemas.microsoft.com/office/drawing/2008/diagram">
-      <dsp:dataModelExt xmlns:dsp="http://schemas.microsoft.com/office/drawing/2008/diagram" relId="rId7" minVer="http://schemas.openxmlformats.org/drawingml/2006/diagram"/>
-    </a:ext>
-  </dgm:extLst>
-</dgm:dataModel>
-</file>
-
-<file path=ppt/diagrams/data5.xml><?xml version="1.0" encoding="utf-8"?>
-<dgm:dataModel xmlns:dgm="http://schemas.openxmlformats.org/drawingml/2006/diagram" xmlns:a="http://schemas.openxmlformats.org/drawingml/2006/main">
-  <dgm:ptLst>
-    <dgm:pt modelId="{85FC300F-13F3-46F3-B46A-66EF2F5D084A}" type="doc">
-      <dgm:prSet loTypeId="urn:microsoft.com/office/officeart/2018/2/layout/IconVerticalSolidList" loCatId="icon" qsTypeId="urn:microsoft.com/office/officeart/2005/8/quickstyle/simple1" qsCatId="simple" csTypeId="urn:microsoft.com/office/officeart/2018/5/colors/Iconchunking_neutralbg_colorful1" csCatId="colorful" phldr="1"/>
-      <dgm:spPr/>
-      <dgm:t>
-        <a:bodyPr/>
-        <a:lstStyle/>
-        <a:p>
-          <a:endParaRPr lang="en-US"/>
-        </a:p>
-      </dgm:t>
-    </dgm:pt>
-    <dgm:pt modelId="{197D046F-C8F1-46B1-B3BF-0C3921A01CD7}">
-      <dgm:prSet/>
-      <dgm:spPr/>
-      <dgm:t>
-        <a:bodyPr/>
-        <a:lstStyle/>
-        <a:p>
-          <a:r>
-            <a:rPr lang="en-US"/>
-            <a:t>Compilador: Código fonte → Bytecode (JSON)</a:t>
-          </a:r>
-          <a:br>
-            <a:rPr lang="en-US"/>
-          </a:br>
-          <a:r>
-            <a:rPr lang="en-US"/>
-            <a:t>VM: Executa as instruções do bytecode</a:t>
-          </a:r>
-          <a:br>
-            <a:rPr lang="en-US"/>
-          </a:br>
-          <a:r>
-            <a:rPr lang="en-US"/>
-            <a:t>Vantagem: Separação entre compilação e execução</a:t>
-          </a:r>
-        </a:p>
-      </dgm:t>
-    </dgm:pt>
-    <dgm:pt modelId="{1937A3EE-F1A1-4DE7-8795-34A678448DC9}" type="parTrans" cxnId="{469FF5DB-D6C9-4A4A-BE07-21EA9B3CF467}">
-      <dgm:prSet/>
-      <dgm:spPr/>
-      <dgm:t>
-        <a:bodyPr/>
-        <a:lstStyle/>
-        <a:p>
-          <a:endParaRPr lang="en-US"/>
-        </a:p>
-      </dgm:t>
-    </dgm:pt>
-    <dgm:pt modelId="{7AC85FBB-6F6F-45AA-A349-85B616DF43DF}" type="sibTrans" cxnId="{469FF5DB-D6C9-4A4A-BE07-21EA9B3CF467}">
-      <dgm:prSet/>
-      <dgm:spPr/>
-      <dgm:t>
-        <a:bodyPr/>
-        <a:lstStyle/>
-        <a:p>
-          <a:endParaRPr lang="en-US"/>
-        </a:p>
-      </dgm:t>
-    </dgm:pt>
-    <dgm:pt modelId="{3317CB03-7044-438D-90F4-3EB2987FD6C0}">
-      <dgm:prSet/>
-      <dgm:spPr/>
-      <dgm:t>
-        <a:bodyPr/>
-        <a:lstStyle/>
-        <a:p>
-          <a:r>
-            <a:rPr lang="en-US"/>
-            <a:t>{</a:t>
-          </a:r>
-          <a:br>
-            <a:rPr lang="en-US"/>
-          </a:br>
-          <a:r>
-            <a:rPr lang="en-US"/>
-            <a:t>  "instructions": [</a:t>
-          </a:r>
-          <a:br>
-            <a:rPr lang="en-US"/>
-          </a:br>
-          <a:r>
-            <a:rPr lang="en-US"/>
-            <a:t>    {"type": "assign", "var": "contador", "value": 10},</a:t>
-          </a:r>
-          <a:br>
-            <a:rPr lang="en-US"/>
-          </a:br>
-          <a:r>
-            <a:rPr lang="en-US"/>
-            <a:t>    {"type": "print", "value": "contador"}</a:t>
-          </a:r>
-          <a:br>
-            <a:rPr lang="en-US"/>
-          </a:br>
-          <a:r>
-            <a:rPr lang="en-US"/>
-            <a:t>  ]</a:t>
-          </a:r>
-          <a:br>
-            <a:rPr lang="en-US"/>
-          </a:br>
-          <a:r>
-            <a:rPr lang="en-US"/>
-            <a:t>}</a:t>
-          </a:r>
-        </a:p>
-      </dgm:t>
-    </dgm:pt>
-    <dgm:pt modelId="{942D43D9-B08D-45CC-A791-1BB5DEC6A550}" type="parTrans" cxnId="{F7802B4E-4D75-4AE7-B903-A5B6B3BF1294}">
-      <dgm:prSet/>
-      <dgm:spPr/>
-      <dgm:t>
-        <a:bodyPr/>
-        <a:lstStyle/>
-        <a:p>
-          <a:endParaRPr lang="en-US"/>
-        </a:p>
-      </dgm:t>
-    </dgm:pt>
-    <dgm:pt modelId="{1354816B-86A2-4F54-BECE-288A266109A8}" type="sibTrans" cxnId="{F7802B4E-4D75-4AE7-B903-A5B6B3BF1294}">
-      <dgm:prSet/>
-      <dgm:spPr/>
-      <dgm:t>
-        <a:bodyPr/>
-        <a:lstStyle/>
-        <a:p>
-          <a:endParaRPr lang="en-US"/>
-        </a:p>
-      </dgm:t>
-    </dgm:pt>
-    <dgm:pt modelId="{77AAF80F-7DD8-4D50-A0CF-9A991F4884E1}" type="pres">
-      <dgm:prSet presAssocID="{85FC300F-13F3-46F3-B46A-66EF2F5D084A}" presName="root" presStyleCnt="0">
-        <dgm:presLayoutVars>
-          <dgm:dir/>
-          <dgm:resizeHandles val="exact"/>
-        </dgm:presLayoutVars>
-      </dgm:prSet>
-      <dgm:spPr/>
-    </dgm:pt>
-    <dgm:pt modelId="{7C0EAC3C-A625-4490-A603-525C287E6671}" type="pres">
-      <dgm:prSet presAssocID="{197D046F-C8F1-46B1-B3BF-0C3921A01CD7}" presName="compNode" presStyleCnt="0"/>
-      <dgm:spPr/>
-    </dgm:pt>
-    <dgm:pt modelId="{59130645-453F-4380-B68B-3DFC5381C2EA}" type="pres">
-      <dgm:prSet presAssocID="{197D046F-C8F1-46B1-B3BF-0C3921A01CD7}" presName="bgRect" presStyleLbl="bgShp" presStyleIdx="0" presStyleCnt="2"/>
-      <dgm:spPr/>
-    </dgm:pt>
-    <dgm:pt modelId="{DF7E9858-E741-4FF0-A4B6-536485F88AB1}" type="pres">
-      <dgm:prSet presAssocID="{197D046F-C8F1-46B1-B3BF-0C3921A01CD7}" presName="iconRect" presStyleLbl="node1" presStyleIdx="0" presStyleCnt="2"/>
-      <dgm:spPr>
-        <a:blipFill>
-          <a:blip xmlns:r="http://schemas.openxmlformats.org/officeDocument/2006/relationships" r:embed="rId1">
-            <a:extLst>
-              <a:ext uri="{28A0092B-C50C-407E-A947-70E740481C1C}">
-                <a14:useLocalDpi xmlns:a14="http://schemas.microsoft.com/office/drawing/2010/main" val="0"/>
-              </a:ext>
-              <a:ext uri="{96DAC541-7B7A-43D3-8B79-37D633B846F1}">
-                <asvg:svgBlip xmlns:asvg="http://schemas.microsoft.com/office/drawing/2016/SVG/main" r:embed="rId2"/>
-              </a:ext>
-            </a:extLst>
-          </a:blip>
-          <a:stretch>
-            <a:fillRect/>
-          </a:stretch>
-        </a:blipFill>
-        <a:ln>
-          <a:noFill/>
-        </a:ln>
-      </dgm:spPr>
-      <dgm:extLst>
-        <a:ext uri="{E40237B7-FDA0-4F09-8148-C483321AD2D9}">
-          <dgm14:cNvPr xmlns:dgm14="http://schemas.microsoft.com/office/drawing/2010/diagram" id="0" name="" descr="Programador"/>
-        </a:ext>
-      </dgm:extLst>
-    </dgm:pt>
-    <dgm:pt modelId="{9BCC7E01-7960-4F5E-A1A9-5E09DCE257EA}" type="pres">
-      <dgm:prSet presAssocID="{197D046F-C8F1-46B1-B3BF-0C3921A01CD7}" presName="spaceRect" presStyleCnt="0"/>
-      <dgm:spPr/>
-    </dgm:pt>
-    <dgm:pt modelId="{6376172D-5EF7-4B5C-AF26-4CBDDACBA005}" type="pres">
-      <dgm:prSet presAssocID="{197D046F-C8F1-46B1-B3BF-0C3921A01CD7}" presName="parTx" presStyleLbl="revTx" presStyleIdx="0" presStyleCnt="2">
-        <dgm:presLayoutVars>
-          <dgm:chMax val="0"/>
-          <dgm:chPref val="0"/>
-        </dgm:presLayoutVars>
-      </dgm:prSet>
-      <dgm:spPr/>
-    </dgm:pt>
-    <dgm:pt modelId="{E3E48878-B8B0-4FC5-A54E-A85DE20429D9}" type="pres">
-      <dgm:prSet presAssocID="{7AC85FBB-6F6F-45AA-A349-85B616DF43DF}" presName="sibTrans" presStyleCnt="0"/>
-      <dgm:spPr/>
-    </dgm:pt>
-    <dgm:pt modelId="{03F6F70D-19CD-4525-9B9F-26503C1AF9B4}" type="pres">
-      <dgm:prSet presAssocID="{3317CB03-7044-438D-90F4-3EB2987FD6C0}" presName="compNode" presStyleCnt="0"/>
-      <dgm:spPr/>
-    </dgm:pt>
-    <dgm:pt modelId="{493EAA39-5C66-45A4-AF27-419708150EDB}" type="pres">
-      <dgm:prSet presAssocID="{3317CB03-7044-438D-90F4-3EB2987FD6C0}" presName="bgRect" presStyleLbl="bgShp" presStyleIdx="1" presStyleCnt="2"/>
-      <dgm:spPr/>
-    </dgm:pt>
-    <dgm:pt modelId="{76086E4E-568F-4186-9427-3D786BC9897F}" type="pres">
-      <dgm:prSet presAssocID="{3317CB03-7044-438D-90F4-3EB2987FD6C0}" presName="iconRect" presStyleLbl="node1" presStyleIdx="1" presStyleCnt="2"/>
-      <dgm:spPr>
-        <a:blipFill>
-          <a:blip xmlns:r="http://schemas.openxmlformats.org/officeDocument/2006/relationships" r:embed="rId3">
-            <a:extLst>
-              <a:ext uri="{28A0092B-C50C-407E-A947-70E740481C1C}">
-                <a14:useLocalDpi xmlns:a14="http://schemas.microsoft.com/office/drawing/2010/main" val="0"/>
-              </a:ext>
-              <a:ext uri="{96DAC541-7B7A-43D3-8B79-37D633B846F1}">
-                <asvg:svgBlip xmlns:asvg="http://schemas.microsoft.com/office/drawing/2016/SVG/main" r:embed="rId4"/>
-              </a:ext>
-            </a:extLst>
-          </a:blip>
-          <a:stretch>
-            <a:fillRect/>
-          </a:stretch>
-        </a:blipFill>
-        <a:ln>
-          <a:noFill/>
-        </a:ln>
-      </dgm:spPr>
-      <dgm:extLst>
-        <a:ext uri="{E40237B7-FDA0-4F09-8148-C483321AD2D9}">
-          <dgm14:cNvPr xmlns:dgm14="http://schemas.microsoft.com/office/drawing/2010/diagram" id="0" name="" descr="Clipe de papel"/>
-        </a:ext>
-      </dgm:extLst>
-    </dgm:pt>
-    <dgm:pt modelId="{483DC781-0179-4CE5-BA53-F2DC69C5DA51}" type="pres">
-      <dgm:prSet presAssocID="{3317CB03-7044-438D-90F4-3EB2987FD6C0}" presName="spaceRect" presStyleCnt="0"/>
-      <dgm:spPr/>
-    </dgm:pt>
-    <dgm:pt modelId="{932C4B13-94B4-435D-819D-9EB8F615EB8A}" type="pres">
-      <dgm:prSet presAssocID="{3317CB03-7044-438D-90F4-3EB2987FD6C0}" presName="parTx" presStyleLbl="revTx" presStyleIdx="1" presStyleCnt="2">
-        <dgm:presLayoutVars>
-          <dgm:chMax val="0"/>
-          <dgm:chPref val="0"/>
-        </dgm:presLayoutVars>
-      </dgm:prSet>
-      <dgm:spPr/>
-    </dgm:pt>
-  </dgm:ptLst>
-  <dgm:cxnLst>
-    <dgm:cxn modelId="{F7802B4E-4D75-4AE7-B903-A5B6B3BF1294}" srcId="{85FC300F-13F3-46F3-B46A-66EF2F5D084A}" destId="{3317CB03-7044-438D-90F4-3EB2987FD6C0}" srcOrd="1" destOrd="0" parTransId="{942D43D9-B08D-45CC-A791-1BB5DEC6A550}" sibTransId="{1354816B-86A2-4F54-BECE-288A266109A8}"/>
-    <dgm:cxn modelId="{08F86084-CCD3-4067-9EDE-729991B34772}" type="presOf" srcId="{3317CB03-7044-438D-90F4-3EB2987FD6C0}" destId="{932C4B13-94B4-435D-819D-9EB8F615EB8A}" srcOrd="0" destOrd="0" presId="urn:microsoft.com/office/officeart/2018/2/layout/IconVerticalSolidList"/>
-    <dgm:cxn modelId="{469FF5DB-D6C9-4A4A-BE07-21EA9B3CF467}" srcId="{85FC300F-13F3-46F3-B46A-66EF2F5D084A}" destId="{197D046F-C8F1-46B1-B3BF-0C3921A01CD7}" srcOrd="0" destOrd="0" parTransId="{1937A3EE-F1A1-4DE7-8795-34A678448DC9}" sibTransId="{7AC85FBB-6F6F-45AA-A349-85B616DF43DF}"/>
-    <dgm:cxn modelId="{BB76D2E2-B7E4-46A8-85B1-511A32792120}" type="presOf" srcId="{197D046F-C8F1-46B1-B3BF-0C3921A01CD7}" destId="{6376172D-5EF7-4B5C-AF26-4CBDDACBA005}" srcOrd="0" destOrd="0" presId="urn:microsoft.com/office/officeart/2018/2/layout/IconVerticalSolidList"/>
-    <dgm:cxn modelId="{7F0704F2-178E-48D0-B8F6-91E30F0CBF7F}" type="presOf" srcId="{85FC300F-13F3-46F3-B46A-66EF2F5D084A}" destId="{77AAF80F-7DD8-4D50-A0CF-9A991F4884E1}" srcOrd="0" destOrd="0" presId="urn:microsoft.com/office/officeart/2018/2/layout/IconVerticalSolidList"/>
-    <dgm:cxn modelId="{655C2E33-71F3-4E2D-9FBB-3B5A6E1B8BB3}" type="presParOf" srcId="{77AAF80F-7DD8-4D50-A0CF-9A991F4884E1}" destId="{7C0EAC3C-A625-4490-A603-525C287E6671}" srcOrd="0" destOrd="0" presId="urn:microsoft.com/office/officeart/2018/2/layout/IconVerticalSolidList"/>
-    <dgm:cxn modelId="{7F0CF60C-8141-4F27-82D9-CB7F3FAA422A}" type="presParOf" srcId="{7C0EAC3C-A625-4490-A603-525C287E6671}" destId="{59130645-453F-4380-B68B-3DFC5381C2EA}" srcOrd="0" destOrd="0" presId="urn:microsoft.com/office/officeart/2018/2/layout/IconVerticalSolidList"/>
-    <dgm:cxn modelId="{422DE0B0-AD6C-4606-88CD-966557692B2D}" type="presParOf" srcId="{7C0EAC3C-A625-4490-A603-525C287E6671}" destId="{DF7E9858-E741-4FF0-A4B6-536485F88AB1}" srcOrd="1" destOrd="0" presId="urn:microsoft.com/office/officeart/2018/2/layout/IconVerticalSolidList"/>
-    <dgm:cxn modelId="{B8A5FEBE-1651-4738-A3E6-5DC06A56508B}" type="presParOf" srcId="{7C0EAC3C-A625-4490-A603-525C287E6671}" destId="{9BCC7E01-7960-4F5E-A1A9-5E09DCE257EA}" srcOrd="2" destOrd="0" presId="urn:microsoft.com/office/officeart/2018/2/layout/IconVerticalSolidList"/>
-    <dgm:cxn modelId="{ED5727A1-6F69-4E3C-AF53-8C737E458989}" type="presParOf" srcId="{7C0EAC3C-A625-4490-A603-525C287E6671}" destId="{6376172D-5EF7-4B5C-AF26-4CBDDACBA005}" srcOrd="3" destOrd="0" presId="urn:microsoft.com/office/officeart/2018/2/layout/IconVerticalSolidList"/>
-    <dgm:cxn modelId="{F23CC898-6D2E-45D2-9F15-0054283E5332}" type="presParOf" srcId="{77AAF80F-7DD8-4D50-A0CF-9A991F4884E1}" destId="{E3E48878-B8B0-4FC5-A54E-A85DE20429D9}" srcOrd="1" destOrd="0" presId="urn:microsoft.com/office/officeart/2018/2/layout/IconVerticalSolidList"/>
-    <dgm:cxn modelId="{F1CB8AFA-4D60-493A-BC79-A754832B46B8}" type="presParOf" srcId="{77AAF80F-7DD8-4D50-A0CF-9A991F4884E1}" destId="{03F6F70D-19CD-4525-9B9F-26503C1AF9B4}" srcOrd="2" destOrd="0" presId="urn:microsoft.com/office/officeart/2018/2/layout/IconVerticalSolidList"/>
-    <dgm:cxn modelId="{B93B56EB-0B07-4045-AC92-6728C9CCE061}" type="presParOf" srcId="{03F6F70D-19CD-4525-9B9F-26503C1AF9B4}" destId="{493EAA39-5C66-45A4-AF27-419708150EDB}" srcOrd="0" destOrd="0" presId="urn:microsoft.com/office/officeart/2018/2/layout/IconVerticalSolidList"/>
-    <dgm:cxn modelId="{0465D0B8-821B-40C6-80AE-73323E4E6EA6}" type="presParOf" srcId="{03F6F70D-19CD-4525-9B9F-26503C1AF9B4}" destId="{76086E4E-568F-4186-9427-3D786BC9897F}" srcOrd="1" destOrd="0" presId="urn:microsoft.com/office/officeart/2018/2/layout/IconVerticalSolidList"/>
-    <dgm:cxn modelId="{E682329E-21C9-44EB-B558-585415FA211C}" type="presParOf" srcId="{03F6F70D-19CD-4525-9B9F-26503C1AF9B4}" destId="{483DC781-0179-4CE5-BA53-F2DC69C5DA51}" srcOrd="2" destOrd="0" presId="urn:microsoft.com/office/officeart/2018/2/layout/IconVerticalSolidList"/>
-    <dgm:cxn modelId="{F188E680-6EBE-48FE-BE42-6B08C00B707A}" type="presParOf" srcId="{03F6F70D-19CD-4525-9B9F-26503C1AF9B4}" destId="{932C4B13-94B4-435D-819D-9EB8F615EB8A}" srcOrd="3" destOrd="0" presId="urn:microsoft.com/office/officeart/2018/2/layout/IconVerticalSolidList"/>
   </dgm:cxnLst>
   <dgm:bg/>
   <dgm:whole/>
@@ -8486,371 +7288,6 @@
 </dsp:drawing>
 </file>
 
-<file path=ppt/diagrams/drawing5.xml><?xml version="1.0" encoding="utf-8"?>
-<dsp:drawing xmlns:dgm="http://schemas.openxmlformats.org/drawingml/2006/diagram" xmlns:dsp="http://schemas.microsoft.com/office/drawing/2008/diagram" xmlns:a="http://schemas.openxmlformats.org/drawingml/2006/main">
-  <dsp:spTree>
-    <dsp:nvGrpSpPr>
-      <dsp:cNvPr id="0" name=""/>
-      <dsp:cNvGrpSpPr/>
-    </dsp:nvGrpSpPr>
-    <dsp:grpSpPr/>
-    <dsp:sp modelId="{59130645-453F-4380-B68B-3DFC5381C2EA}">
-      <dsp:nvSpPr>
-        <dsp:cNvPr id="0" name=""/>
-        <dsp:cNvSpPr/>
-      </dsp:nvSpPr>
-      <dsp:spPr>
-        <a:xfrm>
-          <a:off x="0" y="503123"/>
-          <a:ext cx="10230360" cy="1509370"/>
-        </a:xfrm>
-        <a:prstGeom prst="roundRect">
-          <a:avLst>
-            <a:gd name="adj" fmla="val 10000"/>
-          </a:avLst>
-        </a:prstGeom>
-        <a:solidFill>
-          <a:schemeClr val="bg1">
-            <a:lumMod val="95000"/>
-            <a:hueOff val="0"/>
-            <a:satOff val="0"/>
-            <a:lumOff val="0"/>
-            <a:alphaOff val="0"/>
-          </a:schemeClr>
-        </a:solidFill>
-        <a:ln>
-          <a:noFill/>
-        </a:ln>
-        <a:effectLst/>
-      </dsp:spPr>
-      <dsp:style>
-        <a:lnRef idx="0">
-          <a:scrgbClr r="0" g="0" b="0"/>
-        </a:lnRef>
-        <a:fillRef idx="1">
-          <a:scrgbClr r="0" g="0" b="0"/>
-        </a:fillRef>
-        <a:effectRef idx="0">
-          <a:scrgbClr r="0" g="0" b="0"/>
-        </a:effectRef>
-        <a:fontRef idx="minor"/>
-      </dsp:style>
-    </dsp:sp>
-    <dsp:sp modelId="{DF7E9858-E741-4FF0-A4B6-536485F88AB1}">
-      <dsp:nvSpPr>
-        <dsp:cNvPr id="0" name=""/>
-        <dsp:cNvSpPr/>
-      </dsp:nvSpPr>
-      <dsp:spPr>
-        <a:xfrm>
-          <a:off x="456584" y="842731"/>
-          <a:ext cx="830153" cy="830153"/>
-        </a:xfrm>
-        <a:prstGeom prst="rect">
-          <a:avLst/>
-        </a:prstGeom>
-        <a:blipFill>
-          <a:blip xmlns:r="http://schemas.openxmlformats.org/officeDocument/2006/relationships" r:embed="rId1">
-            <a:extLst>
-              <a:ext uri="{28A0092B-C50C-407E-A947-70E740481C1C}">
-                <a14:useLocalDpi xmlns:a14="http://schemas.microsoft.com/office/drawing/2010/main" val="0"/>
-              </a:ext>
-              <a:ext uri="{96DAC541-7B7A-43D3-8B79-37D633B846F1}">
-                <asvg:svgBlip xmlns:asvg="http://schemas.microsoft.com/office/drawing/2016/SVG/main" r:embed="rId2"/>
-              </a:ext>
-            </a:extLst>
-          </a:blip>
-          <a:stretch>
-            <a:fillRect/>
-          </a:stretch>
-        </a:blipFill>
-        <a:ln w="12700" cap="flat" cmpd="sng" algn="ctr">
-          <a:noFill/>
-          <a:prstDash val="solid"/>
-          <a:miter lim="800000"/>
-        </a:ln>
-        <a:effectLst/>
-      </dsp:spPr>
-      <dsp:style>
-        <a:lnRef idx="2">
-          <a:scrgbClr r="0" g="0" b="0"/>
-        </a:lnRef>
-        <a:fillRef idx="1">
-          <a:scrgbClr r="0" g="0" b="0"/>
-        </a:fillRef>
-        <a:effectRef idx="0">
-          <a:scrgbClr r="0" g="0" b="0"/>
-        </a:effectRef>
-        <a:fontRef idx="minor">
-          <a:schemeClr val="lt1"/>
-        </a:fontRef>
-      </dsp:style>
-    </dsp:sp>
-    <dsp:sp modelId="{6376172D-5EF7-4B5C-AF26-4CBDDACBA005}">
-      <dsp:nvSpPr>
-        <dsp:cNvPr id="0" name=""/>
-        <dsp:cNvSpPr/>
-      </dsp:nvSpPr>
-      <dsp:spPr>
-        <a:xfrm>
-          <a:off x="1743322" y="503123"/>
-          <a:ext cx="8487038" cy="1509370"/>
-        </a:xfrm>
-        <a:prstGeom prst="rect">
-          <a:avLst/>
-        </a:prstGeom>
-        <a:noFill/>
-        <a:ln>
-          <a:noFill/>
-        </a:ln>
-        <a:effectLst/>
-      </dsp:spPr>
-      <dsp:style>
-        <a:lnRef idx="0">
-          <a:scrgbClr r="0" g="0" b="0"/>
-        </a:lnRef>
-        <a:fillRef idx="0">
-          <a:scrgbClr r="0" g="0" b="0"/>
-        </a:fillRef>
-        <a:effectRef idx="0">
-          <a:scrgbClr r="0" g="0" b="0"/>
-        </a:effectRef>
-        <a:fontRef idx="minor"/>
-      </dsp:style>
-      <dsp:txBody>
-        <a:bodyPr spcFirstLastPara="0" vert="horz" wrap="square" lIns="159742" tIns="159742" rIns="159742" bIns="159742" numCol="1" spcCol="1270" anchor="ctr" anchorCtr="0">
-          <a:noAutofit/>
-        </a:bodyPr>
-        <a:lstStyle/>
-        <a:p>
-          <a:pPr marL="0" lvl="0" indent="0" algn="l" defTabSz="622300">
-            <a:lnSpc>
-              <a:spcPct val="90000"/>
-            </a:lnSpc>
-            <a:spcBef>
-              <a:spcPct val="0"/>
-            </a:spcBef>
-            <a:spcAft>
-              <a:spcPct val="35000"/>
-            </a:spcAft>
-            <a:buNone/>
-          </a:pPr>
-          <a:r>
-            <a:rPr lang="en-US" sz="1400" kern="1200"/>
-            <a:t>Compilador: Código fonte → Bytecode (JSON)</a:t>
-          </a:r>
-          <a:br>
-            <a:rPr lang="en-US" sz="1400" kern="1200"/>
-          </a:br>
-          <a:r>
-            <a:rPr lang="en-US" sz="1400" kern="1200"/>
-            <a:t>VM: Executa as instruções do bytecode</a:t>
-          </a:r>
-          <a:br>
-            <a:rPr lang="en-US" sz="1400" kern="1200"/>
-          </a:br>
-          <a:r>
-            <a:rPr lang="en-US" sz="1400" kern="1200"/>
-            <a:t>Vantagem: Separação entre compilação e execução</a:t>
-          </a:r>
-        </a:p>
-      </dsp:txBody>
-      <dsp:txXfrm>
-        <a:off x="1743322" y="503123"/>
-        <a:ext cx="8487038" cy="1509370"/>
-      </dsp:txXfrm>
-    </dsp:sp>
-    <dsp:sp modelId="{493EAA39-5C66-45A4-AF27-419708150EDB}">
-      <dsp:nvSpPr>
-        <dsp:cNvPr id="0" name=""/>
-        <dsp:cNvSpPr/>
-      </dsp:nvSpPr>
-      <dsp:spPr>
-        <a:xfrm>
-          <a:off x="0" y="2338844"/>
-          <a:ext cx="10230360" cy="1509370"/>
-        </a:xfrm>
-        <a:prstGeom prst="roundRect">
-          <a:avLst>
-            <a:gd name="adj" fmla="val 10000"/>
-          </a:avLst>
-        </a:prstGeom>
-        <a:solidFill>
-          <a:schemeClr val="bg1">
-            <a:lumMod val="95000"/>
-            <a:hueOff val="0"/>
-            <a:satOff val="0"/>
-            <a:lumOff val="0"/>
-            <a:alphaOff val="0"/>
-          </a:schemeClr>
-        </a:solidFill>
-        <a:ln>
-          <a:noFill/>
-        </a:ln>
-        <a:effectLst/>
-      </dsp:spPr>
-      <dsp:style>
-        <a:lnRef idx="0">
-          <a:scrgbClr r="0" g="0" b="0"/>
-        </a:lnRef>
-        <a:fillRef idx="1">
-          <a:scrgbClr r="0" g="0" b="0"/>
-        </a:fillRef>
-        <a:effectRef idx="0">
-          <a:scrgbClr r="0" g="0" b="0"/>
-        </a:effectRef>
-        <a:fontRef idx="minor"/>
-      </dsp:style>
-    </dsp:sp>
-    <dsp:sp modelId="{76086E4E-568F-4186-9427-3D786BC9897F}">
-      <dsp:nvSpPr>
-        <dsp:cNvPr id="0" name=""/>
-        <dsp:cNvSpPr/>
-      </dsp:nvSpPr>
-      <dsp:spPr>
-        <a:xfrm>
-          <a:off x="456584" y="2678452"/>
-          <a:ext cx="830153" cy="830153"/>
-        </a:xfrm>
-        <a:prstGeom prst="rect">
-          <a:avLst/>
-        </a:prstGeom>
-        <a:blipFill>
-          <a:blip xmlns:r="http://schemas.openxmlformats.org/officeDocument/2006/relationships" r:embed="rId3">
-            <a:extLst>
-              <a:ext uri="{28A0092B-C50C-407E-A947-70E740481C1C}">
-                <a14:useLocalDpi xmlns:a14="http://schemas.microsoft.com/office/drawing/2010/main" val="0"/>
-              </a:ext>
-              <a:ext uri="{96DAC541-7B7A-43D3-8B79-37D633B846F1}">
-                <asvg:svgBlip xmlns:asvg="http://schemas.microsoft.com/office/drawing/2016/SVG/main" r:embed="rId4"/>
-              </a:ext>
-            </a:extLst>
-          </a:blip>
-          <a:stretch>
-            <a:fillRect/>
-          </a:stretch>
-        </a:blipFill>
-        <a:ln w="12700" cap="flat" cmpd="sng" algn="ctr">
-          <a:noFill/>
-          <a:prstDash val="solid"/>
-          <a:miter lim="800000"/>
-        </a:ln>
-        <a:effectLst/>
-      </dsp:spPr>
-      <dsp:style>
-        <a:lnRef idx="2">
-          <a:scrgbClr r="0" g="0" b="0"/>
-        </a:lnRef>
-        <a:fillRef idx="1">
-          <a:scrgbClr r="0" g="0" b="0"/>
-        </a:fillRef>
-        <a:effectRef idx="0">
-          <a:scrgbClr r="0" g="0" b="0"/>
-        </a:effectRef>
-        <a:fontRef idx="minor">
-          <a:schemeClr val="lt1"/>
-        </a:fontRef>
-      </dsp:style>
-    </dsp:sp>
-    <dsp:sp modelId="{932C4B13-94B4-435D-819D-9EB8F615EB8A}">
-      <dsp:nvSpPr>
-        <dsp:cNvPr id="0" name=""/>
-        <dsp:cNvSpPr/>
-      </dsp:nvSpPr>
-      <dsp:spPr>
-        <a:xfrm>
-          <a:off x="1743322" y="2338844"/>
-          <a:ext cx="8487038" cy="1509370"/>
-        </a:xfrm>
-        <a:prstGeom prst="rect">
-          <a:avLst/>
-        </a:prstGeom>
-        <a:noFill/>
-        <a:ln>
-          <a:noFill/>
-        </a:ln>
-        <a:effectLst/>
-      </dsp:spPr>
-      <dsp:style>
-        <a:lnRef idx="0">
-          <a:scrgbClr r="0" g="0" b="0"/>
-        </a:lnRef>
-        <a:fillRef idx="0">
-          <a:scrgbClr r="0" g="0" b="0"/>
-        </a:fillRef>
-        <a:effectRef idx="0">
-          <a:scrgbClr r="0" g="0" b="0"/>
-        </a:effectRef>
-        <a:fontRef idx="minor"/>
-      </dsp:style>
-      <dsp:txBody>
-        <a:bodyPr spcFirstLastPara="0" vert="horz" wrap="square" lIns="159742" tIns="159742" rIns="159742" bIns="159742" numCol="1" spcCol="1270" anchor="ctr" anchorCtr="0">
-          <a:noAutofit/>
-        </a:bodyPr>
-        <a:lstStyle/>
-        <a:p>
-          <a:pPr marL="0" lvl="0" indent="0" algn="l" defTabSz="622300">
-            <a:lnSpc>
-              <a:spcPct val="90000"/>
-            </a:lnSpc>
-            <a:spcBef>
-              <a:spcPct val="0"/>
-            </a:spcBef>
-            <a:spcAft>
-              <a:spcPct val="35000"/>
-            </a:spcAft>
-            <a:buNone/>
-          </a:pPr>
-          <a:r>
-            <a:rPr lang="en-US" sz="1400" kern="1200"/>
-            <a:t>{</a:t>
-          </a:r>
-          <a:br>
-            <a:rPr lang="en-US" sz="1400" kern="1200"/>
-          </a:br>
-          <a:r>
-            <a:rPr lang="en-US" sz="1400" kern="1200"/>
-            <a:t>  "instructions": [</a:t>
-          </a:r>
-          <a:br>
-            <a:rPr lang="en-US" sz="1400" kern="1200"/>
-          </a:br>
-          <a:r>
-            <a:rPr lang="en-US" sz="1400" kern="1200"/>
-            <a:t>    {"type": "assign", "var": "contador", "value": 10},</a:t>
-          </a:r>
-          <a:br>
-            <a:rPr lang="en-US" sz="1400" kern="1200"/>
-          </a:br>
-          <a:r>
-            <a:rPr lang="en-US" sz="1400" kern="1200"/>
-            <a:t>    {"type": "print", "value": "contador"}</a:t>
-          </a:r>
-          <a:br>
-            <a:rPr lang="en-US" sz="1400" kern="1200"/>
-          </a:br>
-          <a:r>
-            <a:rPr lang="en-US" sz="1400" kern="1200"/>
-            <a:t>  ]</a:t>
-          </a:r>
-          <a:br>
-            <a:rPr lang="en-US" sz="1400" kern="1200"/>
-          </a:br>
-          <a:r>
-            <a:rPr lang="en-US" sz="1400" kern="1200"/>
-            <a:t>}</a:t>
-          </a:r>
-        </a:p>
-      </dsp:txBody>
-      <dsp:txXfrm>
-        <a:off x="1743322" y="2338844"/>
-        <a:ext cx="8487038" cy="1509370"/>
-      </dsp:txXfrm>
-    </dsp:sp>
-  </dsp:spTree>
-</dsp:drawing>
-</file>
-
 <file path=ppt/diagrams/layout1.xml><?xml version="1.0" encoding="utf-8"?>
 <dgm:layoutDef xmlns:dgm="http://schemas.openxmlformats.org/drawingml/2006/diagram" xmlns:a="http://schemas.openxmlformats.org/drawingml/2006/main" uniqueId="urn:microsoft.com/office/officeart/2018/5/layout/IconCircleLabelList">
   <dgm:title val="Icon Circle Label List"/>
@@ -9717,300 +8154,6 @@
 </dgm:layoutDef>
 </file>
 
-<file path=ppt/diagrams/layout5.xml><?xml version="1.0" encoding="utf-8"?>
-<dgm:layoutDef xmlns:dgm="http://schemas.openxmlformats.org/drawingml/2006/diagram" xmlns:a="http://schemas.openxmlformats.org/drawingml/2006/main" uniqueId="urn:microsoft.com/office/officeart/2018/2/layout/IconVerticalSolidList">
-  <dgm:title val="Icon Vertical Solid List"/>
-  <dgm:desc val="Use to show a series of visuals from top to bottom with Level 1 or Level 1 and Level 2 text grouped in a shape. Works best with icons or small pictures with lengthier descriptions."/>
-  <dgm:catLst>
-    <dgm:cat type="icon" pri="500"/>
-  </dgm:catLst>
-  <dgm:sampData useDef="1">
-    <dgm:dataModel>
-      <dgm:ptLst/>
-      <dgm:bg/>
-      <dgm:whole/>
-    </dgm:dataModel>
-  </dgm:sampData>
-  <dgm:styleData useDef="1">
-    <dgm:dataModel>
-      <dgm:ptLst/>
-      <dgm:bg/>
-      <dgm:whole/>
-    </dgm:dataModel>
-  </dgm:styleData>
-  <dgm:clrData useDef="1">
-    <dgm:dataModel>
-      <dgm:ptLst/>
-      <dgm:bg/>
-      <dgm:whole/>
-    </dgm:dataModel>
-  </dgm:clrData>
-  <dgm:layoutNode name="root">
-    <dgm:varLst>
-      <dgm:dir/>
-      <dgm:resizeHandles val="exact"/>
-    </dgm:varLst>
-    <dgm:choose name="Name0">
-      <dgm:if name="Name1" axis="self" func="var" arg="dir" op="equ" val="norm">
-        <dgm:alg type="lin">
-          <dgm:param type="linDir" val="fromT"/>
-          <dgm:param type="nodeHorzAlign" val="l"/>
-        </dgm:alg>
-      </dgm:if>
-      <dgm:else name="Name2">
-        <dgm:alg type="lin">
-          <dgm:param type="linDir" val="fromT"/>
-          <dgm:param type="nodeHorzAlign" val="r"/>
-        </dgm:alg>
-      </dgm:else>
-    </dgm:choose>
-    <dgm:shape xmlns:r="http://schemas.openxmlformats.org/officeDocument/2006/relationships" r:blip="">
-      <dgm:adjLst/>
-    </dgm:shape>
-    <dgm:presOf/>
-    <dgm:choose name="Name3">
-      <dgm:if name="Name4" axis="ch" ptType="node" func="cnt" op="lte" val="3">
-        <dgm:constrLst>
-          <dgm:constr type="h" for="ch" forName="compNode" refType="h" fact="0.3"/>
-          <dgm:constr type="w" for="ch" forName="compNode" refType="w"/>
-          <dgm:constr type="h" for="ch" forName="sibTrans" refType="h" refFor="ch" refForName="compNode" fact="0.25"/>
-          <dgm:constr type="primFontSz" for="des" forName="parTx" val="25"/>
-          <dgm:constr type="primFontSz" for="des" forName="desTx" refType="primFontSz" refFor="des" refForName="parTx" op="lte" fact="0.75"/>
-          <dgm:constr type="h" for="des" forName="compNode" op="equ"/>
-          <dgm:constr type="h" for="des" forName="bgRect" op="equ"/>
-          <dgm:constr type="h" for="des" forName="iconRect" op="equ"/>
-          <dgm:constr type="w" for="des" forName="iconRect" op="equ"/>
-          <dgm:constr type="h" for="des" forName="spaceRect" op="equ"/>
-          <dgm:constr type="h" for="des" forName="parTx" op="equ"/>
-          <dgm:constr type="h" for="des" forName="desTx" op="equ"/>
-        </dgm:constrLst>
-      </dgm:if>
-      <dgm:if name="Name5" axis="ch" ptType="node" func="cnt" op="lte" val="4">
-        <dgm:constrLst>
-          <dgm:constr type="h" for="ch" forName="compNode" refType="h" fact="0.3"/>
-          <dgm:constr type="w" for="ch" forName="compNode" refType="w"/>
-          <dgm:constr type="h" for="ch" forName="sibTrans" refType="h" refFor="ch" refForName="compNode" fact="0.25"/>
-          <dgm:constr type="primFontSz" for="des" forName="parTx" val="22"/>
-          <dgm:constr type="primFontSz" for="des" forName="desTx" refType="primFontSz" refFor="des" refForName="parTx" op="lte" fact="0.75"/>
-          <dgm:constr type="h" for="des" forName="compNode" op="equ"/>
-          <dgm:constr type="h" for="des" forName="bgRect" op="equ"/>
-          <dgm:constr type="h" for="des" forName="iconRect" op="equ"/>
-          <dgm:constr type="w" for="des" forName="iconRect" op="equ"/>
-          <dgm:constr type="h" for="des" forName="spaceRect" op="equ"/>
-          <dgm:constr type="h" for="des" forName="parTx" op="equ"/>
-          <dgm:constr type="h" for="des" forName="desTx" op="equ"/>
-        </dgm:constrLst>
-      </dgm:if>
-      <dgm:if name="Name6" axis="ch" ptType="node" func="cnt" op="lte" val="6">
-        <dgm:constrLst>
-          <dgm:constr type="h" for="ch" forName="compNode" refType="h" fact="0.3"/>
-          <dgm:constr type="w" for="ch" forName="compNode" refType="w"/>
-          <dgm:constr type="h" for="ch" forName="sibTrans" refType="h" refFor="ch" refForName="compNode" fact="0.25"/>
-          <dgm:constr type="primFontSz" for="des" forName="parTx" val="19"/>
-          <dgm:constr type="primFontSz" for="des" forName="desTx" refType="primFontSz" refFor="des" refForName="parTx" op="lte" fact="0.75"/>
-          <dgm:constr type="h" for="des" forName="compNode" op="equ"/>
-          <dgm:constr type="h" for="des" forName="bgRect" op="equ"/>
-          <dgm:constr type="h" for="des" forName="iconRect" op="equ"/>
-          <dgm:constr type="w" for="des" forName="iconRect" op="equ"/>
-          <dgm:constr type="h" for="des" forName="spaceRect" op="equ"/>
-          <dgm:constr type="h" for="des" forName="parTx" op="equ"/>
-          <dgm:constr type="h" for="des" forName="desTx" op="equ"/>
-        </dgm:constrLst>
-      </dgm:if>
-      <dgm:else name="Name7">
-        <dgm:constrLst>
-          <dgm:constr type="h" for="ch" forName="compNode" refType="h" fact="0.3"/>
-          <dgm:constr type="w" for="ch" forName="compNode" refType="w"/>
-          <dgm:constr type="h" for="ch" forName="sibTrans" refType="h" refFor="ch" refForName="compNode" fact="0.25"/>
-          <dgm:constr type="primFontSz" for="des" forName="parTx" val="16"/>
-          <dgm:constr type="primFontSz" for="des" forName="desTx" refType="primFontSz" refFor="des" refForName="parTx" op="lte" fact="0.75"/>
-          <dgm:constr type="h" for="des" forName="compNode" op="equ"/>
-          <dgm:constr type="h" for="des" forName="bgRect" op="equ"/>
-          <dgm:constr type="h" for="des" forName="iconRect" op="equ"/>
-          <dgm:constr type="w" for="des" forName="iconRect" op="equ"/>
-          <dgm:constr type="h" for="des" forName="spaceRect" op="equ"/>
-          <dgm:constr type="h" for="des" forName="parTx" op="equ"/>
-          <dgm:constr type="h" for="des" forName="desTx" op="equ"/>
-        </dgm:constrLst>
-      </dgm:else>
-    </dgm:choose>
-    <dgm:ruleLst>
-      <dgm:rule type="h" for="ch" forName="compNode" val="0" fact="NaN" max="NaN"/>
-    </dgm:ruleLst>
-    <dgm:forEach name="Name8" axis="ch" ptType="node">
-      <dgm:layoutNode name="compNode">
-        <dgm:alg type="composite"/>
-        <dgm:shape xmlns:r="http://schemas.openxmlformats.org/officeDocument/2006/relationships" r:blip="">
-          <dgm:adjLst/>
-        </dgm:shape>
-        <dgm:presOf axis="self"/>
-        <dgm:choose name="Name9">
-          <dgm:if name="Name10" axis="ch" ptType="node" func="cnt" op="gte" val="1">
-            <dgm:constrLst>
-              <dgm:constr type="w" for="ch" forName="bgRect" refType="w"/>
-              <dgm:constr type="h" for="ch" forName="bgRect" refType="h"/>
-              <dgm:constr type="l" for="ch" forName="bgRect"/>
-              <dgm:constr type="t" for="ch" forName="bgRect"/>
-              <dgm:constr type="h" for="ch" forName="iconRect" refType="h" fact="0.55"/>
-              <dgm:constr type="w" for="ch" forName="iconRect" refType="h" refFor="ch" refForName="iconRect"/>
-              <dgm:constr type="l" for="ch" forName="iconRect" refType="h" refFor="ch" refForName="iconRect" fact="0.55"/>
-              <dgm:constr type="ctrY" for="ch" forName="iconRect" refType="ctrY" refFor="ch" refForName="bgRect"/>
-              <dgm:constr type="w" for="ch" forName="spaceRect" refType="l" refFor="ch" refForName="iconRect"/>
-              <dgm:constr type="h" for="ch" forName="spaceRect" refType="h"/>
-              <dgm:constr type="l" for="ch" forName="spaceRect" refType="r" refFor="ch" refForName="iconRect"/>
-              <dgm:constr type="t" for="ch" forName="spaceRect"/>
-              <dgm:constr type="w" for="ch" forName="parTx" refType="w" fact="0.45"/>
-              <dgm:constr type="h" for="ch" forName="parTx" refType="h"/>
-              <dgm:constr type="l" for="ch" forName="parTx" refType="r" refFor="ch" refForName="spaceRect"/>
-              <dgm:constr type="t" for="ch" forName="parTx"/>
-              <dgm:constr type="h" for="ch" forName="desTx" refType="h"/>
-              <dgm:constr type="l" for="ch" forName="desTx" refType="r" refFor="ch" refForName="parTx"/>
-              <dgm:constr type="t" for="ch" forName="desTx"/>
-            </dgm:constrLst>
-          </dgm:if>
-          <dgm:else name="Name11">
-            <dgm:constrLst>
-              <dgm:constr type="w" for="ch" forName="bgRect" refType="w"/>
-              <dgm:constr type="h" for="ch" forName="bgRect" refType="h"/>
-              <dgm:constr type="l" for="ch" forName="bgRect"/>
-              <dgm:constr type="t" for="ch" forName="bgRect"/>
-              <dgm:constr type="h" for="ch" forName="iconRect" refType="h" fact="0.55"/>
-              <dgm:constr type="w" for="ch" forName="iconRect" refType="h" refFor="ch" refForName="iconRect"/>
-              <dgm:constr type="l" for="ch" forName="iconRect" refType="h" refFor="ch" refForName="iconRect" fact="0.55"/>
-              <dgm:constr type="ctrY" for="ch" forName="iconRect" refType="ctrY" refFor="ch" refForName="bgRect"/>
-              <dgm:constr type="w" for="ch" forName="spaceRect" refType="l" refFor="ch" refForName="iconRect"/>
-              <dgm:constr type="h" for="ch" forName="spaceRect" refType="h"/>
-              <dgm:constr type="l" for="ch" forName="spaceRect" refType="r" refFor="ch" refForName="iconRect"/>
-              <dgm:constr type="t" for="ch" forName="spaceRect"/>
-              <dgm:constr type="h" for="ch" forName="parTx" refType="h"/>
-              <dgm:constr type="l" for="ch" forName="parTx" refType="r" refFor="ch" refForName="spaceRect"/>
-              <dgm:constr type="t" for="ch" forName="parTx"/>
-            </dgm:constrLst>
-          </dgm:else>
-        </dgm:choose>
-        <dgm:ruleLst>
-          <dgm:rule type="h" val="INF" fact="NaN" max="NaN"/>
-        </dgm:ruleLst>
-        <dgm:layoutNode name="bgRect" styleLbl="bgShp">
-          <dgm:alg type="sp"/>
-          <dgm:shape xmlns:r="http://schemas.openxmlformats.org/officeDocument/2006/relationships" type="roundRect" r:blip="">
-            <dgm:adjLst>
-              <dgm:adj idx="1" val="0.1"/>
-            </dgm:adjLst>
-          </dgm:shape>
-          <dgm:presOf/>
-          <dgm:constrLst/>
-          <dgm:ruleLst/>
-        </dgm:layoutNode>
-        <dgm:layoutNode name="iconRect" styleLbl="node1">
-          <dgm:alg type="sp"/>
-          <dgm:shape xmlns:r="http://schemas.openxmlformats.org/officeDocument/2006/relationships" type="rect" r:blip="" blipPhldr="1">
-            <dgm:adjLst/>
-          </dgm:shape>
-          <dgm:presOf/>
-          <dgm:constrLst/>
-          <dgm:ruleLst/>
-        </dgm:layoutNode>
-        <dgm:layoutNode name="spaceRect">
-          <dgm:alg type="sp"/>
-          <dgm:shape xmlns:r="http://schemas.openxmlformats.org/officeDocument/2006/relationships" r:blip="">
-            <dgm:adjLst/>
-          </dgm:shape>
-          <dgm:presOf/>
-          <dgm:constrLst/>
-          <dgm:ruleLst/>
-        </dgm:layoutNode>
-        <dgm:layoutNode name="parTx" styleLbl="revTx">
-          <dgm:varLst>
-            <dgm:chMax val="0"/>
-            <dgm:chPref val="0"/>
-          </dgm:varLst>
-          <dgm:alg type="tx">
-            <dgm:param type="txAnchorVert" val="mid"/>
-            <dgm:param type="parTxLTRAlign" val="l"/>
-            <dgm:param type="shpTxLTRAlignCh" val="l"/>
-            <dgm:param type="parTxRTLAlign" val="r"/>
-            <dgm:param type="shpTxRTLAlignCh" val="r"/>
-          </dgm:alg>
-          <dgm:shape xmlns:r="http://schemas.openxmlformats.org/officeDocument/2006/relationships" type="rect" r:blip="">
-            <dgm:adjLst/>
-          </dgm:shape>
-          <dgm:presOf axis="self" ptType="node"/>
-          <dgm:constrLst>
-            <dgm:constr type="lMarg" refType="h" fact="0.3"/>
-            <dgm:constr type="rMarg" refType="h" fact="0.3"/>
-            <dgm:constr type="tMarg" refType="h" fact="0.3"/>
-            <dgm:constr type="bMarg" refType="h" fact="0.3"/>
-          </dgm:constrLst>
-          <dgm:ruleLst>
-            <dgm:rule type="primFontSz" val="14" fact="NaN" max="NaN"/>
-            <dgm:rule type="h" val="INF" fact="NaN" max="NaN"/>
-          </dgm:ruleLst>
-        </dgm:layoutNode>
-        <dgm:choose name="Name12">
-          <dgm:if name="Name13" axis="ch" ptType="node" func="cnt" op="gte" val="1">
-            <dgm:layoutNode name="desTx" styleLbl="revTx">
-              <dgm:varLst/>
-              <dgm:alg type="tx">
-                <dgm:param type="txAnchorVertCh" val="mid"/>
-                <dgm:param type="parTxLTRAlign" val="l"/>
-                <dgm:param type="shpTxLTRAlignCh" val="l"/>
-                <dgm:param type="parTxRTLAlign" val="r"/>
-                <dgm:param type="shpTxRTLAlignCh" val="r"/>
-                <dgm:param type="stBulletLvl" val="0"/>
-              </dgm:alg>
-              <dgm:shape xmlns:r="http://schemas.openxmlformats.org/officeDocument/2006/relationships" type="rect" r:blip="">
-                <dgm:adjLst/>
-              </dgm:shape>
-              <dgm:presOf axis="des" ptType="node"/>
-              <dgm:constrLst>
-                <dgm:constr type="primFontSz" val="18"/>
-                <dgm:constr type="secFontSz" refType="primFontSz"/>
-                <dgm:constr type="lMarg" refType="h" fact="0.3"/>
-                <dgm:constr type="rMarg" refType="h" fact="0.3"/>
-                <dgm:constr type="tMarg" refType="h" fact="0.3"/>
-                <dgm:constr type="bMarg" refType="h" fact="0.3"/>
-              </dgm:constrLst>
-              <dgm:ruleLst>
-                <dgm:rule type="primFontSz" val="11" fact="NaN" max="NaN"/>
-              </dgm:ruleLst>
-            </dgm:layoutNode>
-          </dgm:if>
-          <dgm:else name="Name14"/>
-        </dgm:choose>
-      </dgm:layoutNode>
-      <dgm:forEach name="Name15" axis="followSib" ptType="sibTrans" cnt="1">
-        <dgm:layoutNode name="sibTrans">
-          <dgm:alg type="sp"/>
-          <dgm:shape xmlns:r="http://schemas.openxmlformats.org/officeDocument/2006/relationships" r:blip="">
-            <dgm:adjLst/>
-          </dgm:shape>
-          <dgm:presOf axis="self"/>
-          <dgm:constrLst/>
-          <dgm:ruleLst/>
-        </dgm:layoutNode>
-      </dgm:forEach>
-    </dgm:forEach>
-  </dgm:layoutNode>
-  <dgm:extLst>
-    <a:ext uri="{68A01E43-0DF5-4B5B-8FA6-DAF915123BFB}">
-      <dgm1612:lstStyle xmlns:dgm1612="http://schemas.microsoft.com/office/drawing/2016/12/diagram">
-        <a:lvl1pPr>
-          <a:lnSpc>
-            <a:spcPct val="100000"/>
-          </a:lnSpc>
-        </a:lvl1pPr>
-        <a:lvl2pPr>
-          <a:lnSpc>
-            <a:spcPct val="100000"/>
-          </a:lnSpc>
-        </a:lvl2pPr>
-      </dgm1612:lstStyle>
-    </a:ext>
-  </dgm:extLst>
-</dgm:layoutDef>
-</file>
-
 <file path=ppt/diagrams/quickStyle1.xml><?xml version="1.0" encoding="utf-8"?>
 <dgm:styleDef xmlns:dgm="http://schemas.openxmlformats.org/drawingml/2006/diagram" xmlns:a="http://schemas.openxmlformats.org/drawingml/2006/main" uniqueId="urn:microsoft.com/office/officeart/2005/8/quickstyle/simple1">
   <dgm:title val=""/>
@@ -13114,1040 +11257,6 @@
 </file>
 
 <file path=ppt/diagrams/quickStyle4.xml><?xml version="1.0" encoding="utf-8"?>
-<dgm:styleDef xmlns:dgm="http://schemas.openxmlformats.org/drawingml/2006/diagram" xmlns:a="http://schemas.openxmlformats.org/drawingml/2006/main" uniqueId="urn:microsoft.com/office/officeart/2005/8/quickstyle/simple1">
-  <dgm:title val=""/>
-  <dgm:desc val=""/>
-  <dgm:catLst>
-    <dgm:cat type="simple" pri="10100"/>
-  </dgm:catLst>
-  <dgm:scene3d>
-    <a:camera prst="orthographicFront"/>
-    <a:lightRig rig="threePt" dir="t"/>
-  </dgm:scene3d>
-  <dgm:styleLbl name="node0">
-    <dgm:scene3d>
-      <a:camera prst="orthographicFront"/>
-      <a:lightRig rig="threePt" dir="t"/>
-    </dgm:scene3d>
-    <dgm:sp3d/>
-    <dgm:txPr/>
-    <dgm:style>
-      <a:lnRef idx="2">
-        <a:scrgbClr r="0" g="0" b="0"/>
-      </a:lnRef>
-      <a:fillRef idx="1">
-        <a:scrgbClr r="0" g="0" b="0"/>
-      </a:fillRef>
-      <a:effectRef idx="0">
-        <a:scrgbClr r="0" g="0" b="0"/>
-      </a:effectRef>
-      <a:fontRef idx="minor">
-        <a:schemeClr val="lt1"/>
-      </a:fontRef>
-    </dgm:style>
-  </dgm:styleLbl>
-  <dgm:styleLbl name="lnNode1">
-    <dgm:scene3d>
-      <a:camera prst="orthographicFront"/>
-      <a:lightRig rig="threePt" dir="t"/>
-    </dgm:scene3d>
-    <dgm:sp3d/>
-    <dgm:txPr/>
-    <dgm:style>
-      <a:lnRef idx="2">
-        <a:scrgbClr r="0" g="0" b="0"/>
-      </a:lnRef>
-      <a:fillRef idx="1">
-        <a:scrgbClr r="0" g="0" b="0"/>
-      </a:fillRef>
-      <a:effectRef idx="0">
-        <a:scrgbClr r="0" g="0" b="0"/>
-      </a:effectRef>
-      <a:fontRef idx="minor">
-        <a:schemeClr val="lt1"/>
-      </a:fontRef>
-    </dgm:style>
-  </dgm:styleLbl>
-  <dgm:styleLbl name="vennNode1">
-    <dgm:scene3d>
-      <a:camera prst="orthographicFront"/>
-      <a:lightRig rig="threePt" dir="t"/>
-    </dgm:scene3d>
-    <dgm:sp3d/>
-    <dgm:txPr/>
-    <dgm:style>
-      <a:lnRef idx="2">
-        <a:scrgbClr r="0" g="0" b="0"/>
-      </a:lnRef>
-      <a:fillRef idx="1">
-        <a:scrgbClr r="0" g="0" b="0"/>
-      </a:fillRef>
-      <a:effectRef idx="0">
-        <a:scrgbClr r="0" g="0" b="0"/>
-      </a:effectRef>
-      <a:fontRef idx="minor">
-        <a:schemeClr val="tx1"/>
-      </a:fontRef>
-    </dgm:style>
-  </dgm:styleLbl>
-  <dgm:styleLbl name="alignNode1">
-    <dgm:scene3d>
-      <a:camera prst="orthographicFront"/>
-      <a:lightRig rig="threePt" dir="t"/>
-    </dgm:scene3d>
-    <dgm:sp3d/>
-    <dgm:txPr/>
-    <dgm:style>
-      <a:lnRef idx="2">
-        <a:scrgbClr r="0" g="0" b="0"/>
-      </a:lnRef>
-      <a:fillRef idx="1">
-        <a:scrgbClr r="0" g="0" b="0"/>
-      </a:fillRef>
-      <a:effectRef idx="0">
-        <a:scrgbClr r="0" g="0" b="0"/>
-      </a:effectRef>
-      <a:fontRef idx="minor">
-        <a:schemeClr val="lt1"/>
-      </a:fontRef>
-    </dgm:style>
-  </dgm:styleLbl>
-  <dgm:styleLbl name="node1">
-    <dgm:scene3d>
-      <a:camera prst="orthographicFront"/>
-      <a:lightRig rig="threePt" dir="t"/>
-    </dgm:scene3d>
-    <dgm:sp3d/>
-    <dgm:txPr/>
-    <dgm:style>
-      <a:lnRef idx="2">
-        <a:scrgbClr r="0" g="0" b="0"/>
-      </a:lnRef>
-      <a:fillRef idx="1">
-        <a:scrgbClr r="0" g="0" b="0"/>
-      </a:fillRef>
-      <a:effectRef idx="0">
-        <a:scrgbClr r="0" g="0" b="0"/>
-      </a:effectRef>
-      <a:fontRef idx="minor">
-        <a:schemeClr val="lt1"/>
-      </a:fontRef>
-    </dgm:style>
-  </dgm:styleLbl>
-  <dgm:styleLbl name="node2">
-    <dgm:scene3d>
-      <a:camera prst="orthographicFront"/>
-      <a:lightRig rig="threePt" dir="t"/>
-    </dgm:scene3d>
-    <dgm:sp3d/>
-    <dgm:txPr/>
-    <dgm:style>
-      <a:lnRef idx="2">
-        <a:scrgbClr r="0" g="0" b="0"/>
-      </a:lnRef>
-      <a:fillRef idx="1">
-        <a:scrgbClr r="0" g="0" b="0"/>
-      </a:fillRef>
-      <a:effectRef idx="0">
-        <a:scrgbClr r="0" g="0" b="0"/>
-      </a:effectRef>
-      <a:fontRef idx="minor">
-        <a:schemeClr val="lt1"/>
-      </a:fontRef>
-    </dgm:style>
-  </dgm:styleLbl>
-  <dgm:styleLbl name="node3">
-    <dgm:scene3d>
-      <a:camera prst="orthographicFront"/>
-      <a:lightRig rig="threePt" dir="t"/>
-    </dgm:scene3d>
-    <dgm:sp3d/>
-    <dgm:txPr/>
-    <dgm:style>
-      <a:lnRef idx="2">
-        <a:scrgbClr r="0" g="0" b="0"/>
-      </a:lnRef>
-      <a:fillRef idx="1">
-        <a:scrgbClr r="0" g="0" b="0"/>
-      </a:fillRef>
-      <a:effectRef idx="0">
-        <a:scrgbClr r="0" g="0" b="0"/>
-      </a:effectRef>
-      <a:fontRef idx="minor">
-        <a:schemeClr val="lt1"/>
-      </a:fontRef>
-    </dgm:style>
-  </dgm:styleLbl>
-  <dgm:styleLbl name="node4">
-    <dgm:scene3d>
-      <a:camera prst="orthographicFront"/>
-      <a:lightRig rig="threePt" dir="t"/>
-    </dgm:scene3d>
-    <dgm:sp3d/>
-    <dgm:txPr/>
-    <dgm:style>
-      <a:lnRef idx="2">
-        <a:scrgbClr r="0" g="0" b="0"/>
-      </a:lnRef>
-      <a:fillRef idx="1">
-        <a:scrgbClr r="0" g="0" b="0"/>
-      </a:fillRef>
-      <a:effectRef idx="0">
-        <a:scrgbClr r="0" g="0" b="0"/>
-      </a:effectRef>
-      <a:fontRef idx="minor">
-        <a:schemeClr val="lt1"/>
-      </a:fontRef>
-    </dgm:style>
-  </dgm:styleLbl>
-  <dgm:styleLbl name="fgImgPlace1">
-    <dgm:scene3d>
-      <a:camera prst="orthographicFront"/>
-      <a:lightRig rig="threePt" dir="t"/>
-    </dgm:scene3d>
-    <dgm:sp3d/>
-    <dgm:txPr/>
-    <dgm:style>
-      <a:lnRef idx="2">
-        <a:scrgbClr r="0" g="0" b="0"/>
-      </a:lnRef>
-      <a:fillRef idx="1">
-        <a:scrgbClr r="0" g="0" b="0"/>
-      </a:fillRef>
-      <a:effectRef idx="0">
-        <a:scrgbClr r="0" g="0" b="0"/>
-      </a:effectRef>
-      <a:fontRef idx="minor"/>
-    </dgm:style>
-  </dgm:styleLbl>
-  <dgm:styleLbl name="alignImgPlace1">
-    <dgm:scene3d>
-      <a:camera prst="orthographicFront"/>
-      <a:lightRig rig="threePt" dir="t"/>
-    </dgm:scene3d>
-    <dgm:sp3d/>
-    <dgm:txPr/>
-    <dgm:style>
-      <a:lnRef idx="2">
-        <a:scrgbClr r="0" g="0" b="0"/>
-      </a:lnRef>
-      <a:fillRef idx="1">
-        <a:scrgbClr r="0" g="0" b="0"/>
-      </a:fillRef>
-      <a:effectRef idx="0">
-        <a:scrgbClr r="0" g="0" b="0"/>
-      </a:effectRef>
-      <a:fontRef idx="minor"/>
-    </dgm:style>
-  </dgm:styleLbl>
-  <dgm:styleLbl name="bgImgPlace1">
-    <dgm:scene3d>
-      <a:camera prst="orthographicFront"/>
-      <a:lightRig rig="threePt" dir="t"/>
-    </dgm:scene3d>
-    <dgm:sp3d/>
-    <dgm:txPr/>
-    <dgm:style>
-      <a:lnRef idx="2">
-        <a:scrgbClr r="0" g="0" b="0"/>
-      </a:lnRef>
-      <a:fillRef idx="1">
-        <a:scrgbClr r="0" g="0" b="0"/>
-      </a:fillRef>
-      <a:effectRef idx="0">
-        <a:scrgbClr r="0" g="0" b="0"/>
-      </a:effectRef>
-      <a:fontRef idx="minor"/>
-    </dgm:style>
-  </dgm:styleLbl>
-  <dgm:styleLbl name="sibTrans2D1">
-    <dgm:scene3d>
-      <a:camera prst="orthographicFront"/>
-      <a:lightRig rig="threePt" dir="t"/>
-    </dgm:scene3d>
-    <dgm:sp3d/>
-    <dgm:txPr/>
-    <dgm:style>
-      <a:lnRef idx="0">
-        <a:scrgbClr r="0" g="0" b="0"/>
-      </a:lnRef>
-      <a:fillRef idx="1">
-        <a:scrgbClr r="0" g="0" b="0"/>
-      </a:fillRef>
-      <a:effectRef idx="0">
-        <a:scrgbClr r="0" g="0" b="0"/>
-      </a:effectRef>
-      <a:fontRef idx="minor">
-        <a:schemeClr val="lt1"/>
-      </a:fontRef>
-    </dgm:style>
-  </dgm:styleLbl>
-  <dgm:styleLbl name="fgSibTrans2D1">
-    <dgm:scene3d>
-      <a:camera prst="orthographicFront"/>
-      <a:lightRig rig="threePt" dir="t"/>
-    </dgm:scene3d>
-    <dgm:sp3d/>
-    <dgm:txPr/>
-    <dgm:style>
-      <a:lnRef idx="0">
-        <a:scrgbClr r="0" g="0" b="0"/>
-      </a:lnRef>
-      <a:fillRef idx="1">
-        <a:scrgbClr r="0" g="0" b="0"/>
-      </a:fillRef>
-      <a:effectRef idx="0">
-        <a:scrgbClr r="0" g="0" b="0"/>
-      </a:effectRef>
-      <a:fontRef idx="minor">
-        <a:schemeClr val="lt1"/>
-      </a:fontRef>
-    </dgm:style>
-  </dgm:styleLbl>
-  <dgm:styleLbl name="bgSibTrans2D1">
-    <dgm:scene3d>
-      <a:camera prst="orthographicFront"/>
-      <a:lightRig rig="threePt" dir="t"/>
-    </dgm:scene3d>
-    <dgm:sp3d/>
-    <dgm:txPr/>
-    <dgm:style>
-      <a:lnRef idx="0">
-        <a:scrgbClr r="0" g="0" b="0"/>
-      </a:lnRef>
-      <a:fillRef idx="1">
-        <a:scrgbClr r="0" g="0" b="0"/>
-      </a:fillRef>
-      <a:effectRef idx="0">
-        <a:scrgbClr r="0" g="0" b="0"/>
-      </a:effectRef>
-      <a:fontRef idx="minor">
-        <a:schemeClr val="lt1"/>
-      </a:fontRef>
-    </dgm:style>
-  </dgm:styleLbl>
-  <dgm:styleLbl name="sibTrans1D1">
-    <dgm:scene3d>
-      <a:camera prst="orthographicFront"/>
-      <a:lightRig rig="threePt" dir="t"/>
-    </dgm:scene3d>
-    <dgm:sp3d/>
-    <dgm:txPr/>
-    <dgm:style>
-      <a:lnRef idx="1">
-        <a:scrgbClr r="0" g="0" b="0"/>
-      </a:lnRef>
-      <a:fillRef idx="0">
-        <a:scrgbClr r="0" g="0" b="0"/>
-      </a:fillRef>
-      <a:effectRef idx="0">
-        <a:scrgbClr r="0" g="0" b="0"/>
-      </a:effectRef>
-      <a:fontRef idx="minor"/>
-    </dgm:style>
-  </dgm:styleLbl>
-  <dgm:styleLbl name="callout">
-    <dgm:scene3d>
-      <a:camera prst="orthographicFront"/>
-      <a:lightRig rig="threePt" dir="t"/>
-    </dgm:scene3d>
-    <dgm:sp3d/>
-    <dgm:txPr/>
-    <dgm:style>
-      <a:lnRef idx="2">
-        <a:scrgbClr r="0" g="0" b="0"/>
-      </a:lnRef>
-      <a:fillRef idx="1">
-        <a:scrgbClr r="0" g="0" b="0"/>
-      </a:fillRef>
-      <a:effectRef idx="0">
-        <a:scrgbClr r="0" g="0" b="0"/>
-      </a:effectRef>
-      <a:fontRef idx="minor"/>
-    </dgm:style>
-  </dgm:styleLbl>
-  <dgm:styleLbl name="asst0">
-    <dgm:scene3d>
-      <a:camera prst="orthographicFront"/>
-      <a:lightRig rig="threePt" dir="t"/>
-    </dgm:scene3d>
-    <dgm:sp3d/>
-    <dgm:txPr/>
-    <dgm:style>
-      <a:lnRef idx="2">
-        <a:scrgbClr r="0" g="0" b="0"/>
-      </a:lnRef>
-      <a:fillRef idx="1">
-        <a:scrgbClr r="0" g="0" b="0"/>
-      </a:fillRef>
-      <a:effectRef idx="0">
-        <a:scrgbClr r="0" g="0" b="0"/>
-      </a:effectRef>
-      <a:fontRef idx="minor">
-        <a:schemeClr val="lt1"/>
-      </a:fontRef>
-    </dgm:style>
-  </dgm:styleLbl>
-  <dgm:styleLbl name="asst1">
-    <dgm:scene3d>
-      <a:camera prst="orthographicFront"/>
-      <a:lightRig rig="threePt" dir="t"/>
-    </dgm:scene3d>
-    <dgm:sp3d/>
-    <dgm:txPr/>
-    <dgm:style>
-      <a:lnRef idx="2">
-        <a:scrgbClr r="0" g="0" b="0"/>
-      </a:lnRef>
-      <a:fillRef idx="1">
-        <a:scrgbClr r="0" g="0" b="0"/>
-      </a:fillRef>
-      <a:effectRef idx="0">
-        <a:scrgbClr r="0" g="0" b="0"/>
-      </a:effectRef>
-      <a:fontRef idx="minor">
-        <a:schemeClr val="lt1"/>
-      </a:fontRef>
-    </dgm:style>
-  </dgm:styleLbl>
-  <dgm:styleLbl name="asst2">
-    <dgm:scene3d>
-      <a:camera prst="orthographicFront"/>
-      <a:lightRig rig="threePt" dir="t"/>
-    </dgm:scene3d>
-    <dgm:sp3d/>
-    <dgm:txPr/>
-    <dgm:style>
-      <a:lnRef idx="2">
-        <a:scrgbClr r="0" g="0" b="0"/>
-      </a:lnRef>
-      <a:fillRef idx="1">
-        <a:scrgbClr r="0" g="0" b="0"/>
-      </a:fillRef>
-      <a:effectRef idx="0">
-        <a:scrgbClr r="0" g="0" b="0"/>
-      </a:effectRef>
-      <a:fontRef idx="minor">
-        <a:schemeClr val="lt1"/>
-      </a:fontRef>
-    </dgm:style>
-  </dgm:styleLbl>
-  <dgm:styleLbl name="asst3">
-    <dgm:scene3d>
-      <a:camera prst="orthographicFront"/>
-      <a:lightRig rig="threePt" dir="t"/>
-    </dgm:scene3d>
-    <dgm:sp3d/>
-    <dgm:txPr/>
-    <dgm:style>
-      <a:lnRef idx="2">
-        <a:scrgbClr r="0" g="0" b="0"/>
-      </a:lnRef>
-      <a:fillRef idx="1">
-        <a:scrgbClr r="0" g="0" b="0"/>
-      </a:fillRef>
-      <a:effectRef idx="0">
-        <a:scrgbClr r="0" g="0" b="0"/>
-      </a:effectRef>
-      <a:fontRef idx="minor">
-        <a:schemeClr val="lt1"/>
-      </a:fontRef>
-    </dgm:style>
-  </dgm:styleLbl>
-  <dgm:styleLbl name="asst4">
-    <dgm:scene3d>
-      <a:camera prst="orthographicFront"/>
-      <a:lightRig rig="threePt" dir="t"/>
-    </dgm:scene3d>
-    <dgm:sp3d/>
-    <dgm:txPr/>
-    <dgm:style>
-      <a:lnRef idx="2">
-        <a:scrgbClr r="0" g="0" b="0"/>
-      </a:lnRef>
-      <a:fillRef idx="1">
-        <a:scrgbClr r="0" g="0" b="0"/>
-      </a:fillRef>
-      <a:effectRef idx="0">
-        <a:scrgbClr r="0" g="0" b="0"/>
-      </a:effectRef>
-      <a:fontRef idx="minor">
-        <a:schemeClr val="lt1"/>
-      </a:fontRef>
-    </dgm:style>
-  </dgm:styleLbl>
-  <dgm:styleLbl name="parChTrans2D1">
-    <dgm:scene3d>
-      <a:camera prst="orthographicFront"/>
-      <a:lightRig rig="threePt" dir="t"/>
-    </dgm:scene3d>
-    <dgm:sp3d/>
-    <dgm:txPr/>
-    <dgm:style>
-      <a:lnRef idx="2">
-        <a:scrgbClr r="0" g="0" b="0"/>
-      </a:lnRef>
-      <a:fillRef idx="1">
-        <a:scrgbClr r="0" g="0" b="0"/>
-      </a:fillRef>
-      <a:effectRef idx="0">
-        <a:scrgbClr r="0" g="0" b="0"/>
-      </a:effectRef>
-      <a:fontRef idx="minor">
-        <a:schemeClr val="lt1"/>
-      </a:fontRef>
-    </dgm:style>
-  </dgm:styleLbl>
-  <dgm:styleLbl name="parChTrans2D2">
-    <dgm:scene3d>
-      <a:camera prst="orthographicFront"/>
-      <a:lightRig rig="threePt" dir="t"/>
-    </dgm:scene3d>
-    <dgm:sp3d/>
-    <dgm:txPr/>
-    <dgm:style>
-      <a:lnRef idx="2">
-        <a:scrgbClr r="0" g="0" b="0"/>
-      </a:lnRef>
-      <a:fillRef idx="1">
-        <a:scrgbClr r="0" g="0" b="0"/>
-      </a:fillRef>
-      <a:effectRef idx="0">
-        <a:scrgbClr r="0" g="0" b="0"/>
-      </a:effectRef>
-      <a:fontRef idx="minor">
-        <a:schemeClr val="lt1"/>
-      </a:fontRef>
-    </dgm:style>
-  </dgm:styleLbl>
-  <dgm:styleLbl name="parChTrans2D3">
-    <dgm:scene3d>
-      <a:camera prst="orthographicFront"/>
-      <a:lightRig rig="threePt" dir="t"/>
-    </dgm:scene3d>
-    <dgm:sp3d/>
-    <dgm:txPr/>
-    <dgm:style>
-      <a:lnRef idx="2">
-        <a:scrgbClr r="0" g="0" b="0"/>
-      </a:lnRef>
-      <a:fillRef idx="1">
-        <a:scrgbClr r="0" g="0" b="0"/>
-      </a:fillRef>
-      <a:effectRef idx="0">
-        <a:scrgbClr r="0" g="0" b="0"/>
-      </a:effectRef>
-      <a:fontRef idx="minor">
-        <a:schemeClr val="lt1"/>
-      </a:fontRef>
-    </dgm:style>
-  </dgm:styleLbl>
-  <dgm:styleLbl name="parChTrans2D4">
-    <dgm:scene3d>
-      <a:camera prst="orthographicFront"/>
-      <a:lightRig rig="threePt" dir="t"/>
-    </dgm:scene3d>
-    <dgm:sp3d/>
-    <dgm:txPr/>
-    <dgm:style>
-      <a:lnRef idx="2">
-        <a:scrgbClr r="0" g="0" b="0"/>
-      </a:lnRef>
-      <a:fillRef idx="1">
-        <a:scrgbClr r="0" g="0" b="0"/>
-      </a:fillRef>
-      <a:effectRef idx="0">
-        <a:scrgbClr r="0" g="0" b="0"/>
-      </a:effectRef>
-      <a:fontRef idx="minor">
-        <a:schemeClr val="lt1"/>
-      </a:fontRef>
-    </dgm:style>
-  </dgm:styleLbl>
-  <dgm:styleLbl name="parChTrans1D1">
-    <dgm:scene3d>
-      <a:camera prst="orthographicFront"/>
-      <a:lightRig rig="threePt" dir="t"/>
-    </dgm:scene3d>
-    <dgm:sp3d/>
-    <dgm:txPr/>
-    <dgm:style>
-      <a:lnRef idx="2">
-        <a:scrgbClr r="0" g="0" b="0"/>
-      </a:lnRef>
-      <a:fillRef idx="0">
-        <a:scrgbClr r="0" g="0" b="0"/>
-      </a:fillRef>
-      <a:effectRef idx="0">
-        <a:scrgbClr r="0" g="0" b="0"/>
-      </a:effectRef>
-      <a:fontRef idx="minor"/>
-    </dgm:style>
-  </dgm:styleLbl>
-  <dgm:styleLbl name="parChTrans1D2">
-    <dgm:scene3d>
-      <a:camera prst="orthographicFront"/>
-      <a:lightRig rig="threePt" dir="t"/>
-    </dgm:scene3d>
-    <dgm:sp3d/>
-    <dgm:txPr/>
-    <dgm:style>
-      <a:lnRef idx="2">
-        <a:scrgbClr r="0" g="0" b="0"/>
-      </a:lnRef>
-      <a:fillRef idx="0">
-        <a:scrgbClr r="0" g="0" b="0"/>
-      </a:fillRef>
-      <a:effectRef idx="0">
-        <a:scrgbClr r="0" g="0" b="0"/>
-      </a:effectRef>
-      <a:fontRef idx="minor"/>
-    </dgm:style>
-  </dgm:styleLbl>
-  <dgm:styleLbl name="parChTrans1D3">
-    <dgm:scene3d>
-      <a:camera prst="orthographicFront"/>
-      <a:lightRig rig="threePt" dir="t"/>
-    </dgm:scene3d>
-    <dgm:sp3d/>
-    <dgm:txPr/>
-    <dgm:style>
-      <a:lnRef idx="2">
-        <a:scrgbClr r="0" g="0" b="0"/>
-      </a:lnRef>
-      <a:fillRef idx="0">
-        <a:scrgbClr r="0" g="0" b="0"/>
-      </a:fillRef>
-      <a:effectRef idx="0">
-        <a:scrgbClr r="0" g="0" b="0"/>
-      </a:effectRef>
-      <a:fontRef idx="minor"/>
-    </dgm:style>
-  </dgm:styleLbl>
-  <dgm:styleLbl name="parChTrans1D4">
-    <dgm:scene3d>
-      <a:camera prst="orthographicFront"/>
-      <a:lightRig rig="threePt" dir="t"/>
-    </dgm:scene3d>
-    <dgm:sp3d/>
-    <dgm:txPr/>
-    <dgm:style>
-      <a:lnRef idx="2">
-        <a:scrgbClr r="0" g="0" b="0"/>
-      </a:lnRef>
-      <a:fillRef idx="0">
-        <a:scrgbClr r="0" g="0" b="0"/>
-      </a:fillRef>
-      <a:effectRef idx="0">
-        <a:scrgbClr r="0" g="0" b="0"/>
-      </a:effectRef>
-      <a:fontRef idx="minor"/>
-    </dgm:style>
-  </dgm:styleLbl>
-  <dgm:styleLbl name="fgAcc1">
-    <dgm:scene3d>
-      <a:camera prst="orthographicFront"/>
-      <a:lightRig rig="threePt" dir="t"/>
-    </dgm:scene3d>
-    <dgm:sp3d/>
-    <dgm:txPr/>
-    <dgm:style>
-      <a:lnRef idx="2">
-        <a:scrgbClr r="0" g="0" b="0"/>
-      </a:lnRef>
-      <a:fillRef idx="1">
-        <a:scrgbClr r="0" g="0" b="0"/>
-      </a:fillRef>
-      <a:effectRef idx="0">
-        <a:scrgbClr r="0" g="0" b="0"/>
-      </a:effectRef>
-      <a:fontRef idx="minor"/>
-    </dgm:style>
-  </dgm:styleLbl>
-  <dgm:styleLbl name="conFgAcc1">
-    <dgm:scene3d>
-      <a:camera prst="orthographicFront"/>
-      <a:lightRig rig="threePt" dir="t"/>
-    </dgm:scene3d>
-    <dgm:sp3d/>
-    <dgm:txPr/>
-    <dgm:style>
-      <a:lnRef idx="2">
-        <a:scrgbClr r="0" g="0" b="0"/>
-      </a:lnRef>
-      <a:fillRef idx="1">
-        <a:scrgbClr r="0" g="0" b="0"/>
-      </a:fillRef>
-      <a:effectRef idx="0">
-        <a:scrgbClr r="0" g="0" b="0"/>
-      </a:effectRef>
-      <a:fontRef idx="minor"/>
-    </dgm:style>
-  </dgm:styleLbl>
-  <dgm:styleLbl name="alignAcc1">
-    <dgm:scene3d>
-      <a:camera prst="orthographicFront"/>
-      <a:lightRig rig="threePt" dir="t"/>
-    </dgm:scene3d>
-    <dgm:sp3d/>
-    <dgm:txPr/>
-    <dgm:style>
-      <a:lnRef idx="2">
-        <a:scrgbClr r="0" g="0" b="0"/>
-      </a:lnRef>
-      <a:fillRef idx="1">
-        <a:scrgbClr r="0" g="0" b="0"/>
-      </a:fillRef>
-      <a:effectRef idx="0">
-        <a:scrgbClr r="0" g="0" b="0"/>
-      </a:effectRef>
-      <a:fontRef idx="minor"/>
-    </dgm:style>
-  </dgm:styleLbl>
-  <dgm:styleLbl name="trAlignAcc1">
-    <dgm:scene3d>
-      <a:camera prst="orthographicFront"/>
-      <a:lightRig rig="threePt" dir="t"/>
-    </dgm:scene3d>
-    <dgm:sp3d/>
-    <dgm:txPr/>
-    <dgm:style>
-      <a:lnRef idx="1">
-        <a:scrgbClr r="0" g="0" b="0"/>
-      </a:lnRef>
-      <a:fillRef idx="1">
-        <a:scrgbClr r="0" g="0" b="0"/>
-      </a:fillRef>
-      <a:effectRef idx="0">
-        <a:scrgbClr r="0" g="0" b="0"/>
-      </a:effectRef>
-      <a:fontRef idx="minor"/>
-    </dgm:style>
-  </dgm:styleLbl>
-  <dgm:styleLbl name="bgAcc1">
-    <dgm:scene3d>
-      <a:camera prst="orthographicFront"/>
-      <a:lightRig rig="threePt" dir="t"/>
-    </dgm:scene3d>
-    <dgm:sp3d/>
-    <dgm:txPr/>
-    <dgm:style>
-      <a:lnRef idx="2">
-        <a:scrgbClr r="0" g="0" b="0"/>
-      </a:lnRef>
-      <a:fillRef idx="1">
-        <a:scrgbClr r="0" g="0" b="0"/>
-      </a:fillRef>
-      <a:effectRef idx="0">
-        <a:scrgbClr r="0" g="0" b="0"/>
-      </a:effectRef>
-      <a:fontRef idx="minor"/>
-    </dgm:style>
-  </dgm:styleLbl>
-  <dgm:styleLbl name="solidFgAcc1">
-    <dgm:scene3d>
-      <a:camera prst="orthographicFront"/>
-      <a:lightRig rig="threePt" dir="t"/>
-    </dgm:scene3d>
-    <dgm:sp3d/>
-    <dgm:txPr/>
-    <dgm:style>
-      <a:lnRef idx="2">
-        <a:scrgbClr r="0" g="0" b="0"/>
-      </a:lnRef>
-      <a:fillRef idx="1">
-        <a:scrgbClr r="0" g="0" b="0"/>
-      </a:fillRef>
-      <a:effectRef idx="0">
-        <a:scrgbClr r="0" g="0" b="0"/>
-      </a:effectRef>
-      <a:fontRef idx="minor"/>
-    </dgm:style>
-  </dgm:styleLbl>
-  <dgm:styleLbl name="solidAlignAcc1">
-    <dgm:scene3d>
-      <a:camera prst="orthographicFront"/>
-      <a:lightRig rig="threePt" dir="t"/>
-    </dgm:scene3d>
-    <dgm:sp3d/>
-    <dgm:txPr/>
-    <dgm:style>
-      <a:lnRef idx="2">
-        <a:scrgbClr r="0" g="0" b="0"/>
-      </a:lnRef>
-      <a:fillRef idx="1">
-        <a:scrgbClr r="0" g="0" b="0"/>
-      </a:fillRef>
-      <a:effectRef idx="0">
-        <a:scrgbClr r="0" g="0" b="0"/>
-      </a:effectRef>
-      <a:fontRef idx="minor"/>
-    </dgm:style>
-  </dgm:styleLbl>
-  <dgm:styleLbl name="solidBgAcc1">
-    <dgm:scene3d>
-      <a:camera prst="orthographicFront"/>
-      <a:lightRig rig="threePt" dir="t"/>
-    </dgm:scene3d>
-    <dgm:sp3d/>
-    <dgm:txPr/>
-    <dgm:style>
-      <a:lnRef idx="2">
-        <a:scrgbClr r="0" g="0" b="0"/>
-      </a:lnRef>
-      <a:fillRef idx="1">
-        <a:scrgbClr r="0" g="0" b="0"/>
-      </a:fillRef>
-      <a:effectRef idx="0">
-        <a:scrgbClr r="0" g="0" b="0"/>
-      </a:effectRef>
-      <a:fontRef idx="minor"/>
-    </dgm:style>
-  </dgm:styleLbl>
-  <dgm:styleLbl name="fgAccFollowNode1">
-    <dgm:scene3d>
-      <a:camera prst="orthographicFront"/>
-      <a:lightRig rig="threePt" dir="t"/>
-    </dgm:scene3d>
-    <dgm:sp3d/>
-    <dgm:txPr/>
-    <dgm:style>
-      <a:lnRef idx="2">
-        <a:scrgbClr r="0" g="0" b="0"/>
-      </a:lnRef>
-      <a:fillRef idx="1">
-        <a:scrgbClr r="0" g="0" b="0"/>
-      </a:fillRef>
-      <a:effectRef idx="0">
-        <a:scrgbClr r="0" g="0" b="0"/>
-      </a:effectRef>
-      <a:fontRef idx="minor"/>
-    </dgm:style>
-  </dgm:styleLbl>
-  <dgm:styleLbl name="alignAccFollowNode1">
-    <dgm:scene3d>
-      <a:camera prst="orthographicFront"/>
-      <a:lightRig rig="threePt" dir="t"/>
-    </dgm:scene3d>
-    <dgm:sp3d/>
-    <dgm:txPr/>
-    <dgm:style>
-      <a:lnRef idx="2">
-        <a:scrgbClr r="0" g="0" b="0"/>
-      </a:lnRef>
-      <a:fillRef idx="1">
-        <a:scrgbClr r="0" g="0" b="0"/>
-      </a:fillRef>
-      <a:effectRef idx="0">
-        <a:scrgbClr r="0" g="0" b="0"/>
-      </a:effectRef>
-      <a:fontRef idx="minor"/>
-    </dgm:style>
-  </dgm:styleLbl>
-  <dgm:styleLbl name="bgAccFollowNode1">
-    <dgm:scene3d>
-      <a:camera prst="orthographicFront"/>
-      <a:lightRig rig="threePt" dir="t"/>
-    </dgm:scene3d>
-    <dgm:sp3d/>
-    <dgm:txPr/>
-    <dgm:style>
-      <a:lnRef idx="2">
-        <a:scrgbClr r="0" g="0" b="0"/>
-      </a:lnRef>
-      <a:fillRef idx="1">
-        <a:scrgbClr r="0" g="0" b="0"/>
-      </a:fillRef>
-      <a:effectRef idx="0">
-        <a:scrgbClr r="0" g="0" b="0"/>
-      </a:effectRef>
-      <a:fontRef idx="minor"/>
-    </dgm:style>
-  </dgm:styleLbl>
-  <dgm:styleLbl name="fgAcc0">
-    <dgm:scene3d>
-      <a:camera prst="orthographicFront"/>
-      <a:lightRig rig="threePt" dir="t"/>
-    </dgm:scene3d>
-    <dgm:sp3d/>
-    <dgm:txPr/>
-    <dgm:style>
-      <a:lnRef idx="2">
-        <a:scrgbClr r="0" g="0" b="0"/>
-      </a:lnRef>
-      <a:fillRef idx="1">
-        <a:scrgbClr r="0" g="0" b="0"/>
-      </a:fillRef>
-      <a:effectRef idx="0">
-        <a:scrgbClr r="0" g="0" b="0"/>
-      </a:effectRef>
-      <a:fontRef idx="minor"/>
-    </dgm:style>
-  </dgm:styleLbl>
-  <dgm:styleLbl name="fgAcc2">
-    <dgm:scene3d>
-      <a:camera prst="orthographicFront"/>
-      <a:lightRig rig="threePt" dir="t"/>
-    </dgm:scene3d>
-    <dgm:sp3d/>
-    <dgm:txPr/>
-    <dgm:style>
-      <a:lnRef idx="2">
-        <a:scrgbClr r="0" g="0" b="0"/>
-      </a:lnRef>
-      <a:fillRef idx="1">
-        <a:scrgbClr r="0" g="0" b="0"/>
-      </a:fillRef>
-      <a:effectRef idx="0">
-        <a:scrgbClr r="0" g="0" b="0"/>
-      </a:effectRef>
-      <a:fontRef idx="minor"/>
-    </dgm:style>
-  </dgm:styleLbl>
-  <dgm:styleLbl name="fgAcc3">
-    <dgm:scene3d>
-      <a:camera prst="orthographicFront"/>
-      <a:lightRig rig="threePt" dir="t"/>
-    </dgm:scene3d>
-    <dgm:sp3d/>
-    <dgm:txPr/>
-    <dgm:style>
-      <a:lnRef idx="2">
-        <a:scrgbClr r="0" g="0" b="0"/>
-      </a:lnRef>
-      <a:fillRef idx="1">
-        <a:scrgbClr r="0" g="0" b="0"/>
-      </a:fillRef>
-      <a:effectRef idx="0">
-        <a:scrgbClr r="0" g="0" b="0"/>
-      </a:effectRef>
-      <a:fontRef idx="minor"/>
-    </dgm:style>
-  </dgm:styleLbl>
-  <dgm:styleLbl name="fgAcc4">
-    <dgm:scene3d>
-      <a:camera prst="orthographicFront"/>
-      <a:lightRig rig="threePt" dir="t"/>
-    </dgm:scene3d>
-    <dgm:sp3d/>
-    <dgm:txPr/>
-    <dgm:style>
-      <a:lnRef idx="2">
-        <a:scrgbClr r="0" g="0" b="0"/>
-      </a:lnRef>
-      <a:fillRef idx="1">
-        <a:scrgbClr r="0" g="0" b="0"/>
-      </a:fillRef>
-      <a:effectRef idx="0">
-        <a:scrgbClr r="0" g="0" b="0"/>
-      </a:effectRef>
-      <a:fontRef idx="minor"/>
-    </dgm:style>
-  </dgm:styleLbl>
-  <dgm:styleLbl name="bgShp">
-    <dgm:scene3d>
-      <a:camera prst="orthographicFront"/>
-      <a:lightRig rig="threePt" dir="t"/>
-    </dgm:scene3d>
-    <dgm:sp3d/>
-    <dgm:txPr/>
-    <dgm:style>
-      <a:lnRef idx="0">
-        <a:scrgbClr r="0" g="0" b="0"/>
-      </a:lnRef>
-      <a:fillRef idx="1">
-        <a:scrgbClr r="0" g="0" b="0"/>
-      </a:fillRef>
-      <a:effectRef idx="0">
-        <a:scrgbClr r="0" g="0" b="0"/>
-      </a:effectRef>
-      <a:fontRef idx="minor"/>
-    </dgm:style>
-  </dgm:styleLbl>
-  <dgm:styleLbl name="dkBgShp">
-    <dgm:scene3d>
-      <a:camera prst="orthographicFront"/>
-      <a:lightRig rig="threePt" dir="t"/>
-    </dgm:scene3d>
-    <dgm:sp3d/>
-    <dgm:txPr/>
-    <dgm:style>
-      <a:lnRef idx="0">
-        <a:scrgbClr r="0" g="0" b="0"/>
-      </a:lnRef>
-      <a:fillRef idx="1">
-        <a:scrgbClr r="0" g="0" b="0"/>
-      </a:fillRef>
-      <a:effectRef idx="0">
-        <a:scrgbClr r="0" g="0" b="0"/>
-      </a:effectRef>
-      <a:fontRef idx="minor"/>
-    </dgm:style>
-  </dgm:styleLbl>
-  <dgm:styleLbl name="trBgShp">
-    <dgm:scene3d>
-      <a:camera prst="orthographicFront"/>
-      <a:lightRig rig="threePt" dir="t"/>
-    </dgm:scene3d>
-    <dgm:sp3d/>
-    <dgm:txPr/>
-    <dgm:style>
-      <a:lnRef idx="0">
-        <a:scrgbClr r="0" g="0" b="0"/>
-      </a:lnRef>
-      <a:fillRef idx="1">
-        <a:scrgbClr r="0" g="0" b="0"/>
-      </a:fillRef>
-      <a:effectRef idx="0">
-        <a:scrgbClr r="0" g="0" b="0"/>
-      </a:effectRef>
-      <a:fontRef idx="minor"/>
-    </dgm:style>
-  </dgm:styleLbl>
-  <dgm:styleLbl name="fgShp">
-    <dgm:scene3d>
-      <a:camera prst="orthographicFront"/>
-      <a:lightRig rig="threePt" dir="t"/>
-    </dgm:scene3d>
-    <dgm:sp3d/>
-    <dgm:txPr/>
-    <dgm:style>
-      <a:lnRef idx="2">
-        <a:scrgbClr r="0" g="0" b="0"/>
-      </a:lnRef>
-      <a:fillRef idx="1">
-        <a:scrgbClr r="0" g="0" b="0"/>
-      </a:fillRef>
-      <a:effectRef idx="0">
-        <a:scrgbClr r="0" g="0" b="0"/>
-      </a:effectRef>
-      <a:fontRef idx="minor"/>
-    </dgm:style>
-  </dgm:styleLbl>
-  <dgm:styleLbl name="revTx">
-    <dgm:scene3d>
-      <a:camera prst="orthographicFront"/>
-      <a:lightRig rig="threePt" dir="t"/>
-    </dgm:scene3d>
-    <dgm:sp3d/>
-    <dgm:txPr/>
-    <dgm:style>
-      <a:lnRef idx="0">
-        <a:scrgbClr r="0" g="0" b="0"/>
-      </a:lnRef>
-      <a:fillRef idx="0">
-        <a:scrgbClr r="0" g="0" b="0"/>
-      </a:fillRef>
-      <a:effectRef idx="0">
-        <a:scrgbClr r="0" g="0" b="0"/>
-      </a:effectRef>
-      <a:fontRef idx="minor"/>
-    </dgm:style>
-  </dgm:styleLbl>
-</dgm:styleDef>
-</file>
-
-<file path=ppt/diagrams/quickStyle5.xml><?xml version="1.0" encoding="utf-8"?>
 <dgm:styleDef xmlns:dgm="http://schemas.openxmlformats.org/drawingml/2006/diagram" xmlns:a="http://schemas.openxmlformats.org/drawingml/2006/main" uniqueId="urn:microsoft.com/office/officeart/2005/8/quickstyle/simple1">
   <dgm:title val=""/>
   <dgm:desc val=""/>
@@ -15377,7 +12486,7 @@
           <a:p>
             <a:fld id="{5BCAD085-E8A6-8845-BD4E-CB4CCA059FC4}" type="datetimeFigureOut">
               <a:rPr lang="en-US" smtClean="0"/>
-              <a:t>5/19/2025</a:t>
+              <a:t>5/20/2025</a:t>
             </a:fld>
             <a:endParaRPr lang="en-US"/>
           </a:p>
@@ -15658,7 +12767,7 @@
           <a:p>
             <a:fld id="{5BCAD085-E8A6-8845-BD4E-CB4CCA059FC4}" type="datetimeFigureOut">
               <a:rPr lang="en-US" smtClean="0"/>
-              <a:t>5/19/2025</a:t>
+              <a:t>5/20/2025</a:t>
             </a:fld>
             <a:endParaRPr lang="en-US"/>
           </a:p>
@@ -15850,7 +12959,7 @@
           <a:p>
             <a:fld id="{5BCAD085-E8A6-8845-BD4E-CB4CCA059FC4}" type="datetimeFigureOut">
               <a:rPr lang="en-US" smtClean="0"/>
-              <a:t>5/19/2025</a:t>
+              <a:t>5/20/2025</a:t>
             </a:fld>
             <a:endParaRPr lang="en-US"/>
           </a:p>
@@ -16111,7 +13220,7 @@
           <a:p>
             <a:fld id="{5BCAD085-E8A6-8845-BD4E-CB4CCA059FC4}" type="datetimeFigureOut">
               <a:rPr lang="en-US" smtClean="0"/>
-              <a:t>5/19/2025</a:t>
+              <a:t>5/20/2025</a:t>
             </a:fld>
             <a:endParaRPr lang="en-US"/>
           </a:p>
@@ -16537,7 +13646,7 @@
           <a:p>
             <a:fld id="{5BCAD085-E8A6-8845-BD4E-CB4CCA059FC4}" type="datetimeFigureOut">
               <a:rPr lang="en-US" smtClean="0"/>
-              <a:t>5/19/2025</a:t>
+              <a:t>5/20/2025</a:t>
             </a:fld>
             <a:endParaRPr lang="en-US"/>
           </a:p>
@@ -17083,7 +14192,7 @@
           <a:p>
             <a:fld id="{5BCAD085-E8A6-8845-BD4E-CB4CCA059FC4}" type="datetimeFigureOut">
               <a:rPr lang="en-US" smtClean="0"/>
-              <a:t>5/19/2025</a:t>
+              <a:t>5/20/2025</a:t>
             </a:fld>
             <a:endParaRPr lang="en-US"/>
           </a:p>
@@ -17914,7 +15023,7 @@
           <a:p>
             <a:fld id="{5BCAD085-E8A6-8845-BD4E-CB4CCA059FC4}" type="datetimeFigureOut">
               <a:rPr lang="en-US" smtClean="0"/>
-              <a:t>5/19/2025</a:t>
+              <a:t>5/20/2025</a:t>
             </a:fld>
             <a:endParaRPr lang="en-US"/>
           </a:p>
@@ -18084,7 +15193,7 @@
           <a:p>
             <a:fld id="{5BCAD085-E8A6-8845-BD4E-CB4CCA059FC4}" type="datetimeFigureOut">
               <a:rPr lang="en-US" smtClean="0"/>
-              <a:t>5/19/2025</a:t>
+              <a:t>5/20/2025</a:t>
             </a:fld>
             <a:endParaRPr lang="en-US"/>
           </a:p>
@@ -18264,7 +15373,7 @@
           <a:p>
             <a:fld id="{5BCAD085-E8A6-8845-BD4E-CB4CCA059FC4}" type="datetimeFigureOut">
               <a:rPr lang="en-US" smtClean="0"/>
-              <a:t>5/19/2025</a:t>
+              <a:t>5/20/2025</a:t>
             </a:fld>
             <a:endParaRPr lang="en-US"/>
           </a:p>
@@ -18434,7 +15543,7 @@
           <a:p>
             <a:fld id="{5BCAD085-E8A6-8845-BD4E-CB4CCA059FC4}" type="datetimeFigureOut">
               <a:rPr lang="en-US" smtClean="0"/>
-              <a:t>5/19/2025</a:t>
+              <a:t>5/20/2025</a:t>
             </a:fld>
             <a:endParaRPr lang="en-US"/>
           </a:p>
@@ -18691,7 +15800,7 @@
           <a:p>
             <a:fld id="{5BCAD085-E8A6-8845-BD4E-CB4CCA059FC4}" type="datetimeFigureOut">
               <a:rPr lang="en-US" smtClean="0"/>
-              <a:t>5/19/2025</a:t>
+              <a:t>5/20/2025</a:t>
             </a:fld>
             <a:endParaRPr lang="en-US"/>
           </a:p>
@@ -18923,7 +16032,7 @@
           <a:p>
             <a:fld id="{5BCAD085-E8A6-8845-BD4E-CB4CCA059FC4}" type="datetimeFigureOut">
               <a:rPr lang="en-US" smtClean="0"/>
-              <a:t>5/19/2025</a:t>
+              <a:t>5/20/2025</a:t>
             </a:fld>
             <a:endParaRPr lang="en-US"/>
           </a:p>
@@ -19316,7 +16425,7 @@
           <a:p>
             <a:fld id="{5BCAD085-E8A6-8845-BD4E-CB4CCA059FC4}" type="datetimeFigureOut">
               <a:rPr lang="en-US" smtClean="0"/>
-              <a:t>5/19/2025</a:t>
+              <a:t>5/20/2025</a:t>
             </a:fld>
             <a:endParaRPr lang="en-US"/>
           </a:p>
@@ -19434,7 +16543,7 @@
           <a:p>
             <a:fld id="{5BCAD085-E8A6-8845-BD4E-CB4CCA059FC4}" type="datetimeFigureOut">
               <a:rPr lang="en-US" smtClean="0"/>
-              <a:t>5/19/2025</a:t>
+              <a:t>5/20/2025</a:t>
             </a:fld>
             <a:endParaRPr lang="en-US"/>
           </a:p>
@@ -19529,7 +16638,7 @@
           <a:p>
             <a:fld id="{5BCAD085-E8A6-8845-BD4E-CB4CCA059FC4}" type="datetimeFigureOut">
               <a:rPr lang="en-US" smtClean="0"/>
-              <a:t>5/19/2025</a:t>
+              <a:t>5/20/2025</a:t>
             </a:fld>
             <a:endParaRPr lang="en-US"/>
           </a:p>
@@ -19802,7 +16911,7 @@
           <a:p>
             <a:fld id="{5BCAD085-E8A6-8845-BD4E-CB4CCA059FC4}" type="datetimeFigureOut">
               <a:rPr lang="en-US" smtClean="0"/>
-              <a:t>5/19/2025</a:t>
+              <a:t>5/20/2025</a:t>
             </a:fld>
             <a:endParaRPr lang="en-US"/>
           </a:p>
@@ -20083,7 +17192,7 @@
           <a:p>
             <a:fld id="{5BCAD085-E8A6-8845-BD4E-CB4CCA059FC4}" type="datetimeFigureOut">
               <a:rPr lang="en-US" smtClean="0"/>
-              <a:t>5/19/2025</a:t>
+              <a:t>5/20/2025</a:t>
             </a:fld>
             <a:endParaRPr lang="en-US"/>
           </a:p>
@@ -20323,7 +17432,7 @@
           <a:p>
             <a:fld id="{5BCAD085-E8A6-8845-BD4E-CB4CCA059FC4}" type="datetimeFigureOut">
               <a:rPr lang="en-US" smtClean="0"/>
-              <a:t>5/19/2025</a:t>
+              <a:t>5/20/2025</a:t>
             </a:fld>
             <a:endParaRPr lang="en-US"/>
           </a:p>
@@ -21329,969 +18438,6 @@
       <p:bldP spid="3" grpId="0" build="p"/>
     </p:bldLst>
   </p:timing>
-</p:sld>
-</file>
-
-<file path=ppt/slides/slide10.xml><?xml version="1.0" encoding="utf-8"?>
-<p:sld xmlns:a="http://schemas.openxmlformats.org/drawingml/2006/main" xmlns:r="http://schemas.openxmlformats.org/officeDocument/2006/relationships" xmlns:p="http://schemas.openxmlformats.org/presentationml/2006/main">
-  <p:cSld>
-    <p:spTree>
-      <p:nvGrpSpPr>
-        <p:cNvPr id="1" name=""/>
-        <p:cNvGrpSpPr/>
-        <p:nvPr/>
-      </p:nvGrpSpPr>
-      <p:grpSpPr>
-        <a:xfrm>
-          <a:off x="0" y="0"/>
-          <a:ext cx="0" cy="0"/>
-          <a:chOff x="0" y="0"/>
-          <a:chExt cx="0" cy="0"/>
-        </a:xfrm>
-      </p:grpSpPr>
-      <p:sp>
-        <p:nvSpPr>
-          <p:cNvPr id="2" name="Title 1"/>
-          <p:cNvSpPr>
-            <a:spLocks noGrp="1"/>
-          </p:cNvSpPr>
-          <p:nvPr>
-            <p:ph type="title"/>
-          </p:nvPr>
-        </p:nvSpPr>
-        <p:spPr/>
-        <p:txBody>
-          <a:bodyPr/>
-          <a:lstStyle/>
-          <a:p>
-            <a:pPr>
-              <a:defRPr sz="4000">
-                <a:solidFill>
-                  <a:srgbClr val="004C99"/>
-                </a:solidFill>
-              </a:defRPr>
-            </a:pPr>
-            <a:r>
-              <a:rPr dirty="0"/>
-              <a:t>Exemplo</a:t>
-            </a:r>
-            <a:r>
-              <a:rPr lang="pt-BR" dirty="0"/>
-              <a:t>s</a:t>
-            </a:r>
-            <a:endParaRPr dirty="0"/>
-          </a:p>
-        </p:txBody>
-      </p:sp>
-      <p:sp>
-        <p:nvSpPr>
-          <p:cNvPr id="3" name="Content Placeholder 2"/>
-          <p:cNvSpPr>
-            <a:spLocks noGrp="1"/>
-          </p:cNvSpPr>
-          <p:nvPr>
-            <p:ph idx="1"/>
-          </p:nvPr>
-        </p:nvSpPr>
-        <p:spPr>
-          <a:xfrm>
-            <a:off x="1119709" y="1825625"/>
-            <a:ext cx="4759982" cy="3523123"/>
-          </a:xfrm>
-        </p:spPr>
-        <p:txBody>
-          <a:bodyPr/>
-          <a:lstStyle/>
-          <a:p>
-            <a:pPr marL="0" indent="0">
-              <a:buNone/>
-              <a:defRPr sz="1800">
-                <a:latin typeface="Courier New"/>
-              </a:defRPr>
-            </a:pPr>
-            <a:r>
-              <a:rPr lang="pt-BR" dirty="0"/>
-              <a:t>//</a:t>
-            </a:r>
-            <a:r>
-              <a:rPr lang="pt-BR" dirty="0" err="1"/>
-              <a:t>Hello</a:t>
-            </a:r>
-            <a:r>
-              <a:rPr lang="pt-BR" dirty="0"/>
-              <a:t> World</a:t>
-            </a:r>
-          </a:p>
-          <a:p>
-            <a:pPr marL="0" indent="0">
-              <a:buNone/>
-              <a:defRPr sz="1800">
-                <a:latin typeface="Courier New"/>
-              </a:defRPr>
-            </a:pPr>
-            <a:r>
-              <a:rPr dirty="0" err="1"/>
-              <a:t>fale</a:t>
-            </a:r>
-            <a:r>
-              <a:rPr dirty="0"/>
-              <a:t>("Olá, </a:t>
-            </a:r>
-            <a:r>
-              <a:rPr dirty="0" err="1"/>
-              <a:t>mundo</a:t>
-            </a:r>
-            <a:r>
-              <a:rPr dirty="0"/>
-              <a:t>!");</a:t>
-            </a:r>
-            <a:endParaRPr lang="pt-BR" dirty="0"/>
-          </a:p>
-          <a:p>
-            <a:pPr marL="0" indent="0">
-              <a:buNone/>
-              <a:defRPr sz="1800">
-                <a:latin typeface="Courier New"/>
-              </a:defRPr>
-            </a:pPr>
-            <a:endParaRPr lang="pt-BR" dirty="0"/>
-          </a:p>
-          <a:p>
-            <a:pPr marL="0" indent="0">
-              <a:buNone/>
-              <a:defRPr sz="1800">
-                <a:latin typeface="Courier New"/>
-              </a:defRPr>
-            </a:pPr>
-            <a:r>
-              <a:rPr lang="pt-BR" dirty="0"/>
-              <a:t>// Contagem regressiva</a:t>
-            </a:r>
-            <a:br>
-              <a:rPr lang="pt-BR" dirty="0"/>
-            </a:br>
-            <a:r>
-              <a:rPr lang="pt-BR" dirty="0"/>
-              <a:t>contador = 5;</a:t>
-            </a:r>
-            <a:br>
-              <a:rPr lang="pt-BR" dirty="0"/>
-            </a:br>
-            <a:br>
-              <a:rPr lang="pt-BR" dirty="0"/>
-            </a:br>
-            <a:r>
-              <a:rPr lang="pt-BR" dirty="0"/>
-              <a:t>enquanto (contador &gt; 0) {</a:t>
-            </a:r>
-            <a:br>
-              <a:rPr lang="pt-BR" dirty="0"/>
-            </a:br>
-            <a:r>
-              <a:rPr lang="pt-BR" dirty="0"/>
-              <a:t>    fale("Contagem: ", contador);</a:t>
-            </a:r>
-            <a:br>
-              <a:rPr lang="pt-BR" dirty="0"/>
-            </a:br>
-            <a:r>
-              <a:rPr lang="pt-BR" dirty="0"/>
-              <a:t>    contador = contador - 1;</a:t>
-            </a:r>
-            <a:br>
-              <a:rPr lang="pt-BR" dirty="0"/>
-            </a:br>
-            <a:r>
-              <a:rPr lang="pt-BR" dirty="0"/>
-              <a:t>}</a:t>
-            </a:r>
-            <a:br>
-              <a:rPr lang="pt-BR" dirty="0"/>
-            </a:br>
-            <a:br>
-              <a:rPr lang="pt-BR" dirty="0"/>
-            </a:br>
-            <a:r>
-              <a:rPr lang="pt-BR" dirty="0"/>
-              <a:t>fale("Fim da contagem!");</a:t>
-            </a:r>
-          </a:p>
-          <a:p>
-            <a:pPr marL="0" indent="0">
-              <a:buNone/>
-              <a:defRPr sz="1800">
-                <a:latin typeface="Courier New"/>
-              </a:defRPr>
-            </a:pPr>
-            <a:endParaRPr dirty="0"/>
-          </a:p>
-        </p:txBody>
-      </p:sp>
-      <p:sp>
-        <p:nvSpPr>
-          <p:cNvPr id="4" name="Content Placeholder 2">
-            <a:extLst>
-              <a:ext uri="{FF2B5EF4-FFF2-40B4-BE49-F238E27FC236}">
-                <a16:creationId xmlns:a16="http://schemas.microsoft.com/office/drawing/2014/main" id="{F9E3ED6D-9AE0-D543-04A8-C9F8C9BB0839}"/>
-              </a:ext>
-            </a:extLst>
-          </p:cNvPr>
-          <p:cNvSpPr txBox="1">
-            <a:spLocks/>
-          </p:cNvSpPr>
-          <p:nvPr/>
-        </p:nvSpPr>
-        <p:spPr>
-          <a:xfrm>
-            <a:off x="6032091" y="1825624"/>
-            <a:ext cx="4759982" cy="3523123"/>
-          </a:xfrm>
-          <a:prstGeom prst="rect">
-            <a:avLst/>
-          </a:prstGeom>
-        </p:spPr>
-        <p:txBody>
-          <a:bodyPr vert="horz" lIns="91440" tIns="45720" rIns="91440" bIns="45720" rtlCol="0">
-            <a:normAutofit/>
-          </a:bodyPr>
-          <a:lstStyle>
-            <a:lvl1pPr marL="228531" indent="-228531" algn="l" defTabSz="914126" rtl="0" eaLnBrk="1" latinLnBrk="0" hangingPunct="1">
-              <a:lnSpc>
-                <a:spcPct val="90000"/>
-              </a:lnSpc>
-              <a:spcBef>
-                <a:spcPts val="1000"/>
-              </a:spcBef>
-              <a:buFont typeface="Arial" panose="020B0604020202020204" pitchFamily="34" charset="0"/>
-              <a:buChar char="•"/>
-              <a:defRPr sz="2799" kern="1200">
-                <a:gradFill>
-                  <a:gsLst>
-                    <a:gs pos="34000">
-                      <a:schemeClr val="tx1">
-                        <a:lumMod val="93000"/>
-                      </a:schemeClr>
-                    </a:gs>
-                    <a:gs pos="0">
-                      <a:schemeClr val="bg1">
-                        <a:lumMod val="25000"/>
-                        <a:lumOff val="75000"/>
-                      </a:schemeClr>
-                    </a:gs>
-                    <a:gs pos="100000">
-                      <a:schemeClr val="tx2">
-                        <a:lumMod val="0"/>
-                        <a:lumOff val="100000"/>
-                      </a:schemeClr>
-                    </a:gs>
-                  </a:gsLst>
-                  <a:lin ang="4800000" scaled="0"/>
-                </a:gradFill>
-                <a:latin typeface="+mn-lt"/>
-                <a:ea typeface="+mn-ea"/>
-                <a:cs typeface="+mn-cs"/>
-              </a:defRPr>
-            </a:lvl1pPr>
-            <a:lvl2pPr marL="685594" indent="-228531" algn="l" defTabSz="914126" rtl="0" eaLnBrk="1" latinLnBrk="0" hangingPunct="1">
-              <a:lnSpc>
-                <a:spcPct val="90000"/>
-              </a:lnSpc>
-              <a:spcBef>
-                <a:spcPts val="500"/>
-              </a:spcBef>
-              <a:buFont typeface="Arial" panose="020B0604020202020204" pitchFamily="34" charset="0"/>
-              <a:buChar char="•"/>
-              <a:defRPr sz="2399" kern="1200">
-                <a:gradFill>
-                  <a:gsLst>
-                    <a:gs pos="34000">
-                      <a:schemeClr val="tx1">
-                        <a:lumMod val="93000"/>
-                      </a:schemeClr>
-                    </a:gs>
-                    <a:gs pos="0">
-                      <a:schemeClr val="bg1">
-                        <a:lumMod val="25000"/>
-                        <a:lumOff val="75000"/>
-                      </a:schemeClr>
-                    </a:gs>
-                    <a:gs pos="100000">
-                      <a:schemeClr val="tx2">
-                        <a:lumMod val="0"/>
-                        <a:lumOff val="100000"/>
-                      </a:schemeClr>
-                    </a:gs>
-                  </a:gsLst>
-                  <a:lin ang="4800000" scaled="0"/>
-                </a:gradFill>
-                <a:latin typeface="+mn-lt"/>
-                <a:ea typeface="+mn-ea"/>
-                <a:cs typeface="+mn-cs"/>
-              </a:defRPr>
-            </a:lvl2pPr>
-            <a:lvl3pPr marL="1142657" indent="-228531" algn="l" defTabSz="914126" rtl="0" eaLnBrk="1" latinLnBrk="0" hangingPunct="1">
-              <a:lnSpc>
-                <a:spcPct val="90000"/>
-              </a:lnSpc>
-              <a:spcBef>
-                <a:spcPts val="500"/>
-              </a:spcBef>
-              <a:buFont typeface="Arial" panose="020B0604020202020204" pitchFamily="34" charset="0"/>
-              <a:buChar char="•"/>
-              <a:defRPr sz="1999" kern="1200">
-                <a:gradFill>
-                  <a:gsLst>
-                    <a:gs pos="34000">
-                      <a:schemeClr val="tx1">
-                        <a:lumMod val="93000"/>
-                      </a:schemeClr>
-                    </a:gs>
-                    <a:gs pos="0">
-                      <a:schemeClr val="bg1">
-                        <a:lumMod val="25000"/>
-                        <a:lumOff val="75000"/>
-                      </a:schemeClr>
-                    </a:gs>
-                    <a:gs pos="100000">
-                      <a:schemeClr val="tx2">
-                        <a:lumMod val="0"/>
-                        <a:lumOff val="100000"/>
-                      </a:schemeClr>
-                    </a:gs>
-                  </a:gsLst>
-                  <a:lin ang="4800000" scaled="0"/>
-                </a:gradFill>
-                <a:latin typeface="+mn-lt"/>
-                <a:ea typeface="+mn-ea"/>
-                <a:cs typeface="+mn-cs"/>
-              </a:defRPr>
-            </a:lvl3pPr>
-            <a:lvl4pPr marL="1599720" indent="-228531" algn="l" defTabSz="914126" rtl="0" eaLnBrk="1" latinLnBrk="0" hangingPunct="1">
-              <a:lnSpc>
-                <a:spcPct val="90000"/>
-              </a:lnSpc>
-              <a:spcBef>
-                <a:spcPts val="500"/>
-              </a:spcBef>
-              <a:buFont typeface="Arial" panose="020B0604020202020204" pitchFamily="34" charset="0"/>
-              <a:buChar char="•"/>
-              <a:defRPr sz="1799" kern="1200">
-                <a:gradFill>
-                  <a:gsLst>
-                    <a:gs pos="34000">
-                      <a:schemeClr val="tx1">
-                        <a:lumMod val="93000"/>
-                      </a:schemeClr>
-                    </a:gs>
-                    <a:gs pos="0">
-                      <a:schemeClr val="bg1">
-                        <a:lumMod val="25000"/>
-                        <a:lumOff val="75000"/>
-                      </a:schemeClr>
-                    </a:gs>
-                    <a:gs pos="100000">
-                      <a:schemeClr val="tx2">
-                        <a:lumMod val="0"/>
-                        <a:lumOff val="100000"/>
-                      </a:schemeClr>
-                    </a:gs>
-                  </a:gsLst>
-                  <a:lin ang="4800000" scaled="0"/>
-                </a:gradFill>
-                <a:latin typeface="+mn-lt"/>
-                <a:ea typeface="+mn-ea"/>
-                <a:cs typeface="+mn-cs"/>
-              </a:defRPr>
-            </a:lvl4pPr>
-            <a:lvl5pPr marL="2056783" indent="-228531" algn="l" defTabSz="914126" rtl="0" eaLnBrk="1" latinLnBrk="0" hangingPunct="1">
-              <a:lnSpc>
-                <a:spcPct val="90000"/>
-              </a:lnSpc>
-              <a:spcBef>
-                <a:spcPts val="500"/>
-              </a:spcBef>
-              <a:buFont typeface="Arial" panose="020B0604020202020204" pitchFamily="34" charset="0"/>
-              <a:buChar char="•"/>
-              <a:defRPr sz="1799" kern="1200">
-                <a:gradFill>
-                  <a:gsLst>
-                    <a:gs pos="34000">
-                      <a:schemeClr val="tx1">
-                        <a:lumMod val="93000"/>
-                      </a:schemeClr>
-                    </a:gs>
-                    <a:gs pos="0">
-                      <a:schemeClr val="bg1">
-                        <a:lumMod val="25000"/>
-                        <a:lumOff val="75000"/>
-                      </a:schemeClr>
-                    </a:gs>
-                    <a:gs pos="100000">
-                      <a:schemeClr val="tx2">
-                        <a:lumMod val="0"/>
-                        <a:lumOff val="100000"/>
-                      </a:schemeClr>
-                    </a:gs>
-                  </a:gsLst>
-                  <a:lin ang="4800000" scaled="0"/>
-                </a:gradFill>
-                <a:latin typeface="+mn-lt"/>
-                <a:ea typeface="+mn-ea"/>
-                <a:cs typeface="+mn-cs"/>
-              </a:defRPr>
-            </a:lvl5pPr>
-            <a:lvl6pPr marL="2513846" indent="-228531" algn="l" defTabSz="914126" rtl="0" eaLnBrk="1" latinLnBrk="0" hangingPunct="1">
-              <a:lnSpc>
-                <a:spcPct val="90000"/>
-              </a:lnSpc>
-              <a:spcBef>
-                <a:spcPts val="500"/>
-              </a:spcBef>
-              <a:buFont typeface="Arial" panose="020B0604020202020204" pitchFamily="34" charset="0"/>
-              <a:buChar char="•"/>
-              <a:defRPr sz="1799" kern="1200">
-                <a:solidFill>
-                  <a:schemeClr val="tx1"/>
-                </a:solidFill>
-                <a:latin typeface="+mn-lt"/>
-                <a:ea typeface="+mn-ea"/>
-                <a:cs typeface="+mn-cs"/>
-              </a:defRPr>
-            </a:lvl6pPr>
-            <a:lvl7pPr marL="2970908" indent="-228531" algn="l" defTabSz="914126" rtl="0" eaLnBrk="1" latinLnBrk="0" hangingPunct="1">
-              <a:lnSpc>
-                <a:spcPct val="90000"/>
-              </a:lnSpc>
-              <a:spcBef>
-                <a:spcPts val="500"/>
-              </a:spcBef>
-              <a:buFont typeface="Arial" panose="020B0604020202020204" pitchFamily="34" charset="0"/>
-              <a:buChar char="•"/>
-              <a:defRPr sz="1799" kern="1200">
-                <a:solidFill>
-                  <a:schemeClr val="tx1"/>
-                </a:solidFill>
-                <a:latin typeface="+mn-lt"/>
-                <a:ea typeface="+mn-ea"/>
-                <a:cs typeface="+mn-cs"/>
-              </a:defRPr>
-            </a:lvl7pPr>
-            <a:lvl8pPr marL="3427971" indent="-228531" algn="l" defTabSz="914126" rtl="0" eaLnBrk="1" latinLnBrk="0" hangingPunct="1">
-              <a:lnSpc>
-                <a:spcPct val="90000"/>
-              </a:lnSpc>
-              <a:spcBef>
-                <a:spcPts val="500"/>
-              </a:spcBef>
-              <a:buFont typeface="Arial" panose="020B0604020202020204" pitchFamily="34" charset="0"/>
-              <a:buChar char="•"/>
-              <a:defRPr sz="1799" kern="1200">
-                <a:solidFill>
-                  <a:schemeClr val="tx1"/>
-                </a:solidFill>
-                <a:latin typeface="+mn-lt"/>
-                <a:ea typeface="+mn-ea"/>
-                <a:cs typeface="+mn-cs"/>
-              </a:defRPr>
-            </a:lvl8pPr>
-            <a:lvl9pPr marL="3885034" indent="-228531" algn="l" defTabSz="914126" rtl="0" eaLnBrk="1" latinLnBrk="0" hangingPunct="1">
-              <a:lnSpc>
-                <a:spcPct val="90000"/>
-              </a:lnSpc>
-              <a:spcBef>
-                <a:spcPts val="500"/>
-              </a:spcBef>
-              <a:buFont typeface="Arial" panose="020B0604020202020204" pitchFamily="34" charset="0"/>
-              <a:buChar char="•"/>
-              <a:defRPr sz="1799" kern="1200">
-                <a:solidFill>
-                  <a:schemeClr val="tx1"/>
-                </a:solidFill>
-                <a:latin typeface="+mn-lt"/>
-                <a:ea typeface="+mn-ea"/>
-                <a:cs typeface="+mn-cs"/>
-              </a:defRPr>
-            </a:lvl9pPr>
-          </a:lstStyle>
-          <a:p>
-            <a:pPr marL="0" indent="0">
-              <a:buFont typeface="Arial" panose="020B0604020202020204" pitchFamily="34" charset="0"/>
-              <a:buNone/>
-              <a:defRPr sz="1800">
-                <a:latin typeface="Courier New"/>
-              </a:defRPr>
-            </a:pPr>
-            <a:r>
-              <a:rPr lang="pt-BR" sz="1800" dirty="0">
-                <a:latin typeface="Courier New"/>
-              </a:rPr>
-              <a:t>//Condicional</a:t>
-            </a:r>
-          </a:p>
-          <a:p>
-            <a:pPr>
-              <a:defRPr sz="1800">
-                <a:latin typeface="Courier New"/>
-              </a:defRPr>
-            </a:pPr>
-            <a:r>
-              <a:rPr lang="pt-BR" dirty="0"/>
-              <a:t>peixe = 10;</a:t>
-            </a:r>
-            <a:br>
-              <a:rPr lang="pt-BR" dirty="0"/>
-            </a:br>
-            <a:r>
-              <a:rPr lang="pt-BR" dirty="0" err="1"/>
-              <a:t>agua_limpa</a:t>
-            </a:r>
-            <a:r>
-              <a:rPr lang="pt-BR" dirty="0"/>
-              <a:t> = </a:t>
-            </a:r>
-            <a:r>
-              <a:rPr lang="pt-BR" dirty="0" err="1"/>
-              <a:t>salmao</a:t>
-            </a:r>
-            <a:r>
-              <a:rPr lang="pt-BR" dirty="0"/>
-              <a:t>;</a:t>
-            </a:r>
-            <a:br>
-              <a:rPr lang="pt-BR" dirty="0"/>
-            </a:br>
-            <a:br>
-              <a:rPr lang="pt-BR" dirty="0"/>
-            </a:br>
-            <a:r>
-              <a:rPr lang="pt-BR" dirty="0"/>
-              <a:t>se (peixe &gt; 5) {</a:t>
-            </a:r>
-            <a:br>
-              <a:rPr lang="pt-BR" dirty="0"/>
-            </a:br>
-            <a:r>
-              <a:rPr lang="pt-BR" dirty="0"/>
-              <a:t>    fale("Peguei um grande!");</a:t>
-            </a:r>
-            <a:br>
-              <a:rPr lang="pt-BR" dirty="0"/>
-            </a:br>
-            <a:r>
-              <a:rPr lang="pt-BR" dirty="0"/>
-              <a:t>} senão {</a:t>
-            </a:r>
-            <a:br>
-              <a:rPr lang="pt-BR" dirty="0"/>
-            </a:br>
-            <a:r>
-              <a:rPr lang="pt-BR" dirty="0"/>
-              <a:t>    fale("Muito pequeno!");</a:t>
-            </a:r>
-            <a:br>
-              <a:rPr lang="pt-BR" dirty="0"/>
-            </a:br>
-            <a:r>
-              <a:rPr lang="pt-BR" dirty="0"/>
-              <a:t>}</a:t>
-            </a:r>
-          </a:p>
-          <a:p>
-            <a:pPr marL="0" indent="0">
-              <a:buFont typeface="Arial" panose="020B0604020202020204" pitchFamily="34" charset="0"/>
-              <a:buNone/>
-              <a:defRPr sz="1800">
-                <a:latin typeface="Courier New"/>
-              </a:defRPr>
-            </a:pPr>
-            <a:endParaRPr lang="pt-BR" sz="1800" dirty="0">
-              <a:latin typeface="Courier New"/>
-            </a:endParaRPr>
-          </a:p>
-        </p:txBody>
-      </p:sp>
-    </p:spTree>
-  </p:cSld>
-  <p:clrMapOvr>
-    <a:masterClrMapping/>
-  </p:clrMapOvr>
-</p:sld>
-</file>
-
-<file path=ppt/slides/slide11.xml><?xml version="1.0" encoding="utf-8"?>
-<p:sld xmlns:a="http://schemas.openxmlformats.org/drawingml/2006/main" xmlns:r="http://schemas.openxmlformats.org/officeDocument/2006/relationships" xmlns:p="http://schemas.openxmlformats.org/presentationml/2006/main">
-  <p:cSld>
-    <p:bg>
-      <p:bgPr>
-        <a:blipFill dpi="0" rotWithShape="1">
-          <a:blip r:embed="rId2">
-            <a:lum/>
-          </a:blip>
-          <a:srcRect/>
-          <a:stretch>
-            <a:fillRect/>
-          </a:stretch>
-        </a:blipFill>
-        <a:effectLst/>
-      </p:bgPr>
-    </p:bg>
-    <p:spTree>
-      <p:nvGrpSpPr>
-        <p:cNvPr id="1" name=""/>
-        <p:cNvGrpSpPr/>
-        <p:nvPr/>
-      </p:nvGrpSpPr>
-      <p:grpSpPr>
-        <a:xfrm>
-          <a:off x="0" y="0"/>
-          <a:ext cx="0" cy="0"/>
-          <a:chOff x="0" y="0"/>
-          <a:chExt cx="0" cy="0"/>
-        </a:xfrm>
-      </p:grpSpPr>
-      <p:sp useBgFill="1">
-        <p:nvSpPr>
-          <p:cNvPr id="8" name="Rectangle 7">
-            <a:extLst>
-              <a:ext uri="{FF2B5EF4-FFF2-40B4-BE49-F238E27FC236}">
-                <a16:creationId xmlns:a16="http://schemas.microsoft.com/office/drawing/2014/main" id="{6B2275DD-736C-472F-9D1B-3BA6016BFD7F}"/>
-              </a:ext>
-              <a:ext uri="{C183D7F6-B498-43B3-948B-1728B52AA6E4}">
-                <adec:decorative xmlns:adec="http://schemas.microsoft.com/office/drawing/2017/decorative" val="1"/>
-              </a:ext>
-            </a:extLst>
-          </p:cNvPr>
-          <p:cNvSpPr>
-            <a:spLocks noGrp="1" noRot="1" noChangeAspect="1" noMove="1" noResize="1" noEditPoints="1" noAdjustHandles="1" noChangeArrowheads="1" noChangeShapeType="1" noTextEdit="1"/>
-          </p:cNvSpPr>
-          <p:nvPr>
-            <p:extLst>
-              <p:ext uri="{386F3935-93C4-4BCD-93E2-E3B085C9AB24}">
-                <p16:designElem xmlns:p16="http://schemas.microsoft.com/office/powerpoint/2015/main" val="1"/>
-              </p:ext>
-            </p:extLst>
-          </p:nvPr>
-        </p:nvSpPr>
-        <p:spPr bwMode="white">
-          <a:xfrm>
-            <a:off x="0" y="0"/>
-            <a:ext cx="12188825" cy="6858000"/>
-          </a:xfrm>
-          <a:prstGeom prst="rect">
-            <a:avLst/>
-          </a:prstGeom>
-          <a:ln>
-            <a:noFill/>
-          </a:ln>
-        </p:spPr>
-        <p:style>
-          <a:lnRef idx="2">
-            <a:schemeClr val="accent1">
-              <a:shade val="50000"/>
-            </a:schemeClr>
-          </a:lnRef>
-          <a:fillRef idx="1">
-            <a:schemeClr val="accent1"/>
-          </a:fillRef>
-          <a:effectRef idx="0">
-            <a:schemeClr val="accent1"/>
-          </a:effectRef>
-          <a:fontRef idx="minor">
-            <a:schemeClr val="lt1"/>
-          </a:fontRef>
-        </p:style>
-        <p:txBody>
-          <a:bodyPr rtlCol="0" anchor="ctr"/>
-          <a:lstStyle>
-            <a:defPPr>
-              <a:defRPr lang="en-US"/>
-            </a:defPPr>
-            <a:lvl1pPr marL="0" algn="l" defTabSz="457200" rtl="0" eaLnBrk="1" latinLnBrk="0" hangingPunct="1">
-              <a:defRPr sz="1800" kern="1200">
-                <a:solidFill>
-                  <a:schemeClr val="lt1"/>
-                </a:solidFill>
-                <a:latin typeface="+mn-lt"/>
-                <a:ea typeface="+mn-ea"/>
-                <a:cs typeface="+mn-cs"/>
-              </a:defRPr>
-            </a:lvl1pPr>
-            <a:lvl2pPr marL="457200" algn="l" defTabSz="457200" rtl="0" eaLnBrk="1" latinLnBrk="0" hangingPunct="1">
-              <a:defRPr sz="1800" kern="1200">
-                <a:solidFill>
-                  <a:schemeClr val="lt1"/>
-                </a:solidFill>
-                <a:latin typeface="+mn-lt"/>
-                <a:ea typeface="+mn-ea"/>
-                <a:cs typeface="+mn-cs"/>
-              </a:defRPr>
-            </a:lvl2pPr>
-            <a:lvl3pPr marL="914400" algn="l" defTabSz="457200" rtl="0" eaLnBrk="1" latinLnBrk="0" hangingPunct="1">
-              <a:defRPr sz="1800" kern="1200">
-                <a:solidFill>
-                  <a:schemeClr val="lt1"/>
-                </a:solidFill>
-                <a:latin typeface="+mn-lt"/>
-                <a:ea typeface="+mn-ea"/>
-                <a:cs typeface="+mn-cs"/>
-              </a:defRPr>
-            </a:lvl3pPr>
-            <a:lvl4pPr marL="1371600" algn="l" defTabSz="457200" rtl="0" eaLnBrk="1" latinLnBrk="0" hangingPunct="1">
-              <a:defRPr sz="1800" kern="1200">
-                <a:solidFill>
-                  <a:schemeClr val="lt1"/>
-                </a:solidFill>
-                <a:latin typeface="+mn-lt"/>
-                <a:ea typeface="+mn-ea"/>
-                <a:cs typeface="+mn-cs"/>
-              </a:defRPr>
-            </a:lvl4pPr>
-            <a:lvl5pPr marL="1828800" algn="l" defTabSz="457200" rtl="0" eaLnBrk="1" latinLnBrk="0" hangingPunct="1">
-              <a:defRPr sz="1800" kern="1200">
-                <a:solidFill>
-                  <a:schemeClr val="lt1"/>
-                </a:solidFill>
-                <a:latin typeface="+mn-lt"/>
-                <a:ea typeface="+mn-ea"/>
-                <a:cs typeface="+mn-cs"/>
-              </a:defRPr>
-            </a:lvl5pPr>
-            <a:lvl6pPr marL="2286000" algn="l" defTabSz="457200" rtl="0" eaLnBrk="1" latinLnBrk="0" hangingPunct="1">
-              <a:defRPr sz="1800" kern="1200">
-                <a:solidFill>
-                  <a:schemeClr val="lt1"/>
-                </a:solidFill>
-                <a:latin typeface="+mn-lt"/>
-                <a:ea typeface="+mn-ea"/>
-                <a:cs typeface="+mn-cs"/>
-              </a:defRPr>
-            </a:lvl6pPr>
-            <a:lvl7pPr marL="2743200" algn="l" defTabSz="457200" rtl="0" eaLnBrk="1" latinLnBrk="0" hangingPunct="1">
-              <a:defRPr sz="1800" kern="1200">
-                <a:solidFill>
-                  <a:schemeClr val="lt1"/>
-                </a:solidFill>
-                <a:latin typeface="+mn-lt"/>
-                <a:ea typeface="+mn-ea"/>
-                <a:cs typeface="+mn-cs"/>
-              </a:defRPr>
-            </a:lvl7pPr>
-            <a:lvl8pPr marL="3200400" algn="l" defTabSz="457200" rtl="0" eaLnBrk="1" latinLnBrk="0" hangingPunct="1">
-              <a:defRPr sz="1800" kern="1200">
-                <a:solidFill>
-                  <a:schemeClr val="lt1"/>
-                </a:solidFill>
-                <a:latin typeface="+mn-lt"/>
-                <a:ea typeface="+mn-ea"/>
-                <a:cs typeface="+mn-cs"/>
-              </a:defRPr>
-            </a:lvl8pPr>
-            <a:lvl9pPr marL="3657600" algn="l" defTabSz="457200" rtl="0" eaLnBrk="1" latinLnBrk="0" hangingPunct="1">
-              <a:defRPr sz="1800" kern="1200">
-                <a:solidFill>
-                  <a:schemeClr val="lt1"/>
-                </a:solidFill>
-                <a:latin typeface="+mn-lt"/>
-                <a:ea typeface="+mn-ea"/>
-                <a:cs typeface="+mn-cs"/>
-              </a:defRPr>
-            </a:lvl9pPr>
-          </a:lstStyle>
-          <a:p>
-            <a:pPr algn="ctr"/>
-            <a:endParaRPr lang="en-US"/>
-          </a:p>
-        </p:txBody>
-      </p:sp>
-      <p:sp>
-        <p:nvSpPr>
-          <p:cNvPr id="2" name="Title 1"/>
-          <p:cNvSpPr>
-            <a:spLocks noGrp="1"/>
-          </p:cNvSpPr>
-          <p:nvPr>
-            <p:ph type="title"/>
-          </p:nvPr>
-        </p:nvSpPr>
-        <p:spPr>
-          <a:xfrm>
-            <a:off x="837981" y="365125"/>
-            <a:ext cx="7956595" cy="1137104"/>
-          </a:xfrm>
-        </p:spPr>
-        <p:txBody>
-          <a:bodyPr anchor="b">
-            <a:normAutofit/>
-          </a:bodyPr>
-          <a:lstStyle/>
-          <a:p>
-            <a:pPr>
-              <a:defRPr sz="4000">
-                <a:solidFill>
-                  <a:srgbClr val="004C99"/>
-                </a:solidFill>
-              </a:defRPr>
-            </a:pPr>
-            <a:r>
-              <a:rPr lang="pt-BR" sz="4400">
-                <a:solidFill>
-                  <a:schemeClr val="tx1">
-                    <a:lumMod val="95000"/>
-                  </a:schemeClr>
-                </a:solidFill>
-              </a:rPr>
-              <a:t>Como Executar</a:t>
-            </a:r>
-          </a:p>
-        </p:txBody>
-      </p:sp>
-      <p:sp>
-        <p:nvSpPr>
-          <p:cNvPr id="3" name="Content Placeholder 2"/>
-          <p:cNvSpPr>
-            <a:spLocks noGrp="1"/>
-          </p:cNvSpPr>
-          <p:nvPr>
-            <p:ph idx="1"/>
-          </p:nvPr>
-        </p:nvSpPr>
-        <p:spPr>
-          <a:xfrm>
-            <a:off x="837981" y="1825625"/>
-            <a:ext cx="9249916" cy="2825033"/>
-          </a:xfrm>
-        </p:spPr>
-        <p:txBody>
-          <a:bodyPr>
-            <a:normAutofit/>
-          </a:bodyPr>
-          <a:lstStyle/>
-          <a:p>
-            <a:endParaRPr lang="pt-BR" sz="2400" dirty="0">
-              <a:solidFill>
-                <a:schemeClr val="tx1">
-                  <a:lumMod val="95000"/>
-                </a:schemeClr>
-              </a:solidFill>
-            </a:endParaRPr>
-          </a:p>
-          <a:p>
-            <a:pPr>
-              <a:defRPr sz="1800">
-                <a:latin typeface="Courier New"/>
-              </a:defRPr>
-            </a:pPr>
-            <a:r>
-              <a:rPr lang="pt-BR" sz="2400" dirty="0">
-                <a:solidFill>
-                  <a:schemeClr val="tx1">
-                    <a:lumMod val="95000"/>
-                  </a:schemeClr>
-                </a:solidFill>
-              </a:rPr>
-              <a:t># 1. Dar permissões de execução</a:t>
-            </a:r>
-            <a:br>
-              <a:rPr lang="pt-BR" sz="2400" dirty="0">
-                <a:solidFill>
-                  <a:schemeClr val="tx1">
-                    <a:lumMod val="95000"/>
-                  </a:schemeClr>
-                </a:solidFill>
-              </a:rPr>
-            </a:br>
-            <a:r>
-              <a:rPr lang="pt-BR" sz="2400" dirty="0" err="1">
-                <a:solidFill>
-                  <a:schemeClr val="tx1">
-                    <a:lumMod val="95000"/>
-                  </a:schemeClr>
-                </a:solidFill>
-              </a:rPr>
-              <a:t>chmod</a:t>
-            </a:r>
-            <a:r>
-              <a:rPr lang="pt-BR" sz="2400" dirty="0">
-                <a:solidFill>
-                  <a:schemeClr val="tx1">
-                    <a:lumMod val="95000"/>
-                  </a:schemeClr>
-                </a:solidFill>
-              </a:rPr>
-              <a:t> +x peixe_vm_run.sh vm_peixe_final.py</a:t>
-            </a:r>
-            <a:br>
-              <a:rPr lang="pt-BR" sz="2400" dirty="0">
-                <a:solidFill>
-                  <a:schemeClr val="tx1">
-                    <a:lumMod val="95000"/>
-                  </a:schemeClr>
-                </a:solidFill>
-              </a:rPr>
-            </a:br>
-            <a:br>
-              <a:rPr lang="pt-BR" sz="2400" dirty="0">
-                <a:solidFill>
-                  <a:schemeClr val="tx1">
-                    <a:lumMod val="95000"/>
-                  </a:schemeClr>
-                </a:solidFill>
-              </a:rPr>
-            </a:br>
-            <a:r>
-              <a:rPr lang="pt-BR" sz="2400" dirty="0">
-                <a:solidFill>
-                  <a:schemeClr val="tx1">
-                    <a:lumMod val="95000"/>
-                  </a:schemeClr>
-                </a:solidFill>
-              </a:rPr>
-              <a:t># 2. Executar um programa</a:t>
-            </a:r>
-            <a:br>
-              <a:rPr lang="pt-BR" sz="2400" dirty="0">
-                <a:solidFill>
-                  <a:schemeClr val="tx1">
-                    <a:lumMod val="95000"/>
-                  </a:schemeClr>
-                </a:solidFill>
-              </a:rPr>
-            </a:br>
-            <a:r>
-              <a:rPr lang="pt-BR" sz="2400" dirty="0">
-                <a:solidFill>
-                  <a:schemeClr val="tx1">
-                    <a:lumMod val="95000"/>
-                  </a:schemeClr>
-                </a:solidFill>
-              </a:rPr>
-              <a:t>./peixe_vm_run.sh </a:t>
-            </a:r>
-            <a:r>
-              <a:rPr lang="pt-BR" sz="2400" dirty="0" err="1">
-                <a:solidFill>
-                  <a:schemeClr val="tx1">
-                    <a:lumMod val="95000"/>
-                  </a:schemeClr>
-                </a:solidFill>
-              </a:rPr>
-              <a:t>teste.pesca</a:t>
-            </a:r>
-            <a:endParaRPr lang="pt-BR" sz="2400" dirty="0">
-              <a:solidFill>
-                <a:schemeClr val="tx1">
-                  <a:lumMod val="95000"/>
-                </a:schemeClr>
-              </a:solidFill>
-            </a:endParaRPr>
-          </a:p>
-        </p:txBody>
-      </p:sp>
-    </p:spTree>
-  </p:cSld>
-  <p:clrMapOvr>
-    <a:masterClrMapping/>
-  </p:clrMapOvr>
 </p:sld>
 </file>
 
@@ -24310,9 +20456,844 @@
           <a:chExt cx="0" cy="0"/>
         </a:xfrm>
       </p:grpSpPr>
+      <p:sp>
+        <p:nvSpPr>
+          <p:cNvPr id="9" name="Rectangle 8">
+            <a:extLst>
+              <a:ext uri="{FF2B5EF4-FFF2-40B4-BE49-F238E27FC236}">
+                <a16:creationId xmlns:a16="http://schemas.microsoft.com/office/drawing/2014/main" id="{619B3503-D505-49AA-97C1-B299D58DB436}"/>
+              </a:ext>
+              <a:ext uri="{C183D7F6-B498-43B3-948B-1728B52AA6E4}">
+                <adec:decorative xmlns:adec="http://schemas.microsoft.com/office/drawing/2017/decorative" val="1"/>
+              </a:ext>
+            </a:extLst>
+          </p:cNvPr>
+          <p:cNvSpPr>
+            <a:spLocks noGrp="1" noRot="1" noChangeAspect="1" noMove="1" noResize="1" noEditPoints="1" noAdjustHandles="1" noChangeArrowheads="1" noChangeShapeType="1" noTextEdit="1"/>
+          </p:cNvSpPr>
+          <p:nvPr>
+            <p:extLst>
+              <p:ext uri="{386F3935-93C4-4BCD-93E2-E3B085C9AB24}">
+                <p16:designElem xmlns:p16="http://schemas.microsoft.com/office/powerpoint/2015/main" val="1"/>
+              </p:ext>
+            </p:extLst>
+          </p:nvPr>
+        </p:nvSpPr>
+        <p:spPr>
+          <a:xfrm>
+            <a:off x="4066686" y="0"/>
+            <a:ext cx="8122138" cy="6858000"/>
+          </a:xfrm>
+          <a:prstGeom prst="rect">
+            <a:avLst/>
+          </a:prstGeom>
+          <a:solidFill>
+            <a:schemeClr val="bg1">
+              <a:alpha val="20000"/>
+            </a:schemeClr>
+          </a:solidFill>
+          <a:ln>
+            <a:noFill/>
+          </a:ln>
+          <a:effectLst>
+            <a:innerShdw blurRad="139700" dist="50800" dir="5400000">
+              <a:prstClr val="black">
+                <a:alpha val="20000"/>
+              </a:prstClr>
+            </a:innerShdw>
+          </a:effectLst>
+        </p:spPr>
+        <p:style>
+          <a:lnRef idx="2">
+            <a:schemeClr val="accent1">
+              <a:shade val="50000"/>
+            </a:schemeClr>
+          </a:lnRef>
+          <a:fillRef idx="1">
+            <a:schemeClr val="accent1"/>
+          </a:fillRef>
+          <a:effectRef idx="0">
+            <a:schemeClr val="accent1"/>
+          </a:effectRef>
+          <a:fontRef idx="minor">
+            <a:schemeClr val="lt1"/>
+          </a:fontRef>
+        </p:style>
+        <p:txBody>
+          <a:bodyPr rtlCol="0" anchor="ctr"/>
+          <a:lstStyle/>
+          <a:p>
+            <a:pPr algn="ctr"/>
+            <a:endParaRPr lang="en-US"/>
+          </a:p>
+        </p:txBody>
+      </p:sp>
       <p:sp useBgFill="1">
         <p:nvSpPr>
-          <p:cNvPr id="13" name="Rectangle 12">
+          <p:cNvPr id="11" name="Rectangle 10">
+            <a:extLst>
+              <a:ext uri="{FF2B5EF4-FFF2-40B4-BE49-F238E27FC236}">
+                <a16:creationId xmlns:a16="http://schemas.microsoft.com/office/drawing/2014/main" id="{E39A2319-946A-4C65-9B7C-1F86E9B1B57C}"/>
+              </a:ext>
+              <a:ext uri="{C183D7F6-B498-43B3-948B-1728B52AA6E4}">
+                <adec:decorative xmlns:adec="http://schemas.microsoft.com/office/drawing/2017/decorative" val="1"/>
+              </a:ext>
+            </a:extLst>
+          </p:cNvPr>
+          <p:cNvSpPr>
+            <a:spLocks noGrp="1" noRot="1" noChangeAspect="1" noMove="1" noResize="1" noEditPoints="1" noAdjustHandles="1" noChangeArrowheads="1" noChangeShapeType="1" noTextEdit="1"/>
+          </p:cNvSpPr>
+          <p:nvPr>
+            <p:extLst>
+              <p:ext uri="{386F3935-93C4-4BCD-93E2-E3B085C9AB24}">
+                <p16:designElem xmlns:p16="http://schemas.microsoft.com/office/powerpoint/2015/main" val="1"/>
+              </p:ext>
+            </p:extLst>
+          </p:nvPr>
+        </p:nvSpPr>
+        <p:spPr>
+          <a:xfrm>
+            <a:off x="0" y="1"/>
+            <a:ext cx="4066687" cy="6857996"/>
+          </a:xfrm>
+          <a:prstGeom prst="rect">
+            <a:avLst/>
+          </a:prstGeom>
+          <a:ln>
+            <a:noFill/>
+          </a:ln>
+          <a:effectLst>
+            <a:outerShdw blurRad="50800" dist="38100" algn="l" rotWithShape="0">
+              <a:prstClr val="black">
+                <a:alpha val="40000"/>
+              </a:prstClr>
+            </a:outerShdw>
+          </a:effectLst>
+        </p:spPr>
+        <p:style>
+          <a:lnRef idx="2">
+            <a:schemeClr val="accent1">
+              <a:shade val="50000"/>
+            </a:schemeClr>
+          </a:lnRef>
+          <a:fillRef idx="1">
+            <a:schemeClr val="accent1"/>
+          </a:fillRef>
+          <a:effectRef idx="0">
+            <a:schemeClr val="accent1"/>
+          </a:effectRef>
+          <a:fontRef idx="minor">
+            <a:schemeClr val="lt1"/>
+          </a:fontRef>
+        </p:style>
+        <p:txBody>
+          <a:bodyPr rtlCol="0" anchor="ctr"/>
+          <a:lstStyle/>
+          <a:p>
+            <a:pPr algn="ctr"/>
+            <a:endParaRPr lang="en-US"/>
+          </a:p>
+        </p:txBody>
+      </p:sp>
+      <p:sp>
+        <p:nvSpPr>
+          <p:cNvPr id="2" name="Title 1"/>
+          <p:cNvSpPr>
+            <a:spLocks noGrp="1"/>
+          </p:cNvSpPr>
+          <p:nvPr>
+            <p:ph type="title"/>
+          </p:nvPr>
+        </p:nvSpPr>
+        <p:spPr>
+          <a:xfrm>
+            <a:off x="647720" y="1349680"/>
+            <a:ext cx="2930556" cy="4449541"/>
+          </a:xfrm>
+        </p:spPr>
+        <p:txBody>
+          <a:bodyPr anchor="t">
+            <a:normAutofit/>
+          </a:bodyPr>
+          <a:lstStyle/>
+          <a:p>
+            <a:pPr>
+              <a:defRPr sz="4000">
+                <a:solidFill>
+                  <a:srgbClr val="004C99"/>
+                </a:solidFill>
+              </a:defRPr>
+            </a:pPr>
+            <a:r>
+              <a:rPr lang="pt-BR" sz="3000" dirty="0">
+                <a:solidFill>
+                  <a:schemeClr val="tx1"/>
+                </a:solidFill>
+              </a:rPr>
+              <a:t>Implementação Principal: VM Final</a:t>
+            </a:r>
+          </a:p>
+        </p:txBody>
+      </p:sp>
+      <p:graphicFrame>
+        <p:nvGraphicFramePr>
+          <p:cNvPr id="5" name="Content Placeholder 2">
+            <a:extLst>
+              <a:ext uri="{FF2B5EF4-FFF2-40B4-BE49-F238E27FC236}">
+                <a16:creationId xmlns:a16="http://schemas.microsoft.com/office/drawing/2014/main" id="{55639BFE-2D48-85BD-11A8-4BC3E83B1CEE}"/>
+              </a:ext>
+            </a:extLst>
+          </p:cNvPr>
+          <p:cNvGraphicFramePr>
+            <a:graphicFrameLocks noGrp="1"/>
+          </p:cNvGraphicFramePr>
+          <p:nvPr>
+            <p:ph idx="1"/>
+            <p:extLst>
+              <p:ext uri="{D42A27DB-BD31-4B8C-83A1-F6EECF244321}">
+                <p14:modId xmlns:p14="http://schemas.microsoft.com/office/powerpoint/2010/main" val="2420320151"/>
+              </p:ext>
+            </p:extLst>
+          </p:nvPr>
+        </p:nvGraphicFramePr>
+        <p:xfrm>
+          <a:off x="4660891" y="640075"/>
+          <a:ext cx="6910445" cy="5536883"/>
+        </p:xfrm>
+        <a:graphic>
+          <a:graphicData uri="http://schemas.openxmlformats.org/drawingml/2006/diagram">
+            <dgm:relIds xmlns:dgm="http://schemas.openxmlformats.org/drawingml/2006/diagram" xmlns:r="http://schemas.openxmlformats.org/officeDocument/2006/relationships" r:dm="rId3" r:lo="rId4" r:qs="rId5" r:cs="rId6"/>
+          </a:graphicData>
+        </a:graphic>
+      </p:graphicFrame>
+    </p:spTree>
+  </p:cSld>
+  <p:clrMapOvr>
+    <a:masterClrMapping/>
+  </p:clrMapOvr>
+</p:sld>
+</file>
+
+<file path=ppt/slides/slide8.xml><?xml version="1.0" encoding="utf-8"?>
+<p:sld xmlns:a="http://schemas.openxmlformats.org/drawingml/2006/main" xmlns:r="http://schemas.openxmlformats.org/officeDocument/2006/relationships" xmlns:p="http://schemas.openxmlformats.org/presentationml/2006/main">
+  <p:cSld>
+    <p:spTree>
+      <p:nvGrpSpPr>
+        <p:cNvPr id="1" name=""/>
+        <p:cNvGrpSpPr/>
+        <p:nvPr/>
+      </p:nvGrpSpPr>
+      <p:grpSpPr>
+        <a:xfrm>
+          <a:off x="0" y="0"/>
+          <a:ext cx="0" cy="0"/>
+          <a:chOff x="0" y="0"/>
+          <a:chExt cx="0" cy="0"/>
+        </a:xfrm>
+      </p:grpSpPr>
+      <p:sp>
+        <p:nvSpPr>
+          <p:cNvPr id="2" name="Title 1"/>
+          <p:cNvSpPr>
+            <a:spLocks noGrp="1"/>
+          </p:cNvSpPr>
+          <p:nvPr>
+            <p:ph type="title"/>
+          </p:nvPr>
+        </p:nvSpPr>
+        <p:spPr/>
+        <p:txBody>
+          <a:bodyPr/>
+          <a:lstStyle/>
+          <a:p>
+            <a:pPr>
+              <a:defRPr sz="4000">
+                <a:solidFill>
+                  <a:srgbClr val="004C99"/>
+                </a:solidFill>
+              </a:defRPr>
+            </a:pPr>
+            <a:r>
+              <a:rPr dirty="0"/>
+              <a:t>Exemplo</a:t>
+            </a:r>
+            <a:r>
+              <a:rPr lang="pt-BR" dirty="0"/>
+              <a:t>s</a:t>
+            </a:r>
+            <a:endParaRPr dirty="0"/>
+          </a:p>
+        </p:txBody>
+      </p:sp>
+      <p:sp>
+        <p:nvSpPr>
+          <p:cNvPr id="3" name="Content Placeholder 2"/>
+          <p:cNvSpPr>
+            <a:spLocks noGrp="1"/>
+          </p:cNvSpPr>
+          <p:nvPr>
+            <p:ph idx="1"/>
+          </p:nvPr>
+        </p:nvSpPr>
+        <p:spPr>
+          <a:xfrm>
+            <a:off x="1119709" y="1825625"/>
+            <a:ext cx="4759982" cy="3523123"/>
+          </a:xfrm>
+        </p:spPr>
+        <p:txBody>
+          <a:bodyPr/>
+          <a:lstStyle/>
+          <a:p>
+            <a:pPr marL="0" indent="0">
+              <a:buNone/>
+              <a:defRPr sz="1800">
+                <a:latin typeface="Courier New"/>
+              </a:defRPr>
+            </a:pPr>
+            <a:r>
+              <a:rPr lang="pt-BR" b="1" dirty="0"/>
+              <a:t>//</a:t>
+            </a:r>
+            <a:r>
+              <a:rPr lang="pt-BR" b="1" dirty="0" err="1"/>
+              <a:t>Hello</a:t>
+            </a:r>
+            <a:r>
+              <a:rPr lang="pt-BR" b="1" dirty="0"/>
+              <a:t> World</a:t>
+            </a:r>
+          </a:p>
+          <a:p>
+            <a:pPr marL="0" indent="0">
+              <a:buNone/>
+              <a:defRPr sz="1800">
+                <a:latin typeface="Courier New"/>
+              </a:defRPr>
+            </a:pPr>
+            <a:r>
+              <a:rPr b="1" dirty="0" err="1"/>
+              <a:t>fale</a:t>
+            </a:r>
+            <a:r>
+              <a:rPr b="1" dirty="0"/>
+              <a:t>("Olá, </a:t>
+            </a:r>
+            <a:r>
+              <a:rPr b="1" dirty="0" err="1"/>
+              <a:t>mundo</a:t>
+            </a:r>
+            <a:r>
+              <a:rPr b="1" dirty="0"/>
+              <a:t>!");</a:t>
+            </a:r>
+            <a:endParaRPr lang="pt-BR" b="1" dirty="0"/>
+          </a:p>
+          <a:p>
+            <a:pPr marL="0" indent="0">
+              <a:buNone/>
+              <a:defRPr sz="1800">
+                <a:latin typeface="Courier New"/>
+              </a:defRPr>
+            </a:pPr>
+            <a:endParaRPr lang="pt-BR" b="1" dirty="0"/>
+          </a:p>
+          <a:p>
+            <a:pPr marL="0" indent="0">
+              <a:buNone/>
+              <a:defRPr sz="1800">
+                <a:latin typeface="Courier New"/>
+              </a:defRPr>
+            </a:pPr>
+            <a:r>
+              <a:rPr lang="pt-BR" b="1" dirty="0"/>
+              <a:t>// Contagem regressiva</a:t>
+            </a:r>
+            <a:br>
+              <a:rPr lang="pt-BR" b="1" dirty="0"/>
+            </a:br>
+            <a:r>
+              <a:rPr lang="pt-BR" b="1" dirty="0"/>
+              <a:t>contador = 5;</a:t>
+            </a:r>
+            <a:br>
+              <a:rPr lang="pt-BR" b="1" dirty="0"/>
+            </a:br>
+            <a:br>
+              <a:rPr lang="pt-BR" b="1" dirty="0"/>
+            </a:br>
+            <a:r>
+              <a:rPr lang="pt-BR" b="1" dirty="0"/>
+              <a:t>enquanto (contador &gt; 0) {</a:t>
+            </a:r>
+            <a:br>
+              <a:rPr lang="pt-BR" b="1" dirty="0"/>
+            </a:br>
+            <a:r>
+              <a:rPr lang="pt-BR" b="1" dirty="0"/>
+              <a:t>    fale("Contagem: ", contador);</a:t>
+            </a:r>
+            <a:br>
+              <a:rPr lang="pt-BR" b="1" dirty="0"/>
+            </a:br>
+            <a:r>
+              <a:rPr lang="pt-BR" b="1" dirty="0"/>
+              <a:t>    contador = contador - 1;</a:t>
+            </a:r>
+            <a:br>
+              <a:rPr lang="pt-BR" b="1" dirty="0"/>
+            </a:br>
+            <a:r>
+              <a:rPr lang="pt-BR" b="1" dirty="0"/>
+              <a:t>}</a:t>
+            </a:r>
+            <a:br>
+              <a:rPr lang="pt-BR" b="1" dirty="0"/>
+            </a:br>
+            <a:br>
+              <a:rPr lang="pt-BR" b="1" dirty="0"/>
+            </a:br>
+            <a:r>
+              <a:rPr lang="pt-BR" b="1" dirty="0"/>
+              <a:t>fale("Fim da contagem!");</a:t>
+            </a:r>
+          </a:p>
+          <a:p>
+            <a:pPr marL="0" indent="0">
+              <a:buNone/>
+              <a:defRPr sz="1800">
+                <a:latin typeface="Courier New"/>
+              </a:defRPr>
+            </a:pPr>
+            <a:endParaRPr dirty="0"/>
+          </a:p>
+        </p:txBody>
+      </p:sp>
+      <p:sp>
+        <p:nvSpPr>
+          <p:cNvPr id="4" name="Content Placeholder 2">
+            <a:extLst>
+              <a:ext uri="{FF2B5EF4-FFF2-40B4-BE49-F238E27FC236}">
+                <a16:creationId xmlns:a16="http://schemas.microsoft.com/office/drawing/2014/main" id="{F9E3ED6D-9AE0-D543-04A8-C9F8C9BB0839}"/>
+              </a:ext>
+            </a:extLst>
+          </p:cNvPr>
+          <p:cNvSpPr txBox="1">
+            <a:spLocks/>
+          </p:cNvSpPr>
+          <p:nvPr/>
+        </p:nvSpPr>
+        <p:spPr>
+          <a:xfrm>
+            <a:off x="6032091" y="1825624"/>
+            <a:ext cx="4759982" cy="3523123"/>
+          </a:xfrm>
+          <a:prstGeom prst="rect">
+            <a:avLst/>
+          </a:prstGeom>
+        </p:spPr>
+        <p:txBody>
+          <a:bodyPr vert="horz" lIns="91440" tIns="45720" rIns="91440" bIns="45720" rtlCol="0">
+            <a:normAutofit/>
+          </a:bodyPr>
+          <a:lstStyle>
+            <a:lvl1pPr marL="228531" indent="-228531" algn="l" defTabSz="914126" rtl="0" eaLnBrk="1" latinLnBrk="0" hangingPunct="1">
+              <a:lnSpc>
+                <a:spcPct val="90000"/>
+              </a:lnSpc>
+              <a:spcBef>
+                <a:spcPts val="1000"/>
+              </a:spcBef>
+              <a:buFont typeface="Arial" panose="020B0604020202020204" pitchFamily="34" charset="0"/>
+              <a:buChar char="•"/>
+              <a:defRPr sz="2799" kern="1200">
+                <a:gradFill>
+                  <a:gsLst>
+                    <a:gs pos="34000">
+                      <a:schemeClr val="tx1">
+                        <a:lumMod val="93000"/>
+                      </a:schemeClr>
+                    </a:gs>
+                    <a:gs pos="0">
+                      <a:schemeClr val="bg1">
+                        <a:lumMod val="25000"/>
+                        <a:lumOff val="75000"/>
+                      </a:schemeClr>
+                    </a:gs>
+                    <a:gs pos="100000">
+                      <a:schemeClr val="tx2">
+                        <a:lumMod val="0"/>
+                        <a:lumOff val="100000"/>
+                      </a:schemeClr>
+                    </a:gs>
+                  </a:gsLst>
+                  <a:lin ang="4800000" scaled="0"/>
+                </a:gradFill>
+                <a:latin typeface="+mn-lt"/>
+                <a:ea typeface="+mn-ea"/>
+                <a:cs typeface="+mn-cs"/>
+              </a:defRPr>
+            </a:lvl1pPr>
+            <a:lvl2pPr marL="685594" indent="-228531" algn="l" defTabSz="914126" rtl="0" eaLnBrk="1" latinLnBrk="0" hangingPunct="1">
+              <a:lnSpc>
+                <a:spcPct val="90000"/>
+              </a:lnSpc>
+              <a:spcBef>
+                <a:spcPts val="500"/>
+              </a:spcBef>
+              <a:buFont typeface="Arial" panose="020B0604020202020204" pitchFamily="34" charset="0"/>
+              <a:buChar char="•"/>
+              <a:defRPr sz="2399" kern="1200">
+                <a:gradFill>
+                  <a:gsLst>
+                    <a:gs pos="34000">
+                      <a:schemeClr val="tx1">
+                        <a:lumMod val="93000"/>
+                      </a:schemeClr>
+                    </a:gs>
+                    <a:gs pos="0">
+                      <a:schemeClr val="bg1">
+                        <a:lumMod val="25000"/>
+                        <a:lumOff val="75000"/>
+                      </a:schemeClr>
+                    </a:gs>
+                    <a:gs pos="100000">
+                      <a:schemeClr val="tx2">
+                        <a:lumMod val="0"/>
+                        <a:lumOff val="100000"/>
+                      </a:schemeClr>
+                    </a:gs>
+                  </a:gsLst>
+                  <a:lin ang="4800000" scaled="0"/>
+                </a:gradFill>
+                <a:latin typeface="+mn-lt"/>
+                <a:ea typeface="+mn-ea"/>
+                <a:cs typeface="+mn-cs"/>
+              </a:defRPr>
+            </a:lvl2pPr>
+            <a:lvl3pPr marL="1142657" indent="-228531" algn="l" defTabSz="914126" rtl="0" eaLnBrk="1" latinLnBrk="0" hangingPunct="1">
+              <a:lnSpc>
+                <a:spcPct val="90000"/>
+              </a:lnSpc>
+              <a:spcBef>
+                <a:spcPts val="500"/>
+              </a:spcBef>
+              <a:buFont typeface="Arial" panose="020B0604020202020204" pitchFamily="34" charset="0"/>
+              <a:buChar char="•"/>
+              <a:defRPr sz="1999" kern="1200">
+                <a:gradFill>
+                  <a:gsLst>
+                    <a:gs pos="34000">
+                      <a:schemeClr val="tx1">
+                        <a:lumMod val="93000"/>
+                      </a:schemeClr>
+                    </a:gs>
+                    <a:gs pos="0">
+                      <a:schemeClr val="bg1">
+                        <a:lumMod val="25000"/>
+                        <a:lumOff val="75000"/>
+                      </a:schemeClr>
+                    </a:gs>
+                    <a:gs pos="100000">
+                      <a:schemeClr val="tx2">
+                        <a:lumMod val="0"/>
+                        <a:lumOff val="100000"/>
+                      </a:schemeClr>
+                    </a:gs>
+                  </a:gsLst>
+                  <a:lin ang="4800000" scaled="0"/>
+                </a:gradFill>
+                <a:latin typeface="+mn-lt"/>
+                <a:ea typeface="+mn-ea"/>
+                <a:cs typeface="+mn-cs"/>
+              </a:defRPr>
+            </a:lvl3pPr>
+            <a:lvl4pPr marL="1599720" indent="-228531" algn="l" defTabSz="914126" rtl="0" eaLnBrk="1" latinLnBrk="0" hangingPunct="1">
+              <a:lnSpc>
+                <a:spcPct val="90000"/>
+              </a:lnSpc>
+              <a:spcBef>
+                <a:spcPts val="500"/>
+              </a:spcBef>
+              <a:buFont typeface="Arial" panose="020B0604020202020204" pitchFamily="34" charset="0"/>
+              <a:buChar char="•"/>
+              <a:defRPr sz="1799" kern="1200">
+                <a:gradFill>
+                  <a:gsLst>
+                    <a:gs pos="34000">
+                      <a:schemeClr val="tx1">
+                        <a:lumMod val="93000"/>
+                      </a:schemeClr>
+                    </a:gs>
+                    <a:gs pos="0">
+                      <a:schemeClr val="bg1">
+                        <a:lumMod val="25000"/>
+                        <a:lumOff val="75000"/>
+                      </a:schemeClr>
+                    </a:gs>
+                    <a:gs pos="100000">
+                      <a:schemeClr val="tx2">
+                        <a:lumMod val="0"/>
+                        <a:lumOff val="100000"/>
+                      </a:schemeClr>
+                    </a:gs>
+                  </a:gsLst>
+                  <a:lin ang="4800000" scaled="0"/>
+                </a:gradFill>
+                <a:latin typeface="+mn-lt"/>
+                <a:ea typeface="+mn-ea"/>
+                <a:cs typeface="+mn-cs"/>
+              </a:defRPr>
+            </a:lvl4pPr>
+            <a:lvl5pPr marL="2056783" indent="-228531" algn="l" defTabSz="914126" rtl="0" eaLnBrk="1" latinLnBrk="0" hangingPunct="1">
+              <a:lnSpc>
+                <a:spcPct val="90000"/>
+              </a:lnSpc>
+              <a:spcBef>
+                <a:spcPts val="500"/>
+              </a:spcBef>
+              <a:buFont typeface="Arial" panose="020B0604020202020204" pitchFamily="34" charset="0"/>
+              <a:buChar char="•"/>
+              <a:defRPr sz="1799" kern="1200">
+                <a:gradFill>
+                  <a:gsLst>
+                    <a:gs pos="34000">
+                      <a:schemeClr val="tx1">
+                        <a:lumMod val="93000"/>
+                      </a:schemeClr>
+                    </a:gs>
+                    <a:gs pos="0">
+                      <a:schemeClr val="bg1">
+                        <a:lumMod val="25000"/>
+                        <a:lumOff val="75000"/>
+                      </a:schemeClr>
+                    </a:gs>
+                    <a:gs pos="100000">
+                      <a:schemeClr val="tx2">
+                        <a:lumMod val="0"/>
+                        <a:lumOff val="100000"/>
+                      </a:schemeClr>
+                    </a:gs>
+                  </a:gsLst>
+                  <a:lin ang="4800000" scaled="0"/>
+                </a:gradFill>
+                <a:latin typeface="+mn-lt"/>
+                <a:ea typeface="+mn-ea"/>
+                <a:cs typeface="+mn-cs"/>
+              </a:defRPr>
+            </a:lvl5pPr>
+            <a:lvl6pPr marL="2513846" indent="-228531" algn="l" defTabSz="914126" rtl="0" eaLnBrk="1" latinLnBrk="0" hangingPunct="1">
+              <a:lnSpc>
+                <a:spcPct val="90000"/>
+              </a:lnSpc>
+              <a:spcBef>
+                <a:spcPts val="500"/>
+              </a:spcBef>
+              <a:buFont typeface="Arial" panose="020B0604020202020204" pitchFamily="34" charset="0"/>
+              <a:buChar char="•"/>
+              <a:defRPr sz="1799" kern="1200">
+                <a:solidFill>
+                  <a:schemeClr val="tx1"/>
+                </a:solidFill>
+                <a:latin typeface="+mn-lt"/>
+                <a:ea typeface="+mn-ea"/>
+                <a:cs typeface="+mn-cs"/>
+              </a:defRPr>
+            </a:lvl6pPr>
+            <a:lvl7pPr marL="2970908" indent="-228531" algn="l" defTabSz="914126" rtl="0" eaLnBrk="1" latinLnBrk="0" hangingPunct="1">
+              <a:lnSpc>
+                <a:spcPct val="90000"/>
+              </a:lnSpc>
+              <a:spcBef>
+                <a:spcPts val="500"/>
+              </a:spcBef>
+              <a:buFont typeface="Arial" panose="020B0604020202020204" pitchFamily="34" charset="0"/>
+              <a:buChar char="•"/>
+              <a:defRPr sz="1799" kern="1200">
+                <a:solidFill>
+                  <a:schemeClr val="tx1"/>
+                </a:solidFill>
+                <a:latin typeface="+mn-lt"/>
+                <a:ea typeface="+mn-ea"/>
+                <a:cs typeface="+mn-cs"/>
+              </a:defRPr>
+            </a:lvl7pPr>
+            <a:lvl8pPr marL="3427971" indent="-228531" algn="l" defTabSz="914126" rtl="0" eaLnBrk="1" latinLnBrk="0" hangingPunct="1">
+              <a:lnSpc>
+                <a:spcPct val="90000"/>
+              </a:lnSpc>
+              <a:spcBef>
+                <a:spcPts val="500"/>
+              </a:spcBef>
+              <a:buFont typeface="Arial" panose="020B0604020202020204" pitchFamily="34" charset="0"/>
+              <a:buChar char="•"/>
+              <a:defRPr sz="1799" kern="1200">
+                <a:solidFill>
+                  <a:schemeClr val="tx1"/>
+                </a:solidFill>
+                <a:latin typeface="+mn-lt"/>
+                <a:ea typeface="+mn-ea"/>
+                <a:cs typeface="+mn-cs"/>
+              </a:defRPr>
+            </a:lvl8pPr>
+            <a:lvl9pPr marL="3885034" indent="-228531" algn="l" defTabSz="914126" rtl="0" eaLnBrk="1" latinLnBrk="0" hangingPunct="1">
+              <a:lnSpc>
+                <a:spcPct val="90000"/>
+              </a:lnSpc>
+              <a:spcBef>
+                <a:spcPts val="500"/>
+              </a:spcBef>
+              <a:buFont typeface="Arial" panose="020B0604020202020204" pitchFamily="34" charset="0"/>
+              <a:buChar char="•"/>
+              <a:defRPr sz="1799" kern="1200">
+                <a:solidFill>
+                  <a:schemeClr val="tx1"/>
+                </a:solidFill>
+                <a:latin typeface="+mn-lt"/>
+                <a:ea typeface="+mn-ea"/>
+                <a:cs typeface="+mn-cs"/>
+              </a:defRPr>
+            </a:lvl9pPr>
+          </a:lstStyle>
+          <a:p>
+            <a:pPr marL="0" indent="0">
+              <a:buFont typeface="Arial" panose="020B0604020202020204" pitchFamily="34" charset="0"/>
+              <a:buNone/>
+              <a:defRPr sz="1800">
+                <a:latin typeface="Courier New"/>
+              </a:defRPr>
+            </a:pPr>
+            <a:r>
+              <a:rPr lang="pt-BR" sz="1800" b="1" dirty="0">
+                <a:latin typeface="Courier New"/>
+              </a:rPr>
+              <a:t>//Condicional</a:t>
+            </a:r>
+          </a:p>
+          <a:p>
+            <a:pPr>
+              <a:defRPr sz="1800">
+                <a:latin typeface="Courier New"/>
+              </a:defRPr>
+            </a:pPr>
+            <a:r>
+              <a:rPr lang="pt-BR" b="1" dirty="0"/>
+              <a:t>peixe = 10;</a:t>
+            </a:r>
+            <a:br>
+              <a:rPr lang="pt-BR" b="1" dirty="0"/>
+            </a:br>
+            <a:r>
+              <a:rPr lang="pt-BR" b="1" dirty="0" err="1"/>
+              <a:t>agua_limpa</a:t>
+            </a:r>
+            <a:r>
+              <a:rPr lang="pt-BR" b="1" dirty="0"/>
+              <a:t> = </a:t>
+            </a:r>
+            <a:r>
+              <a:rPr lang="pt-BR" b="1" dirty="0" err="1"/>
+              <a:t>salmao</a:t>
+            </a:r>
+            <a:r>
+              <a:rPr lang="pt-BR" b="1" dirty="0"/>
+              <a:t>;</a:t>
+            </a:r>
+            <a:br>
+              <a:rPr lang="pt-BR" b="1" dirty="0"/>
+            </a:br>
+            <a:br>
+              <a:rPr lang="pt-BR" b="1" dirty="0"/>
+            </a:br>
+            <a:r>
+              <a:rPr lang="pt-BR" b="1" dirty="0"/>
+              <a:t>se (peixe &gt; 5) {</a:t>
+            </a:r>
+            <a:br>
+              <a:rPr lang="pt-BR" b="1" dirty="0"/>
+            </a:br>
+            <a:r>
+              <a:rPr lang="pt-BR" b="1" dirty="0"/>
+              <a:t>    fale("Peguei um grande!");</a:t>
+            </a:r>
+            <a:br>
+              <a:rPr lang="pt-BR" b="1" dirty="0"/>
+            </a:br>
+            <a:r>
+              <a:rPr lang="pt-BR" b="1" dirty="0"/>
+              <a:t>} senão {</a:t>
+            </a:r>
+            <a:br>
+              <a:rPr lang="pt-BR" b="1" dirty="0"/>
+            </a:br>
+            <a:r>
+              <a:rPr lang="pt-BR" b="1" dirty="0"/>
+              <a:t>    fale("Muito pequeno!");</a:t>
+            </a:r>
+            <a:br>
+              <a:rPr lang="pt-BR" b="1" dirty="0"/>
+            </a:br>
+            <a:r>
+              <a:rPr lang="pt-BR" b="1" dirty="0"/>
+              <a:t>}</a:t>
+            </a:r>
+          </a:p>
+          <a:p>
+            <a:pPr marL="0" indent="0">
+              <a:buFont typeface="Arial" panose="020B0604020202020204" pitchFamily="34" charset="0"/>
+              <a:buNone/>
+              <a:defRPr sz="1800">
+                <a:latin typeface="Courier New"/>
+              </a:defRPr>
+            </a:pPr>
+            <a:endParaRPr lang="pt-BR" sz="1800" dirty="0">
+              <a:latin typeface="Courier New"/>
+            </a:endParaRPr>
+          </a:p>
+        </p:txBody>
+      </p:sp>
+    </p:spTree>
+  </p:cSld>
+  <p:clrMapOvr>
+    <a:masterClrMapping/>
+  </p:clrMapOvr>
+</p:sld>
+</file>
+
+<file path=ppt/slides/slide9.xml><?xml version="1.0" encoding="utf-8"?>
+<p:sld xmlns:a="http://schemas.openxmlformats.org/drawingml/2006/main" xmlns:r="http://schemas.openxmlformats.org/officeDocument/2006/relationships" xmlns:p="http://schemas.openxmlformats.org/presentationml/2006/main">
+  <p:cSld>
+    <p:bg>
+      <p:bgPr>
+        <a:blipFill dpi="0" rotWithShape="1">
+          <a:blip r:embed="rId2">
+            <a:lum/>
+          </a:blip>
+          <a:srcRect/>
+          <a:stretch>
+            <a:fillRect/>
+          </a:stretch>
+        </a:blipFill>
+        <a:effectLst/>
+      </p:bgPr>
+    </p:bg>
+    <p:spTree>
+      <p:nvGrpSpPr>
+        <p:cNvPr id="1" name=""/>
+        <p:cNvGrpSpPr/>
+        <p:nvPr/>
+      </p:nvGrpSpPr>
+      <p:grpSpPr>
+        <a:xfrm>
+          <a:off x="0" y="0"/>
+          <a:ext cx="0" cy="0"/>
+          <a:chOff x="0" y="0"/>
+          <a:chExt cx="0" cy="0"/>
+        </a:xfrm>
+      </p:grpSpPr>
+      <p:sp useBgFill="1">
+        <p:nvSpPr>
+          <p:cNvPr id="8" name="Rectangle 7">
             <a:extLst>
               <a:ext uri="{FF2B5EF4-FFF2-40B4-BE49-F238E27FC236}">
                 <a16:creationId xmlns:a16="http://schemas.microsoft.com/office/drawing/2014/main" id="{6B2275DD-736C-472F-9D1B-3BA6016BFD7F}"/>
@@ -24494,14 +21475,14 @@
               </a:defRPr>
             </a:pPr>
             <a:r>
-              <a:rPr lang="pt-BR" sz="4400" dirty="0">
+              <a:rPr lang="pt-BR" sz="4400">
                 <a:solidFill>
                   <a:schemeClr val="tx1">
                     <a:lumMod val="95000"/>
                   </a:schemeClr>
                 </a:solidFill>
               </a:rPr>
-              <a:t>Curiosidades</a:t>
+              <a:t>Como Executar</a:t>
             </a:r>
           </a:p>
         </p:txBody>
@@ -24519,12 +21500,12 @@
         <p:spPr>
           <a:xfrm>
             <a:off x="837981" y="1825625"/>
-            <a:ext cx="7956595" cy="4351338"/>
+            <a:ext cx="9249916" cy="4388362"/>
           </a:xfrm>
         </p:spPr>
         <p:txBody>
           <a:bodyPr>
-            <a:normAutofit/>
+            <a:normAutofit fontScale="85000" lnSpcReduction="20000"/>
           </a:bodyPr>
           <a:lstStyle/>
           <a:p>
@@ -24538,10 +21519,8 @@
           </a:p>
           <a:p>
             <a:pPr>
-              <a:defRPr sz="2400">
-                <a:solidFill>
-                  <a:srgbClr val="000000"/>
-                </a:solidFill>
+              <a:defRPr sz="1800">
+                <a:latin typeface="Courier New"/>
               </a:defRPr>
             </a:pPr>
             <a:r>
@@ -24552,15 +21531,120 @@
                   </a:schemeClr>
                 </a:solidFill>
               </a:rPr>
-              <a:t>Três diferentes abordagens:</a:t>
+              <a:t>1. Dar permissões de execução</a:t>
             </a:r>
+            <a:br>
+              <a:rPr lang="pt-BR" sz="2400" dirty="0">
+                <a:solidFill>
+                  <a:schemeClr val="tx1">
+                    <a:lumMod val="95000"/>
+                  </a:schemeClr>
+                </a:solidFill>
+              </a:rPr>
+            </a:br>
+            <a:r>
+              <a:rPr lang="pt-BR" sz="2400" dirty="0" err="1">
+                <a:solidFill>
+                  <a:schemeClr val="tx1">
+                    <a:lumMod val="95000"/>
+                  </a:schemeClr>
+                </a:solidFill>
+              </a:rPr>
+              <a:t>chmod</a:t>
+            </a:r>
+            <a:r>
+              <a:rPr lang="pt-BR" sz="2400" dirty="0">
+                <a:solidFill>
+                  <a:schemeClr val="tx1">
+                    <a:lumMod val="95000"/>
+                  </a:schemeClr>
+                </a:solidFill>
+              </a:rPr>
+              <a:t> +x peixe_vm_run.sh vm_peixe_final.py</a:t>
+            </a:r>
+            <a:br>
+              <a:rPr lang="pt-BR" sz="2400" dirty="0">
+                <a:solidFill>
+                  <a:schemeClr val="tx1">
+                    <a:lumMod val="95000"/>
+                  </a:schemeClr>
+                </a:solidFill>
+              </a:rPr>
+            </a:br>
+            <a:br>
+              <a:rPr lang="pt-BR" sz="2400" dirty="0">
+                <a:solidFill>
+                  <a:schemeClr val="tx1">
+                    <a:lumMod val="95000"/>
+                  </a:schemeClr>
+                </a:solidFill>
+              </a:rPr>
+            </a:br>
+            <a:r>
+              <a:rPr lang="pt-BR" sz="2400" dirty="0">
+                <a:solidFill>
+                  <a:schemeClr val="tx1">
+                    <a:lumMod val="95000"/>
+                  </a:schemeClr>
+                </a:solidFill>
+              </a:rPr>
+              <a:t>2. Executar um programa</a:t>
+            </a:r>
+            <a:br>
+              <a:rPr lang="pt-BR" sz="2400" dirty="0">
+                <a:solidFill>
+                  <a:schemeClr val="tx1">
+                    <a:lumMod val="95000"/>
+                  </a:schemeClr>
+                </a:solidFill>
+              </a:rPr>
+            </a:br>
+            <a:r>
+              <a:rPr lang="pt-BR" sz="2400" dirty="0">
+                <a:solidFill>
+                  <a:schemeClr val="tx1">
+                    <a:lumMod val="95000"/>
+                  </a:schemeClr>
+                </a:solidFill>
+              </a:rPr>
+              <a:t>./peixe_vm_run.sh </a:t>
+            </a:r>
+            <a:r>
+              <a:rPr lang="pt-BR" sz="2400" dirty="0" err="1">
+                <a:solidFill>
+                  <a:schemeClr val="tx1">
+                    <a:lumMod val="95000"/>
+                  </a:schemeClr>
+                </a:solidFill>
+              </a:rPr>
+              <a:t>teste.pesca</a:t>
+            </a:r>
+            <a:endParaRPr lang="pt-BR" sz="2400" dirty="0">
+              <a:solidFill>
+                <a:schemeClr val="tx1">
+                  <a:lumMod val="95000"/>
+                </a:schemeClr>
+              </a:solidFill>
+            </a:endParaRPr>
           </a:p>
           <a:p>
             <a:pPr>
-              <a:defRPr sz="2400">
-                <a:solidFill>
-                  <a:srgbClr val="000000"/>
-                </a:solidFill>
+              <a:defRPr sz="1800">
+                <a:latin typeface="Courier New"/>
+              </a:defRPr>
+            </a:pPr>
+            <a:endParaRPr lang="pt-BR" sz="2400" dirty="0">
+              <a:solidFill>
+                <a:schemeClr val="tx1">
+                  <a:lumMod val="95000"/>
+                </a:schemeClr>
+              </a:solidFill>
+            </a:endParaRPr>
+          </a:p>
+          <a:p>
+            <a:pPr>
+              <a:defRPr sz="1800">
+                <a:latin typeface="Courier New"/>
               </a:defRPr>
             </a:pPr>
             <a:r>
@@ -24571,15 +21655,27 @@
                   </a:schemeClr>
                 </a:solidFill>
               </a:rPr>
-              <a:t>1. VM Final: Interpretação direta do código fonte</a:t>
+              <a:t>Ou</a:t>
             </a:r>
           </a:p>
           <a:p>
             <a:pPr>
-              <a:defRPr sz="2400">
-                <a:solidFill>
-                  <a:srgbClr val="000000"/>
-                </a:solidFill>
+              <a:defRPr sz="1800">
+                <a:latin typeface="Courier New"/>
+              </a:defRPr>
+            </a:pPr>
+            <a:endParaRPr lang="pt-BR" sz="2400" dirty="0">
+              <a:solidFill>
+                <a:schemeClr val="tx1">
+                  <a:lumMod val="95000"/>
+                </a:schemeClr>
+              </a:solidFill>
+            </a:endParaRPr>
+          </a:p>
+          <a:p>
+            <a:pPr>
+              <a:defRPr sz="1800">
+                <a:latin typeface="Courier New"/>
               </a:defRPr>
             </a:pPr>
             <a:r>
@@ -24590,15 +21686,15 @@
                   </a:schemeClr>
                 </a:solidFill>
               </a:rPr>
-              <a:t>2. Bytecode: Compilação para formato intermediário + VM simples</a:t>
+              <a:t>1. Limpar e compilar o projeto</a:t>
             </a:r>
+            <a:endParaRPr lang="pt-BR" sz="2400" dirty="0"/>
           </a:p>
           <a:p>
-            <a:pPr>
-              <a:defRPr sz="2400">
-                <a:solidFill>
-                  <a:srgbClr val="000000"/>
-                </a:solidFill>
+            <a:pPr marL="0" indent="0">
+              <a:buNone/>
+              <a:defRPr sz="1800">
+                <a:latin typeface="Courier New"/>
               </a:defRPr>
             </a:pPr>
             <a:r>
@@ -24609,370 +21705,92 @@
                   </a:schemeClr>
                 </a:solidFill>
               </a:rPr>
-              <a:t>3. Adaptador Python: Integrado ao ambiente Python</a:t>
+              <a:t>   make clean &amp;&amp; make</a:t>
             </a:r>
+          </a:p>
+          <a:p>
+            <a:pPr>
+              <a:defRPr sz="1800">
+                <a:latin typeface="Courier New"/>
+              </a:defRPr>
+            </a:pPr>
+            <a:endParaRPr lang="pt-BR" sz="2400" dirty="0">
+              <a:solidFill>
+                <a:schemeClr val="tx1">
+                  <a:lumMod val="95000"/>
+                </a:schemeClr>
+              </a:solidFill>
+            </a:endParaRPr>
+          </a:p>
+          <a:p>
+            <a:pPr>
+              <a:defRPr sz="1800">
+                <a:latin typeface="Courier New"/>
+              </a:defRPr>
+            </a:pPr>
+            <a:r>
+              <a:rPr lang="pt-BR" sz="2400" dirty="0">
+                <a:solidFill>
+                  <a:schemeClr val="tx1">
+                    <a:lumMod val="95000"/>
+                  </a:schemeClr>
+                </a:solidFill>
+              </a:rPr>
+              <a:t>2.Executar um programa </a:t>
+            </a:r>
+          </a:p>
+          <a:p>
+            <a:pPr marL="0" indent="0">
+              <a:buNone/>
+              <a:defRPr sz="1800">
+                <a:latin typeface="Courier New"/>
+              </a:defRPr>
+            </a:pPr>
+            <a:r>
+              <a:rPr lang="pt-BR" sz="2400" dirty="0">
+                <a:solidFill>
+                  <a:schemeClr val="tx1">
+                    <a:lumMod val="95000"/>
+                  </a:schemeClr>
+                </a:solidFill>
+              </a:rPr>
+              <a:t>    ./peixe </a:t>
+            </a:r>
+            <a:r>
+              <a:rPr lang="pt-BR" sz="2400" dirty="0" err="1">
+                <a:solidFill>
+                  <a:schemeClr val="tx1">
+                    <a:lumMod val="95000"/>
+                  </a:schemeClr>
+                </a:solidFill>
+              </a:rPr>
+              <a:t>teste.pesca</a:t>
+            </a:r>
+            <a:endParaRPr lang="pt-BR" sz="2400" dirty="0">
+              <a:solidFill>
+                <a:schemeClr val="tx1">
+                  <a:lumMod val="95000"/>
+                </a:schemeClr>
+              </a:solidFill>
+            </a:endParaRPr>
+          </a:p>
+          <a:p>
+            <a:pPr marL="0" indent="0">
+              <a:buNone/>
+              <a:defRPr sz="1800">
+                <a:latin typeface="Courier New"/>
+              </a:defRPr>
+            </a:pPr>
+            <a:endParaRPr lang="pt-BR" sz="2400" dirty="0">
+              <a:solidFill>
+                <a:schemeClr val="tx1">
+                  <a:lumMod val="95000"/>
+                </a:schemeClr>
+              </a:solidFill>
+            </a:endParaRPr>
           </a:p>
         </p:txBody>
       </p:sp>
-    </p:spTree>
-  </p:cSld>
-  <p:clrMapOvr>
-    <a:masterClrMapping/>
-  </p:clrMapOvr>
-</p:sld>
-</file>
-
-<file path=ppt/slides/slide8.xml><?xml version="1.0" encoding="utf-8"?>
-<p:sld xmlns:a="http://schemas.openxmlformats.org/drawingml/2006/main" xmlns:r="http://schemas.openxmlformats.org/officeDocument/2006/relationships" xmlns:p="http://schemas.openxmlformats.org/presentationml/2006/main">
-  <p:cSld>
-    <p:bg>
-      <p:bgPr>
-        <a:blipFill dpi="0" rotWithShape="1">
-          <a:blip r:embed="rId2">
-            <a:lum/>
-          </a:blip>
-          <a:srcRect/>
-          <a:stretch>
-            <a:fillRect/>
-          </a:stretch>
-        </a:blipFill>
-        <a:effectLst/>
-      </p:bgPr>
-    </p:bg>
-    <p:spTree>
-      <p:nvGrpSpPr>
-        <p:cNvPr id="1" name=""/>
-        <p:cNvGrpSpPr/>
-        <p:nvPr/>
-      </p:nvGrpSpPr>
-      <p:grpSpPr>
-        <a:xfrm>
-          <a:off x="0" y="0"/>
-          <a:ext cx="0" cy="0"/>
-          <a:chOff x="0" y="0"/>
-          <a:chExt cx="0" cy="0"/>
-        </a:xfrm>
-      </p:grpSpPr>
-      <p:sp>
-        <p:nvSpPr>
-          <p:cNvPr id="9" name="Rectangle 8">
-            <a:extLst>
-              <a:ext uri="{FF2B5EF4-FFF2-40B4-BE49-F238E27FC236}">
-                <a16:creationId xmlns:a16="http://schemas.microsoft.com/office/drawing/2014/main" id="{619B3503-D505-49AA-97C1-B299D58DB436}"/>
-              </a:ext>
-              <a:ext uri="{C183D7F6-B498-43B3-948B-1728B52AA6E4}">
-                <adec:decorative xmlns:adec="http://schemas.microsoft.com/office/drawing/2017/decorative" val="1"/>
-              </a:ext>
-            </a:extLst>
-          </p:cNvPr>
-          <p:cNvSpPr>
-            <a:spLocks noGrp="1" noRot="1" noChangeAspect="1" noMove="1" noResize="1" noEditPoints="1" noAdjustHandles="1" noChangeArrowheads="1" noChangeShapeType="1" noTextEdit="1"/>
-          </p:cNvSpPr>
-          <p:nvPr>
-            <p:extLst>
-              <p:ext uri="{386F3935-93C4-4BCD-93E2-E3B085C9AB24}">
-                <p16:designElem xmlns:p16="http://schemas.microsoft.com/office/powerpoint/2015/main" val="1"/>
-              </p:ext>
-            </p:extLst>
-          </p:nvPr>
-        </p:nvSpPr>
-        <p:spPr>
-          <a:xfrm>
-            <a:off x="4066686" y="0"/>
-            <a:ext cx="8122138" cy="6858000"/>
-          </a:xfrm>
-          <a:prstGeom prst="rect">
-            <a:avLst/>
-          </a:prstGeom>
-          <a:solidFill>
-            <a:schemeClr val="bg1">
-              <a:alpha val="20000"/>
-            </a:schemeClr>
-          </a:solidFill>
-          <a:ln>
-            <a:noFill/>
-          </a:ln>
-          <a:effectLst>
-            <a:innerShdw blurRad="139700" dist="50800" dir="5400000">
-              <a:prstClr val="black">
-                <a:alpha val="20000"/>
-              </a:prstClr>
-            </a:innerShdw>
-          </a:effectLst>
-        </p:spPr>
-        <p:style>
-          <a:lnRef idx="2">
-            <a:schemeClr val="accent1">
-              <a:shade val="50000"/>
-            </a:schemeClr>
-          </a:lnRef>
-          <a:fillRef idx="1">
-            <a:schemeClr val="accent1"/>
-          </a:fillRef>
-          <a:effectRef idx="0">
-            <a:schemeClr val="accent1"/>
-          </a:effectRef>
-          <a:fontRef idx="minor">
-            <a:schemeClr val="lt1"/>
-          </a:fontRef>
-        </p:style>
-        <p:txBody>
-          <a:bodyPr rtlCol="0" anchor="ctr"/>
-          <a:lstStyle/>
-          <a:p>
-            <a:pPr algn="ctr"/>
-            <a:endParaRPr lang="en-US"/>
-          </a:p>
-        </p:txBody>
-      </p:sp>
-      <p:sp useBgFill="1">
-        <p:nvSpPr>
-          <p:cNvPr id="11" name="Rectangle 10">
-            <a:extLst>
-              <a:ext uri="{FF2B5EF4-FFF2-40B4-BE49-F238E27FC236}">
-                <a16:creationId xmlns:a16="http://schemas.microsoft.com/office/drawing/2014/main" id="{E39A2319-946A-4C65-9B7C-1F86E9B1B57C}"/>
-              </a:ext>
-              <a:ext uri="{C183D7F6-B498-43B3-948B-1728B52AA6E4}">
-                <adec:decorative xmlns:adec="http://schemas.microsoft.com/office/drawing/2017/decorative" val="1"/>
-              </a:ext>
-            </a:extLst>
-          </p:cNvPr>
-          <p:cNvSpPr>
-            <a:spLocks noGrp="1" noRot="1" noChangeAspect="1" noMove="1" noResize="1" noEditPoints="1" noAdjustHandles="1" noChangeArrowheads="1" noChangeShapeType="1" noTextEdit="1"/>
-          </p:cNvSpPr>
-          <p:nvPr>
-            <p:extLst>
-              <p:ext uri="{386F3935-93C4-4BCD-93E2-E3B085C9AB24}">
-                <p16:designElem xmlns:p16="http://schemas.microsoft.com/office/powerpoint/2015/main" val="1"/>
-              </p:ext>
-            </p:extLst>
-          </p:nvPr>
-        </p:nvSpPr>
-        <p:spPr>
-          <a:xfrm>
-            <a:off x="0" y="1"/>
-            <a:ext cx="4066687" cy="6857996"/>
-          </a:xfrm>
-          <a:prstGeom prst="rect">
-            <a:avLst/>
-          </a:prstGeom>
-          <a:ln>
-            <a:noFill/>
-          </a:ln>
-          <a:effectLst>
-            <a:outerShdw blurRad="50800" dist="38100" algn="l" rotWithShape="0">
-              <a:prstClr val="black">
-                <a:alpha val="40000"/>
-              </a:prstClr>
-            </a:outerShdw>
-          </a:effectLst>
-        </p:spPr>
-        <p:style>
-          <a:lnRef idx="2">
-            <a:schemeClr val="accent1">
-              <a:shade val="50000"/>
-            </a:schemeClr>
-          </a:lnRef>
-          <a:fillRef idx="1">
-            <a:schemeClr val="accent1"/>
-          </a:fillRef>
-          <a:effectRef idx="0">
-            <a:schemeClr val="accent1"/>
-          </a:effectRef>
-          <a:fontRef idx="minor">
-            <a:schemeClr val="lt1"/>
-          </a:fontRef>
-        </p:style>
-        <p:txBody>
-          <a:bodyPr rtlCol="0" anchor="ctr"/>
-          <a:lstStyle/>
-          <a:p>
-            <a:pPr algn="ctr"/>
-            <a:endParaRPr lang="en-US"/>
-          </a:p>
-        </p:txBody>
-      </p:sp>
-      <p:sp>
-        <p:nvSpPr>
-          <p:cNvPr id="2" name="Title 1"/>
-          <p:cNvSpPr>
-            <a:spLocks noGrp="1"/>
-          </p:cNvSpPr>
-          <p:nvPr>
-            <p:ph type="title"/>
-          </p:nvPr>
-        </p:nvSpPr>
-        <p:spPr>
-          <a:xfrm>
-            <a:off x="647720" y="1349680"/>
-            <a:ext cx="2930556" cy="4449541"/>
-          </a:xfrm>
-        </p:spPr>
-        <p:txBody>
-          <a:bodyPr anchor="t">
-            <a:normAutofit/>
-          </a:bodyPr>
-          <a:lstStyle/>
-          <a:p>
-            <a:pPr>
-              <a:defRPr sz="4000">
-                <a:solidFill>
-                  <a:srgbClr val="004C99"/>
-                </a:solidFill>
-              </a:defRPr>
-            </a:pPr>
-            <a:r>
-              <a:rPr lang="pt-BR" sz="3000">
-                <a:solidFill>
-                  <a:schemeClr val="tx1"/>
-                </a:solidFill>
-              </a:rPr>
-              <a:t>Implementação Principal: VM Final</a:t>
-            </a:r>
-          </a:p>
-        </p:txBody>
-      </p:sp>
-      <p:graphicFrame>
-        <p:nvGraphicFramePr>
-          <p:cNvPr id="5" name="Content Placeholder 2">
-            <a:extLst>
-              <a:ext uri="{FF2B5EF4-FFF2-40B4-BE49-F238E27FC236}">
-                <a16:creationId xmlns:a16="http://schemas.microsoft.com/office/drawing/2014/main" id="{55639BFE-2D48-85BD-11A8-4BC3E83B1CEE}"/>
-              </a:ext>
-            </a:extLst>
-          </p:cNvPr>
-          <p:cNvGraphicFramePr>
-            <a:graphicFrameLocks noGrp="1"/>
-          </p:cNvGraphicFramePr>
-          <p:nvPr>
-            <p:ph idx="1"/>
-            <p:extLst>
-              <p:ext uri="{D42A27DB-BD31-4B8C-83A1-F6EECF244321}">
-                <p14:modId xmlns:p14="http://schemas.microsoft.com/office/powerpoint/2010/main" val="2420320151"/>
-              </p:ext>
-            </p:extLst>
-          </p:nvPr>
-        </p:nvGraphicFramePr>
-        <p:xfrm>
-          <a:off x="4660891" y="640075"/>
-          <a:ext cx="6910445" cy="5536883"/>
-        </p:xfrm>
-        <a:graphic>
-          <a:graphicData uri="http://schemas.openxmlformats.org/drawingml/2006/diagram">
-            <dgm:relIds xmlns:dgm="http://schemas.openxmlformats.org/drawingml/2006/diagram" xmlns:r="http://schemas.openxmlformats.org/officeDocument/2006/relationships" r:dm="rId3" r:lo="rId4" r:qs="rId5" r:cs="rId6"/>
-          </a:graphicData>
-        </a:graphic>
-      </p:graphicFrame>
-    </p:spTree>
-  </p:cSld>
-  <p:clrMapOvr>
-    <a:masterClrMapping/>
-  </p:clrMapOvr>
-</p:sld>
-</file>
-
-<file path=ppt/slides/slide9.xml><?xml version="1.0" encoding="utf-8"?>
-<p:sld xmlns:a="http://schemas.openxmlformats.org/drawingml/2006/main" xmlns:r="http://schemas.openxmlformats.org/officeDocument/2006/relationships" xmlns:p="http://schemas.openxmlformats.org/presentationml/2006/main">
-  <p:cSld>
-    <p:bg>
-      <p:bgPr>
-        <a:blipFill dpi="0" rotWithShape="1">
-          <a:blip r:embed="rId2">
-            <a:lum/>
-          </a:blip>
-          <a:srcRect/>
-          <a:stretch>
-            <a:fillRect/>
-          </a:stretch>
-        </a:blipFill>
-        <a:effectLst/>
-      </p:bgPr>
-    </p:bg>
-    <p:spTree>
-      <p:nvGrpSpPr>
-        <p:cNvPr id="1" name=""/>
-        <p:cNvGrpSpPr/>
-        <p:nvPr/>
-      </p:nvGrpSpPr>
-      <p:grpSpPr>
-        <a:xfrm>
-          <a:off x="0" y="0"/>
-          <a:ext cx="0" cy="0"/>
-          <a:chOff x="0" y="0"/>
-          <a:chExt cx="0" cy="0"/>
-        </a:xfrm>
-      </p:grpSpPr>
-      <p:sp>
-        <p:nvSpPr>
-          <p:cNvPr id="2" name="Title 1"/>
-          <p:cNvSpPr>
-            <a:spLocks noGrp="1"/>
-          </p:cNvSpPr>
-          <p:nvPr>
-            <p:ph type="title"/>
-          </p:nvPr>
-        </p:nvSpPr>
-        <p:spPr>
-          <a:xfrm>
-            <a:off x="837981" y="365125"/>
-            <a:ext cx="10512862" cy="1325563"/>
-          </a:xfrm>
-        </p:spPr>
-        <p:txBody>
-          <a:bodyPr>
-            <a:normAutofit/>
-          </a:bodyPr>
-          <a:lstStyle/>
-          <a:p>
-            <a:pPr>
-              <a:defRPr sz="4000">
-                <a:solidFill>
-                  <a:srgbClr val="004C99"/>
-                </a:solidFill>
-              </a:defRPr>
-            </a:pPr>
-            <a:r>
-              <a:rPr lang="pt-BR" sz="4000" dirty="0">
-                <a:solidFill>
-                  <a:schemeClr val="tx1"/>
-                </a:solidFill>
-              </a:rPr>
-              <a:t>Abordagem com Bytecode</a:t>
-            </a:r>
-          </a:p>
-        </p:txBody>
-      </p:sp>
-      <p:graphicFrame>
-        <p:nvGraphicFramePr>
-          <p:cNvPr id="13" name="Content Placeholder 2">
-            <a:extLst>
-              <a:ext uri="{FF2B5EF4-FFF2-40B4-BE49-F238E27FC236}">
-                <a16:creationId xmlns:a16="http://schemas.microsoft.com/office/drawing/2014/main" id="{4CF1B5DE-5FA1-0329-D6C7-543901C30A9E}"/>
-              </a:ext>
-            </a:extLst>
-          </p:cNvPr>
-          <p:cNvGraphicFramePr>
-            <a:graphicFrameLocks noGrp="1"/>
-          </p:cNvGraphicFramePr>
-          <p:nvPr>
-            <p:ph idx="1"/>
-            <p:extLst>
-              <p:ext uri="{D42A27DB-BD31-4B8C-83A1-F6EECF244321}">
-                <p14:modId xmlns:p14="http://schemas.microsoft.com/office/powerpoint/2010/main" val="2177862776"/>
-              </p:ext>
-            </p:extLst>
-          </p:nvPr>
-        </p:nvGraphicFramePr>
-        <p:xfrm>
-          <a:off x="979232" y="1825625"/>
-          <a:ext cx="10230361" cy="4351338"/>
-        </p:xfrm>
-        <a:graphic>
-          <a:graphicData uri="http://schemas.openxmlformats.org/drawingml/2006/diagram">
-            <dgm:relIds xmlns:dgm="http://schemas.openxmlformats.org/drawingml/2006/diagram" xmlns:r="http://schemas.openxmlformats.org/officeDocument/2006/relationships" r:dm="rId3" r:lo="rId4" r:qs="rId5" r:cs="rId6"/>
-          </a:graphicData>
-        </a:graphic>
-      </p:graphicFrame>
     </p:spTree>
   </p:cSld>
   <p:clrMapOvr>
